--- a/atbmhttt2.pptx
+++ b/atbmhttt2.pptx
@@ -21576,634 +21576,6 @@
           </a:p>
         </p:txBody>
       </p:sp>
-      <p:sp>
-        <p:nvSpPr>
-          <p:cNvPr id="7" name="Google Shape;111;p17">
-            <a:extLst>
-              <a:ext uri="{FF2B5EF4-FFF2-40B4-BE49-F238E27FC236}">
-                <a16:creationId xmlns:a16="http://schemas.microsoft.com/office/drawing/2014/main" id="{61373CCB-0666-45FD-8672-7DBDA1345033}"/>
-              </a:ext>
-            </a:extLst>
-          </p:cNvPr>
-          <p:cNvSpPr txBox="1">
-            <a:spLocks/>
-          </p:cNvSpPr>
-          <p:nvPr/>
-        </p:nvSpPr>
-        <p:spPr>
-          <a:xfrm>
-            <a:off x="786150" y="2870735"/>
-            <a:ext cx="7571700" cy="487574"/>
-          </a:xfrm>
-          <a:prstGeom prst="rect">
-            <a:avLst/>
-          </a:prstGeom>
-          <a:noFill/>
-          <a:ln>
-            <a:noFill/>
-          </a:ln>
-        </p:spPr>
-        <p:txBody>
-          <a:bodyPr spcFirstLastPara="1" wrap="square" lIns="91425" tIns="91425" rIns="91425" bIns="91425" anchor="t" anchorCtr="0">
-            <a:noAutofit/>
-          </a:bodyPr>
-          <a:lstStyle>
-            <a:defPPr marR="0" lvl="0" algn="l" rtl="0">
-              <a:lnSpc>
-                <a:spcPct val="100000"/>
-              </a:lnSpc>
-              <a:spcBef>
-                <a:spcPts val="0"/>
-              </a:spcBef>
-              <a:spcAft>
-                <a:spcPts val="0"/>
-              </a:spcAft>
-            </a:defPPr>
-            <a:lvl1pPr marL="457200" marR="0" lvl="0" indent="-381000" algn="l" rtl="0">
-              <a:lnSpc>
-                <a:spcPct val="100000"/>
-              </a:lnSpc>
-              <a:spcBef>
-                <a:spcPts val="600"/>
-              </a:spcBef>
-              <a:spcAft>
-                <a:spcPts val="0"/>
-              </a:spcAft>
-              <a:buClr>
-                <a:schemeClr val="accent4"/>
-              </a:buClr>
-              <a:buSzPts val="2400"/>
-              <a:buFont typeface="Source Sans Pro"/>
-              <a:buChar char="◎"/>
-              <a:defRPr sz="2400" b="0" i="0" u="none" strike="noStrike" cap="none">
-                <a:solidFill>
-                  <a:schemeClr val="dk1"/>
-                </a:solidFill>
-                <a:latin typeface="Source Sans Pro"/>
-                <a:ea typeface="Source Sans Pro"/>
-                <a:cs typeface="Source Sans Pro"/>
-                <a:sym typeface="Source Sans Pro"/>
-              </a:defRPr>
-            </a:lvl1pPr>
-            <a:lvl2pPr marL="914400" marR="0" lvl="1" indent="-381000" algn="l" rtl="0">
-              <a:lnSpc>
-                <a:spcPct val="100000"/>
-              </a:lnSpc>
-              <a:spcBef>
-                <a:spcPts val="0"/>
-              </a:spcBef>
-              <a:spcAft>
-                <a:spcPts val="0"/>
-              </a:spcAft>
-              <a:buClr>
-                <a:schemeClr val="accent4"/>
-              </a:buClr>
-              <a:buSzPts val="2400"/>
-              <a:buFont typeface="Source Sans Pro"/>
-              <a:buChar char="○"/>
-              <a:defRPr sz="2400" b="0" i="0" u="none" strike="noStrike" cap="none">
-                <a:solidFill>
-                  <a:schemeClr val="dk1"/>
-                </a:solidFill>
-                <a:latin typeface="Source Sans Pro"/>
-                <a:ea typeface="Source Sans Pro"/>
-                <a:cs typeface="Source Sans Pro"/>
-                <a:sym typeface="Source Sans Pro"/>
-              </a:defRPr>
-            </a:lvl2pPr>
-            <a:lvl3pPr marL="1371600" marR="0" lvl="2" indent="-381000" algn="l" rtl="0">
-              <a:lnSpc>
-                <a:spcPct val="100000"/>
-              </a:lnSpc>
-              <a:spcBef>
-                <a:spcPts val="0"/>
-              </a:spcBef>
-              <a:spcAft>
-                <a:spcPts val="0"/>
-              </a:spcAft>
-              <a:buClr>
-                <a:schemeClr val="accent4"/>
-              </a:buClr>
-              <a:buSzPts val="2400"/>
-              <a:buFont typeface="Source Sans Pro"/>
-              <a:buChar char="◉"/>
-              <a:defRPr sz="2400" b="0" i="0" u="none" strike="noStrike" cap="none">
-                <a:solidFill>
-                  <a:schemeClr val="dk1"/>
-                </a:solidFill>
-                <a:latin typeface="Source Sans Pro"/>
-                <a:ea typeface="Source Sans Pro"/>
-                <a:cs typeface="Source Sans Pro"/>
-                <a:sym typeface="Source Sans Pro"/>
-              </a:defRPr>
-            </a:lvl3pPr>
-            <a:lvl4pPr marL="1828800" marR="0" lvl="3" indent="-381000" algn="l" rtl="0">
-              <a:lnSpc>
-                <a:spcPct val="100000"/>
-              </a:lnSpc>
-              <a:spcBef>
-                <a:spcPts val="0"/>
-              </a:spcBef>
-              <a:spcAft>
-                <a:spcPts val="0"/>
-              </a:spcAft>
-              <a:buClr>
-                <a:schemeClr val="dk1"/>
-              </a:buClr>
-              <a:buSzPts val="2400"/>
-              <a:buFont typeface="Source Sans Pro"/>
-              <a:buChar char="●"/>
-              <a:defRPr sz="2400" b="0" i="0" u="none" strike="noStrike" cap="none">
-                <a:solidFill>
-                  <a:schemeClr val="dk1"/>
-                </a:solidFill>
-                <a:latin typeface="Source Sans Pro"/>
-                <a:ea typeface="Source Sans Pro"/>
-                <a:cs typeface="Source Sans Pro"/>
-                <a:sym typeface="Source Sans Pro"/>
-              </a:defRPr>
-            </a:lvl4pPr>
-            <a:lvl5pPr marL="2286000" marR="0" lvl="4" indent="-381000" algn="l" rtl="0">
-              <a:lnSpc>
-                <a:spcPct val="100000"/>
-              </a:lnSpc>
-              <a:spcBef>
-                <a:spcPts val="0"/>
-              </a:spcBef>
-              <a:spcAft>
-                <a:spcPts val="0"/>
-              </a:spcAft>
-              <a:buClr>
-                <a:schemeClr val="dk1"/>
-              </a:buClr>
-              <a:buSzPts val="2400"/>
-              <a:buFont typeface="Source Sans Pro"/>
-              <a:buChar char="○"/>
-              <a:defRPr sz="2400" b="0" i="0" u="none" strike="noStrike" cap="none">
-                <a:solidFill>
-                  <a:schemeClr val="dk1"/>
-                </a:solidFill>
-                <a:latin typeface="Source Sans Pro"/>
-                <a:ea typeface="Source Sans Pro"/>
-                <a:cs typeface="Source Sans Pro"/>
-                <a:sym typeface="Source Sans Pro"/>
-              </a:defRPr>
-            </a:lvl5pPr>
-            <a:lvl6pPr marL="2743200" marR="0" lvl="5" indent="-381000" algn="l" rtl="0">
-              <a:lnSpc>
-                <a:spcPct val="100000"/>
-              </a:lnSpc>
-              <a:spcBef>
-                <a:spcPts val="0"/>
-              </a:spcBef>
-              <a:spcAft>
-                <a:spcPts val="0"/>
-              </a:spcAft>
-              <a:buClr>
-                <a:schemeClr val="dk1"/>
-              </a:buClr>
-              <a:buSzPts val="2400"/>
-              <a:buFont typeface="Source Sans Pro"/>
-              <a:buChar char="■"/>
-              <a:defRPr sz="2400" b="0" i="0" u="none" strike="noStrike" cap="none">
-                <a:solidFill>
-                  <a:schemeClr val="dk1"/>
-                </a:solidFill>
-                <a:latin typeface="Source Sans Pro"/>
-                <a:ea typeface="Source Sans Pro"/>
-                <a:cs typeface="Source Sans Pro"/>
-                <a:sym typeface="Source Sans Pro"/>
-              </a:defRPr>
-            </a:lvl6pPr>
-            <a:lvl7pPr marL="3200400" marR="0" lvl="6" indent="-381000" algn="l" rtl="0">
-              <a:lnSpc>
-                <a:spcPct val="100000"/>
-              </a:lnSpc>
-              <a:spcBef>
-                <a:spcPts val="0"/>
-              </a:spcBef>
-              <a:spcAft>
-                <a:spcPts val="0"/>
-              </a:spcAft>
-              <a:buClr>
-                <a:schemeClr val="dk1"/>
-              </a:buClr>
-              <a:buSzPts val="2400"/>
-              <a:buFont typeface="Source Sans Pro"/>
-              <a:buChar char="●"/>
-              <a:defRPr sz="2400" b="0" i="0" u="none" strike="noStrike" cap="none">
-                <a:solidFill>
-                  <a:schemeClr val="dk1"/>
-                </a:solidFill>
-                <a:latin typeface="Source Sans Pro"/>
-                <a:ea typeface="Source Sans Pro"/>
-                <a:cs typeface="Source Sans Pro"/>
-                <a:sym typeface="Source Sans Pro"/>
-              </a:defRPr>
-            </a:lvl7pPr>
-            <a:lvl8pPr marL="3657600" marR="0" lvl="7" indent="-381000" algn="l" rtl="0">
-              <a:lnSpc>
-                <a:spcPct val="100000"/>
-              </a:lnSpc>
-              <a:spcBef>
-                <a:spcPts val="0"/>
-              </a:spcBef>
-              <a:spcAft>
-                <a:spcPts val="0"/>
-              </a:spcAft>
-              <a:buClr>
-                <a:schemeClr val="dk1"/>
-              </a:buClr>
-              <a:buSzPts val="2400"/>
-              <a:buFont typeface="Source Sans Pro"/>
-              <a:buChar char="○"/>
-              <a:defRPr sz="2400" b="0" i="0" u="none" strike="noStrike" cap="none">
-                <a:solidFill>
-                  <a:schemeClr val="dk1"/>
-                </a:solidFill>
-                <a:latin typeface="Source Sans Pro"/>
-                <a:ea typeface="Source Sans Pro"/>
-                <a:cs typeface="Source Sans Pro"/>
-                <a:sym typeface="Source Sans Pro"/>
-              </a:defRPr>
-            </a:lvl8pPr>
-            <a:lvl9pPr marL="4114800" marR="0" lvl="8" indent="-381000" algn="l" rtl="0">
-              <a:lnSpc>
-                <a:spcPct val="100000"/>
-              </a:lnSpc>
-              <a:spcBef>
-                <a:spcPts val="0"/>
-              </a:spcBef>
-              <a:spcAft>
-                <a:spcPts val="0"/>
-              </a:spcAft>
-              <a:buClr>
-                <a:schemeClr val="dk1"/>
-              </a:buClr>
-              <a:buSzPts val="2400"/>
-              <a:buFont typeface="Source Sans Pro"/>
-              <a:buChar char="■"/>
-              <a:defRPr sz="2400" b="0" i="0" u="none" strike="noStrike" cap="none">
-                <a:solidFill>
-                  <a:schemeClr val="dk1"/>
-                </a:solidFill>
-                <a:latin typeface="Source Sans Pro"/>
-                <a:ea typeface="Source Sans Pro"/>
-                <a:cs typeface="Source Sans Pro"/>
-                <a:sym typeface="Source Sans Pro"/>
-              </a:defRPr>
-            </a:lvl9pPr>
-          </a:lstStyle>
-          <a:p>
-            <a:pPr marL="76200" indent="0">
-              <a:buFont typeface="Source Sans Pro"/>
-              <a:buNone/>
-            </a:pPr>
-            <a:r>
-              <a:rPr lang="en-US" sz="2000"/>
-              <a:t>Thực hiện giao dịch:</a:t>
-            </a:r>
-          </a:p>
-        </p:txBody>
-      </p:sp>
-      <p:sp>
-        <p:nvSpPr>
-          <p:cNvPr id="8" name="Google Shape;111;p17">
-            <a:extLst>
-              <a:ext uri="{FF2B5EF4-FFF2-40B4-BE49-F238E27FC236}">
-                <a16:creationId xmlns:a16="http://schemas.microsoft.com/office/drawing/2014/main" id="{86CA7C7A-31AF-4C51-922E-1273AB1CE620}"/>
-              </a:ext>
-            </a:extLst>
-          </p:cNvPr>
-          <p:cNvSpPr txBox="1">
-            <a:spLocks/>
-          </p:cNvSpPr>
-          <p:nvPr/>
-        </p:nvSpPr>
-        <p:spPr>
-          <a:xfrm>
-            <a:off x="786150" y="3344041"/>
-            <a:ext cx="7571700" cy="1465242"/>
-          </a:xfrm>
-          <a:prstGeom prst="rect">
-            <a:avLst/>
-          </a:prstGeom>
-          <a:noFill/>
-          <a:ln>
-            <a:noFill/>
-          </a:ln>
-        </p:spPr>
-        <p:txBody>
-          <a:bodyPr spcFirstLastPara="1" wrap="square" lIns="91425" tIns="91425" rIns="91425" bIns="91425" anchor="t" anchorCtr="0">
-            <a:noAutofit/>
-          </a:bodyPr>
-          <a:lstStyle>
-            <a:defPPr marR="0" lvl="0" algn="l" rtl="0">
-              <a:lnSpc>
-                <a:spcPct val="100000"/>
-              </a:lnSpc>
-              <a:spcBef>
-                <a:spcPts val="0"/>
-              </a:spcBef>
-              <a:spcAft>
-                <a:spcPts val="0"/>
-              </a:spcAft>
-            </a:defPPr>
-            <a:lvl1pPr marL="457200" marR="0" lvl="0" indent="-381000" algn="l" rtl="0">
-              <a:lnSpc>
-                <a:spcPct val="100000"/>
-              </a:lnSpc>
-              <a:spcBef>
-                <a:spcPts val="600"/>
-              </a:spcBef>
-              <a:spcAft>
-                <a:spcPts val="0"/>
-              </a:spcAft>
-              <a:buClr>
-                <a:schemeClr val="accent4"/>
-              </a:buClr>
-              <a:buSzPts val="2400"/>
-              <a:buFont typeface="Source Sans Pro"/>
-              <a:buChar char="◎"/>
-              <a:defRPr sz="2400" b="0" i="0" u="none" strike="noStrike" cap="none">
-                <a:solidFill>
-                  <a:schemeClr val="dk1"/>
-                </a:solidFill>
-                <a:latin typeface="Source Sans Pro"/>
-                <a:ea typeface="Source Sans Pro"/>
-                <a:cs typeface="Source Sans Pro"/>
-                <a:sym typeface="Source Sans Pro"/>
-              </a:defRPr>
-            </a:lvl1pPr>
-            <a:lvl2pPr marL="914400" marR="0" lvl="1" indent="-381000" algn="l" rtl="0">
-              <a:lnSpc>
-                <a:spcPct val="100000"/>
-              </a:lnSpc>
-              <a:spcBef>
-                <a:spcPts val="0"/>
-              </a:spcBef>
-              <a:spcAft>
-                <a:spcPts val="0"/>
-              </a:spcAft>
-              <a:buClr>
-                <a:schemeClr val="accent4"/>
-              </a:buClr>
-              <a:buSzPts val="2400"/>
-              <a:buFont typeface="Source Sans Pro"/>
-              <a:buChar char="○"/>
-              <a:defRPr sz="2400" b="0" i="0" u="none" strike="noStrike" cap="none">
-                <a:solidFill>
-                  <a:schemeClr val="dk1"/>
-                </a:solidFill>
-                <a:latin typeface="Source Sans Pro"/>
-                <a:ea typeface="Source Sans Pro"/>
-                <a:cs typeface="Source Sans Pro"/>
-                <a:sym typeface="Source Sans Pro"/>
-              </a:defRPr>
-            </a:lvl2pPr>
-            <a:lvl3pPr marL="1371600" marR="0" lvl="2" indent="-381000" algn="l" rtl="0">
-              <a:lnSpc>
-                <a:spcPct val="100000"/>
-              </a:lnSpc>
-              <a:spcBef>
-                <a:spcPts val="0"/>
-              </a:spcBef>
-              <a:spcAft>
-                <a:spcPts val="0"/>
-              </a:spcAft>
-              <a:buClr>
-                <a:schemeClr val="accent4"/>
-              </a:buClr>
-              <a:buSzPts val="2400"/>
-              <a:buFont typeface="Source Sans Pro"/>
-              <a:buChar char="◉"/>
-              <a:defRPr sz="2400" b="0" i="0" u="none" strike="noStrike" cap="none">
-                <a:solidFill>
-                  <a:schemeClr val="dk1"/>
-                </a:solidFill>
-                <a:latin typeface="Source Sans Pro"/>
-                <a:ea typeface="Source Sans Pro"/>
-                <a:cs typeface="Source Sans Pro"/>
-                <a:sym typeface="Source Sans Pro"/>
-              </a:defRPr>
-            </a:lvl3pPr>
-            <a:lvl4pPr marL="1828800" marR="0" lvl="3" indent="-381000" algn="l" rtl="0">
-              <a:lnSpc>
-                <a:spcPct val="100000"/>
-              </a:lnSpc>
-              <a:spcBef>
-                <a:spcPts val="0"/>
-              </a:spcBef>
-              <a:spcAft>
-                <a:spcPts val="0"/>
-              </a:spcAft>
-              <a:buClr>
-                <a:schemeClr val="dk1"/>
-              </a:buClr>
-              <a:buSzPts val="2400"/>
-              <a:buFont typeface="Source Sans Pro"/>
-              <a:buChar char="●"/>
-              <a:defRPr sz="2400" b="0" i="0" u="none" strike="noStrike" cap="none">
-                <a:solidFill>
-                  <a:schemeClr val="dk1"/>
-                </a:solidFill>
-                <a:latin typeface="Source Sans Pro"/>
-                <a:ea typeface="Source Sans Pro"/>
-                <a:cs typeface="Source Sans Pro"/>
-                <a:sym typeface="Source Sans Pro"/>
-              </a:defRPr>
-            </a:lvl4pPr>
-            <a:lvl5pPr marL="2286000" marR="0" lvl="4" indent="-381000" algn="l" rtl="0">
-              <a:lnSpc>
-                <a:spcPct val="100000"/>
-              </a:lnSpc>
-              <a:spcBef>
-                <a:spcPts val="0"/>
-              </a:spcBef>
-              <a:spcAft>
-                <a:spcPts val="0"/>
-              </a:spcAft>
-              <a:buClr>
-                <a:schemeClr val="dk1"/>
-              </a:buClr>
-              <a:buSzPts val="2400"/>
-              <a:buFont typeface="Source Sans Pro"/>
-              <a:buChar char="○"/>
-              <a:defRPr sz="2400" b="0" i="0" u="none" strike="noStrike" cap="none">
-                <a:solidFill>
-                  <a:schemeClr val="dk1"/>
-                </a:solidFill>
-                <a:latin typeface="Source Sans Pro"/>
-                <a:ea typeface="Source Sans Pro"/>
-                <a:cs typeface="Source Sans Pro"/>
-                <a:sym typeface="Source Sans Pro"/>
-              </a:defRPr>
-            </a:lvl5pPr>
-            <a:lvl6pPr marL="2743200" marR="0" lvl="5" indent="-381000" algn="l" rtl="0">
-              <a:lnSpc>
-                <a:spcPct val="100000"/>
-              </a:lnSpc>
-              <a:spcBef>
-                <a:spcPts val="0"/>
-              </a:spcBef>
-              <a:spcAft>
-                <a:spcPts val="0"/>
-              </a:spcAft>
-              <a:buClr>
-                <a:schemeClr val="dk1"/>
-              </a:buClr>
-              <a:buSzPts val="2400"/>
-              <a:buFont typeface="Source Sans Pro"/>
-              <a:buChar char="■"/>
-              <a:defRPr sz="2400" b="0" i="0" u="none" strike="noStrike" cap="none">
-                <a:solidFill>
-                  <a:schemeClr val="dk1"/>
-                </a:solidFill>
-                <a:latin typeface="Source Sans Pro"/>
-                <a:ea typeface="Source Sans Pro"/>
-                <a:cs typeface="Source Sans Pro"/>
-                <a:sym typeface="Source Sans Pro"/>
-              </a:defRPr>
-            </a:lvl6pPr>
-            <a:lvl7pPr marL="3200400" marR="0" lvl="6" indent="-381000" algn="l" rtl="0">
-              <a:lnSpc>
-                <a:spcPct val="100000"/>
-              </a:lnSpc>
-              <a:spcBef>
-                <a:spcPts val="0"/>
-              </a:spcBef>
-              <a:spcAft>
-                <a:spcPts val="0"/>
-              </a:spcAft>
-              <a:buClr>
-                <a:schemeClr val="dk1"/>
-              </a:buClr>
-              <a:buSzPts val="2400"/>
-              <a:buFont typeface="Source Sans Pro"/>
-              <a:buChar char="●"/>
-              <a:defRPr sz="2400" b="0" i="0" u="none" strike="noStrike" cap="none">
-                <a:solidFill>
-                  <a:schemeClr val="dk1"/>
-                </a:solidFill>
-                <a:latin typeface="Source Sans Pro"/>
-                <a:ea typeface="Source Sans Pro"/>
-                <a:cs typeface="Source Sans Pro"/>
-                <a:sym typeface="Source Sans Pro"/>
-              </a:defRPr>
-            </a:lvl7pPr>
-            <a:lvl8pPr marL="3657600" marR="0" lvl="7" indent="-381000" algn="l" rtl="0">
-              <a:lnSpc>
-                <a:spcPct val="100000"/>
-              </a:lnSpc>
-              <a:spcBef>
-                <a:spcPts val="0"/>
-              </a:spcBef>
-              <a:spcAft>
-                <a:spcPts val="0"/>
-              </a:spcAft>
-              <a:buClr>
-                <a:schemeClr val="dk1"/>
-              </a:buClr>
-              <a:buSzPts val="2400"/>
-              <a:buFont typeface="Source Sans Pro"/>
-              <a:buChar char="○"/>
-              <a:defRPr sz="2400" b="0" i="0" u="none" strike="noStrike" cap="none">
-                <a:solidFill>
-                  <a:schemeClr val="dk1"/>
-                </a:solidFill>
-                <a:latin typeface="Source Sans Pro"/>
-                <a:ea typeface="Source Sans Pro"/>
-                <a:cs typeface="Source Sans Pro"/>
-                <a:sym typeface="Source Sans Pro"/>
-              </a:defRPr>
-            </a:lvl8pPr>
-            <a:lvl9pPr marL="4114800" marR="0" lvl="8" indent="-381000" algn="l" rtl="0">
-              <a:lnSpc>
-                <a:spcPct val="100000"/>
-              </a:lnSpc>
-              <a:spcBef>
-                <a:spcPts val="0"/>
-              </a:spcBef>
-              <a:spcAft>
-                <a:spcPts val="0"/>
-              </a:spcAft>
-              <a:buClr>
-                <a:schemeClr val="dk1"/>
-              </a:buClr>
-              <a:buSzPts val="2400"/>
-              <a:buFont typeface="Source Sans Pro"/>
-              <a:buChar char="■"/>
-              <a:defRPr sz="2400" b="0" i="0" u="none" strike="noStrike" cap="none">
-                <a:solidFill>
-                  <a:schemeClr val="dk1"/>
-                </a:solidFill>
-                <a:latin typeface="Source Sans Pro"/>
-                <a:ea typeface="Source Sans Pro"/>
-                <a:cs typeface="Source Sans Pro"/>
-                <a:sym typeface="Source Sans Pro"/>
-              </a:defRPr>
-            </a:lvl9pPr>
-          </a:lstStyle>
-          <a:p>
-            <a:pPr marL="76200" indent="0">
-              <a:lnSpc>
-                <a:spcPct val="107000"/>
-              </a:lnSpc>
-              <a:spcAft>
-                <a:spcPts val="800"/>
-              </a:spcAft>
-              <a:buNone/>
-            </a:pPr>
-            <a:r>
-              <a:rPr lang="vi-VN" sz="1600">
-                <a:latin typeface="Source Sans Pro" panose="020B0503030403020204" pitchFamily="34" charset="0"/>
-                <a:ea typeface="Source Sans Pro" panose="020B0503030403020204" pitchFamily="34" charset="0"/>
-              </a:rPr>
-              <a:t>- Nạp tiền vào ví;</a:t>
-            </a:r>
-          </a:p>
-          <a:p>
-            <a:pPr marL="76200" indent="0">
-              <a:lnSpc>
-                <a:spcPct val="107000"/>
-              </a:lnSpc>
-              <a:spcAft>
-                <a:spcPts val="800"/>
-              </a:spcAft>
-              <a:buNone/>
-            </a:pPr>
-            <a:r>
-              <a:rPr lang="vi-VN" sz="1600">
-                <a:latin typeface="Source Sans Pro" panose="020B0503030403020204" pitchFamily="34" charset="0"/>
-                <a:ea typeface="Source Sans Pro" panose="020B0503030403020204" pitchFamily="34" charset="0"/>
-              </a:rPr>
-              <a:t>- Chuyển tiền giữa các user;</a:t>
-            </a:r>
-          </a:p>
-          <a:p>
-            <a:pPr marL="76200" indent="0">
-              <a:lnSpc>
-                <a:spcPct val="107000"/>
-              </a:lnSpc>
-              <a:spcAft>
-                <a:spcPts val="800"/>
-              </a:spcAft>
-              <a:buNone/>
-            </a:pPr>
-            <a:r>
-              <a:rPr lang="vi-VN" sz="1600">
-                <a:latin typeface="Source Sans Pro" panose="020B0503030403020204" pitchFamily="34" charset="0"/>
-                <a:ea typeface="Source Sans Pro" panose="020B0503030403020204" pitchFamily="34" charset="0"/>
-              </a:rPr>
-              <a:t>- Kiểm tra giao dịch, số dư;</a:t>
-            </a:r>
-            <a:endParaRPr lang="en-US" sz="1600">
-              <a:latin typeface="Source Sans Pro" panose="020B0503030403020204" pitchFamily="34" charset="0"/>
-              <a:ea typeface="Source Sans Pro" panose="020B0503030403020204" pitchFamily="34" charset="0"/>
-            </a:endParaRPr>
-          </a:p>
-        </p:txBody>
-      </p:sp>
     </p:spTree>
     <p:extLst>
       <p:ext uri="{BB962C8B-B14F-4D97-AF65-F5344CB8AC3E}">

--- a/atbmhttt2.pptx
+++ b/atbmhttt2.pptx
@@ -16,32 +16,32 @@
     <p:sldId id="299" r:id="rId7"/>
     <p:sldId id="300" r:id="rId8"/>
     <p:sldId id="301" r:id="rId9"/>
-    <p:sldId id="310" r:id="rId10"/>
-    <p:sldId id="304" r:id="rId11"/>
-    <p:sldId id="305" r:id="rId12"/>
-    <p:sldId id="309" r:id="rId13"/>
-    <p:sldId id="311" r:id="rId14"/>
-    <p:sldId id="306" r:id="rId15"/>
-    <p:sldId id="308" r:id="rId16"/>
-    <p:sldId id="312" r:id="rId17"/>
-    <p:sldId id="313" r:id="rId18"/>
-    <p:sldId id="314" r:id="rId19"/>
-    <p:sldId id="315" r:id="rId20"/>
-    <p:sldId id="316" r:id="rId21"/>
-    <p:sldId id="317" r:id="rId22"/>
-    <p:sldId id="318" r:id="rId23"/>
-    <p:sldId id="319" r:id="rId24"/>
-    <p:sldId id="320" r:id="rId25"/>
-    <p:sldId id="321" r:id="rId26"/>
-    <p:sldId id="262" r:id="rId27"/>
-    <p:sldId id="261" r:id="rId28"/>
-    <p:sldId id="322" r:id="rId29"/>
-    <p:sldId id="323" r:id="rId30"/>
-    <p:sldId id="326" r:id="rId31"/>
-    <p:sldId id="324" r:id="rId32"/>
-    <p:sldId id="325" r:id="rId33"/>
-    <p:sldId id="328" r:id="rId34"/>
-    <p:sldId id="327" r:id="rId35"/>
+    <p:sldId id="304" r:id="rId10"/>
+    <p:sldId id="305" r:id="rId11"/>
+    <p:sldId id="309" r:id="rId12"/>
+    <p:sldId id="311" r:id="rId13"/>
+    <p:sldId id="306" r:id="rId14"/>
+    <p:sldId id="308" r:id="rId15"/>
+    <p:sldId id="312" r:id="rId16"/>
+    <p:sldId id="313" r:id="rId17"/>
+    <p:sldId id="314" r:id="rId18"/>
+    <p:sldId id="315" r:id="rId19"/>
+    <p:sldId id="316" r:id="rId20"/>
+    <p:sldId id="317" r:id="rId21"/>
+    <p:sldId id="318" r:id="rId22"/>
+    <p:sldId id="319" r:id="rId23"/>
+    <p:sldId id="320" r:id="rId24"/>
+    <p:sldId id="321" r:id="rId25"/>
+    <p:sldId id="262" r:id="rId26"/>
+    <p:sldId id="261" r:id="rId27"/>
+    <p:sldId id="322" r:id="rId28"/>
+    <p:sldId id="323" r:id="rId29"/>
+    <p:sldId id="326" r:id="rId30"/>
+    <p:sldId id="324" r:id="rId31"/>
+    <p:sldId id="325" r:id="rId32"/>
+    <p:sldId id="328" r:id="rId33"/>
+    <p:sldId id="327" r:id="rId34"/>
+    <p:sldId id="329" r:id="rId35"/>
   </p:sldIdLst>
   <p:sldSz cx="9144000" cy="5143500" type="screen16x9"/>
   <p:notesSz cx="6858000" cy="9144000"/>
@@ -5792,7 +5792,7 @@
     </p:spTree>
     <p:extLst>
       <p:ext uri="{BB962C8B-B14F-4D97-AF65-F5344CB8AC3E}">
-        <p14:creationId xmlns:p14="http://schemas.microsoft.com/office/powerpoint/2010/main" val="3938926568"/>
+        <p14:creationId xmlns:p14="http://schemas.microsoft.com/office/powerpoint/2010/main" val="2094012284"/>
       </p:ext>
     </p:extLst>
   </p:cSld>
@@ -5901,7 +5901,7 @@
     </p:spTree>
     <p:extLst>
       <p:ext uri="{BB962C8B-B14F-4D97-AF65-F5344CB8AC3E}">
-        <p14:creationId xmlns:p14="http://schemas.microsoft.com/office/powerpoint/2010/main" val="2094012284"/>
+        <p14:creationId xmlns:p14="http://schemas.microsoft.com/office/powerpoint/2010/main" val="1381327912"/>
       </p:ext>
     </p:extLst>
   </p:cSld>
@@ -6010,7 +6010,7 @@
     </p:spTree>
     <p:extLst>
       <p:ext uri="{BB962C8B-B14F-4D97-AF65-F5344CB8AC3E}">
-        <p14:creationId xmlns:p14="http://schemas.microsoft.com/office/powerpoint/2010/main" val="1381327912"/>
+        <p14:creationId xmlns:p14="http://schemas.microsoft.com/office/powerpoint/2010/main" val="1552736656"/>
       </p:ext>
     </p:extLst>
   </p:cSld>
@@ -6119,7 +6119,7 @@
     </p:spTree>
     <p:extLst>
       <p:ext uri="{BB962C8B-B14F-4D97-AF65-F5344CB8AC3E}">
-        <p14:creationId xmlns:p14="http://schemas.microsoft.com/office/powerpoint/2010/main" val="1552736656"/>
+        <p14:creationId xmlns:p14="http://schemas.microsoft.com/office/powerpoint/2010/main" val="76447394"/>
       </p:ext>
     </p:extLst>
   </p:cSld>
@@ -6228,7 +6228,7 @@
     </p:spTree>
     <p:extLst>
       <p:ext uri="{BB962C8B-B14F-4D97-AF65-F5344CB8AC3E}">
-        <p14:creationId xmlns:p14="http://schemas.microsoft.com/office/powerpoint/2010/main" val="76447394"/>
+        <p14:creationId xmlns:p14="http://schemas.microsoft.com/office/powerpoint/2010/main" val="1544437881"/>
       </p:ext>
     </p:extLst>
   </p:cSld>
@@ -6337,7 +6337,7 @@
     </p:spTree>
     <p:extLst>
       <p:ext uri="{BB962C8B-B14F-4D97-AF65-F5344CB8AC3E}">
-        <p14:creationId xmlns:p14="http://schemas.microsoft.com/office/powerpoint/2010/main" val="1544437881"/>
+        <p14:creationId xmlns:p14="http://schemas.microsoft.com/office/powerpoint/2010/main" val="612051142"/>
       </p:ext>
     </p:extLst>
   </p:cSld>
@@ -6446,7 +6446,7 @@
     </p:spTree>
     <p:extLst>
       <p:ext uri="{BB962C8B-B14F-4D97-AF65-F5344CB8AC3E}">
-        <p14:creationId xmlns:p14="http://schemas.microsoft.com/office/powerpoint/2010/main" val="612051142"/>
+        <p14:creationId xmlns:p14="http://schemas.microsoft.com/office/powerpoint/2010/main" val="2881274010"/>
       </p:ext>
     </p:extLst>
   </p:cSld>
@@ -6555,7 +6555,7 @@
     </p:spTree>
     <p:extLst>
       <p:ext uri="{BB962C8B-B14F-4D97-AF65-F5344CB8AC3E}">
-        <p14:creationId xmlns:p14="http://schemas.microsoft.com/office/powerpoint/2010/main" val="2881274010"/>
+        <p14:creationId xmlns:p14="http://schemas.microsoft.com/office/powerpoint/2010/main" val="3967912855"/>
       </p:ext>
     </p:extLst>
   </p:cSld>
@@ -6664,7 +6664,7 @@
     </p:spTree>
     <p:extLst>
       <p:ext uri="{BB962C8B-B14F-4D97-AF65-F5344CB8AC3E}">
-        <p14:creationId xmlns:p14="http://schemas.microsoft.com/office/powerpoint/2010/main" val="3967912855"/>
+        <p14:creationId xmlns:p14="http://schemas.microsoft.com/office/powerpoint/2010/main" val="2280472617"/>
       </p:ext>
     </p:extLst>
   </p:cSld>
@@ -6773,7 +6773,7 @@
     </p:spTree>
     <p:extLst>
       <p:ext uri="{BB962C8B-B14F-4D97-AF65-F5344CB8AC3E}">
-        <p14:creationId xmlns:p14="http://schemas.microsoft.com/office/powerpoint/2010/main" val="2280472617"/>
+        <p14:creationId xmlns:p14="http://schemas.microsoft.com/office/powerpoint/2010/main" val="2312305502"/>
       </p:ext>
     </p:extLst>
   </p:cSld>
@@ -6892,115 +6892,6 @@
   <p:cSld>
     <p:spTree>
       <p:nvGrpSpPr>
-        <p:cNvPr id="1" name="Shape 71"/>
-        <p:cNvGrpSpPr/>
-        <p:nvPr/>
-      </p:nvGrpSpPr>
-      <p:grpSpPr>
-        <a:xfrm>
-          <a:off x="0" y="0"/>
-          <a:ext cx="0" cy="0"/>
-          <a:chOff x="0" y="0"/>
-          <a:chExt cx="0" cy="0"/>
-        </a:xfrm>
-      </p:grpSpPr>
-      <p:sp>
-        <p:nvSpPr>
-          <p:cNvPr id="72" name="Google Shape;72;g3606f1c2d_30:notes"/>
-          <p:cNvSpPr>
-            <a:spLocks noGrp="1" noRot="1" noChangeAspect="1"/>
-          </p:cNvSpPr>
-          <p:nvPr>
-            <p:ph type="sldImg" idx="2"/>
-          </p:nvPr>
-        </p:nvSpPr>
-        <p:spPr>
-          <a:xfrm>
-            <a:off x="381000" y="685800"/>
-            <a:ext cx="6096000" cy="3429000"/>
-          </a:xfrm>
-          <a:custGeom>
-            <a:avLst/>
-            <a:gdLst/>
-            <a:ahLst/>
-            <a:cxnLst/>
-            <a:rect l="l" t="t" r="r" b="b"/>
-            <a:pathLst>
-              <a:path w="120000" h="120000" extrusionOk="0">
-                <a:moveTo>
-                  <a:pt x="0" y="0"/>
-                </a:moveTo>
-                <a:lnTo>
-                  <a:pt x="120000" y="0"/>
-                </a:lnTo>
-                <a:lnTo>
-                  <a:pt x="120000" y="120000"/>
-                </a:lnTo>
-                <a:lnTo>
-                  <a:pt x="0" y="120000"/>
-                </a:lnTo>
-                <a:close/>
-              </a:path>
-            </a:pathLst>
-          </a:custGeom>
-        </p:spPr>
-      </p:sp>
-      <p:sp>
-        <p:nvSpPr>
-          <p:cNvPr id="73" name="Google Shape;73;g3606f1c2d_30:notes"/>
-          <p:cNvSpPr txBox="1">
-            <a:spLocks noGrp="1"/>
-          </p:cNvSpPr>
-          <p:nvPr>
-            <p:ph type="body" idx="1"/>
-          </p:nvPr>
-        </p:nvSpPr>
-        <p:spPr>
-          <a:xfrm>
-            <a:off x="685800" y="4343400"/>
-            <a:ext cx="5486400" cy="4114800"/>
-          </a:xfrm>
-          <a:prstGeom prst="rect">
-            <a:avLst/>
-          </a:prstGeom>
-        </p:spPr>
-        <p:txBody>
-          <a:bodyPr spcFirstLastPara="1" wrap="square" lIns="91425" tIns="91425" rIns="91425" bIns="91425" anchor="t" anchorCtr="0">
-            <a:noAutofit/>
-          </a:bodyPr>
-          <a:lstStyle/>
-          <a:p>
-            <a:pPr marL="0" lvl="0" indent="0" algn="l" rtl="0">
-              <a:spcBef>
-                <a:spcPts val="0"/>
-              </a:spcBef>
-              <a:spcAft>
-                <a:spcPts val="0"/>
-              </a:spcAft>
-              <a:buNone/>
-            </a:pPr>
-            <a:endParaRPr/>
-          </a:p>
-        </p:txBody>
-      </p:sp>
-    </p:spTree>
-    <p:extLst>
-      <p:ext uri="{BB962C8B-B14F-4D97-AF65-F5344CB8AC3E}">
-        <p14:creationId xmlns:p14="http://schemas.microsoft.com/office/powerpoint/2010/main" val="2312305502"/>
-      </p:ext>
-    </p:extLst>
-  </p:cSld>
-  <p:clrMapOvr>
-    <a:masterClrMapping/>
-  </p:clrMapOvr>
-</p:notes>
-</file>
-
-<file path=ppt/notesSlides/notesSlide21.xml><?xml version="1.0" encoding="utf-8"?>
-<p:notes xmlns:a="http://schemas.openxmlformats.org/drawingml/2006/main" xmlns:r="http://schemas.openxmlformats.org/officeDocument/2006/relationships" xmlns:p="http://schemas.openxmlformats.org/presentationml/2006/main" showMasterSp="0" showMasterPhAnim="0">
-  <p:cSld>
-    <p:spTree>
-      <p:nvGrpSpPr>
         <p:cNvPr id="1" name="Shape 93"/>
         <p:cNvGrpSpPr/>
         <p:nvPr/>
@@ -7096,6 +6987,115 @@
     <p:extLst>
       <p:ext uri="{BB962C8B-B14F-4D97-AF65-F5344CB8AC3E}">
         <p14:creationId xmlns:p14="http://schemas.microsoft.com/office/powerpoint/2010/main" val="1120731195"/>
+      </p:ext>
+    </p:extLst>
+  </p:cSld>
+  <p:clrMapOvr>
+    <a:masterClrMapping/>
+  </p:clrMapOvr>
+</p:notes>
+</file>
+
+<file path=ppt/notesSlides/notesSlide21.xml><?xml version="1.0" encoding="utf-8"?>
+<p:notes xmlns:a="http://schemas.openxmlformats.org/drawingml/2006/main" xmlns:r="http://schemas.openxmlformats.org/officeDocument/2006/relationships" xmlns:p="http://schemas.openxmlformats.org/presentationml/2006/main" showMasterSp="0" showMasterPhAnim="0">
+  <p:cSld>
+    <p:spTree>
+      <p:nvGrpSpPr>
+        <p:cNvPr id="1" name="Shape 163"/>
+        <p:cNvGrpSpPr/>
+        <p:nvPr/>
+      </p:nvGrpSpPr>
+      <p:grpSpPr>
+        <a:xfrm>
+          <a:off x="0" y="0"/>
+          <a:ext cx="0" cy="0"/>
+          <a:chOff x="0" y="0"/>
+          <a:chExt cx="0" cy="0"/>
+        </a:xfrm>
+      </p:grpSpPr>
+      <p:sp>
+        <p:nvSpPr>
+          <p:cNvPr id="164" name="Google Shape;164;g35f391192_073:notes"/>
+          <p:cNvSpPr>
+            <a:spLocks noGrp="1" noRot="1" noChangeAspect="1"/>
+          </p:cNvSpPr>
+          <p:nvPr>
+            <p:ph type="sldImg" idx="2"/>
+          </p:nvPr>
+        </p:nvSpPr>
+        <p:spPr>
+          <a:xfrm>
+            <a:off x="381000" y="685800"/>
+            <a:ext cx="6096000" cy="3429000"/>
+          </a:xfrm>
+          <a:custGeom>
+            <a:avLst/>
+            <a:gdLst/>
+            <a:ahLst/>
+            <a:cxnLst/>
+            <a:rect l="l" t="t" r="r" b="b"/>
+            <a:pathLst>
+              <a:path w="120000" h="120000" extrusionOk="0">
+                <a:moveTo>
+                  <a:pt x="0" y="0"/>
+                </a:moveTo>
+                <a:lnTo>
+                  <a:pt x="120000" y="0"/>
+                </a:lnTo>
+                <a:lnTo>
+                  <a:pt x="120000" y="120000"/>
+                </a:lnTo>
+                <a:lnTo>
+                  <a:pt x="0" y="120000"/>
+                </a:lnTo>
+                <a:close/>
+              </a:path>
+            </a:pathLst>
+          </a:custGeom>
+        </p:spPr>
+      </p:sp>
+      <p:sp>
+        <p:nvSpPr>
+          <p:cNvPr id="165" name="Google Shape;165;g35f391192_073:notes"/>
+          <p:cNvSpPr txBox="1">
+            <a:spLocks noGrp="1"/>
+          </p:cNvSpPr>
+          <p:nvPr>
+            <p:ph type="body" idx="1"/>
+          </p:nvPr>
+        </p:nvSpPr>
+        <p:spPr>
+          <a:xfrm>
+            <a:off x="685800" y="4343400"/>
+            <a:ext cx="5486400" cy="4114800"/>
+          </a:xfrm>
+          <a:prstGeom prst="rect">
+            <a:avLst/>
+          </a:prstGeom>
+        </p:spPr>
+        <p:txBody>
+          <a:bodyPr spcFirstLastPara="1" wrap="square" lIns="91425" tIns="91425" rIns="91425" bIns="91425" anchor="t" anchorCtr="0">
+            <a:noAutofit/>
+          </a:bodyPr>
+          <a:lstStyle/>
+          <a:p>
+            <a:pPr marL="0" lvl="0" indent="0" algn="l" rtl="0">
+              <a:spcBef>
+                <a:spcPts val="0"/>
+              </a:spcBef>
+              <a:spcAft>
+                <a:spcPts val="0"/>
+              </a:spcAft>
+              <a:buNone/>
+            </a:pPr>
+            <a:endParaRPr/>
+          </a:p>
+        </p:txBody>
+      </p:sp>
+    </p:spTree>
+    <p:extLst>
+      <p:ext uri="{BB962C8B-B14F-4D97-AF65-F5344CB8AC3E}">
+        <p14:creationId xmlns:p14="http://schemas.microsoft.com/office/powerpoint/2010/main" val="2943741849"/>
       </p:ext>
     </p:extLst>
   </p:cSld>
@@ -7204,7 +7204,7 @@
     </p:spTree>
     <p:extLst>
       <p:ext uri="{BB962C8B-B14F-4D97-AF65-F5344CB8AC3E}">
-        <p14:creationId xmlns:p14="http://schemas.microsoft.com/office/powerpoint/2010/main" val="2943741849"/>
+        <p14:creationId xmlns:p14="http://schemas.microsoft.com/office/powerpoint/2010/main" val="2339125023"/>
       </p:ext>
     </p:extLst>
   </p:cSld>
@@ -7313,7 +7313,7 @@
     </p:spTree>
     <p:extLst>
       <p:ext uri="{BB962C8B-B14F-4D97-AF65-F5344CB8AC3E}">
-        <p14:creationId xmlns:p14="http://schemas.microsoft.com/office/powerpoint/2010/main" val="2339125023"/>
+        <p14:creationId xmlns:p14="http://schemas.microsoft.com/office/powerpoint/2010/main" val="3178713450"/>
       </p:ext>
     </p:extLst>
   </p:cSld>
@@ -7422,7 +7422,7 @@
     </p:spTree>
     <p:extLst>
       <p:ext uri="{BB962C8B-B14F-4D97-AF65-F5344CB8AC3E}">
-        <p14:creationId xmlns:p14="http://schemas.microsoft.com/office/powerpoint/2010/main" val="3178713450"/>
+        <p14:creationId xmlns:p14="http://schemas.microsoft.com/office/powerpoint/2010/main" val="4134850100"/>
       </p:ext>
     </p:extLst>
   </p:cSld>
@@ -7433,115 +7433,6 @@
 </file>
 
 <file path=ppt/notesSlides/notesSlide25.xml><?xml version="1.0" encoding="utf-8"?>
-<p:notes xmlns:a="http://schemas.openxmlformats.org/drawingml/2006/main" xmlns:r="http://schemas.openxmlformats.org/officeDocument/2006/relationships" xmlns:p="http://schemas.openxmlformats.org/presentationml/2006/main" showMasterSp="0" showMasterPhAnim="0">
-  <p:cSld>
-    <p:spTree>
-      <p:nvGrpSpPr>
-        <p:cNvPr id="1" name="Shape 163"/>
-        <p:cNvGrpSpPr/>
-        <p:nvPr/>
-      </p:nvGrpSpPr>
-      <p:grpSpPr>
-        <a:xfrm>
-          <a:off x="0" y="0"/>
-          <a:ext cx="0" cy="0"/>
-          <a:chOff x="0" y="0"/>
-          <a:chExt cx="0" cy="0"/>
-        </a:xfrm>
-      </p:grpSpPr>
-      <p:sp>
-        <p:nvSpPr>
-          <p:cNvPr id="164" name="Google Shape;164;g35f391192_073:notes"/>
-          <p:cNvSpPr>
-            <a:spLocks noGrp="1" noRot="1" noChangeAspect="1"/>
-          </p:cNvSpPr>
-          <p:nvPr>
-            <p:ph type="sldImg" idx="2"/>
-          </p:nvPr>
-        </p:nvSpPr>
-        <p:spPr>
-          <a:xfrm>
-            <a:off x="381000" y="685800"/>
-            <a:ext cx="6096000" cy="3429000"/>
-          </a:xfrm>
-          <a:custGeom>
-            <a:avLst/>
-            <a:gdLst/>
-            <a:ahLst/>
-            <a:cxnLst/>
-            <a:rect l="l" t="t" r="r" b="b"/>
-            <a:pathLst>
-              <a:path w="120000" h="120000" extrusionOk="0">
-                <a:moveTo>
-                  <a:pt x="0" y="0"/>
-                </a:moveTo>
-                <a:lnTo>
-                  <a:pt x="120000" y="0"/>
-                </a:lnTo>
-                <a:lnTo>
-                  <a:pt x="120000" y="120000"/>
-                </a:lnTo>
-                <a:lnTo>
-                  <a:pt x="0" y="120000"/>
-                </a:lnTo>
-                <a:close/>
-              </a:path>
-            </a:pathLst>
-          </a:custGeom>
-        </p:spPr>
-      </p:sp>
-      <p:sp>
-        <p:nvSpPr>
-          <p:cNvPr id="165" name="Google Shape;165;g35f391192_073:notes"/>
-          <p:cNvSpPr txBox="1">
-            <a:spLocks noGrp="1"/>
-          </p:cNvSpPr>
-          <p:nvPr>
-            <p:ph type="body" idx="1"/>
-          </p:nvPr>
-        </p:nvSpPr>
-        <p:spPr>
-          <a:xfrm>
-            <a:off x="685800" y="4343400"/>
-            <a:ext cx="5486400" cy="4114800"/>
-          </a:xfrm>
-          <a:prstGeom prst="rect">
-            <a:avLst/>
-          </a:prstGeom>
-        </p:spPr>
-        <p:txBody>
-          <a:bodyPr spcFirstLastPara="1" wrap="square" lIns="91425" tIns="91425" rIns="91425" bIns="91425" anchor="t" anchorCtr="0">
-            <a:noAutofit/>
-          </a:bodyPr>
-          <a:lstStyle/>
-          <a:p>
-            <a:pPr marL="0" lvl="0" indent="0" algn="l" rtl="0">
-              <a:spcBef>
-                <a:spcPts val="0"/>
-              </a:spcBef>
-              <a:spcAft>
-                <a:spcPts val="0"/>
-              </a:spcAft>
-              <a:buNone/>
-            </a:pPr>
-            <a:endParaRPr/>
-          </a:p>
-        </p:txBody>
-      </p:sp>
-    </p:spTree>
-    <p:extLst>
-      <p:ext uri="{BB962C8B-B14F-4D97-AF65-F5344CB8AC3E}">
-        <p14:creationId xmlns:p14="http://schemas.microsoft.com/office/powerpoint/2010/main" val="4134850100"/>
-      </p:ext>
-    </p:extLst>
-  </p:cSld>
-  <p:clrMapOvr>
-    <a:masterClrMapping/>
-  </p:clrMapOvr>
-</p:notes>
-</file>
-
-<file path=ppt/notesSlides/notesSlide26.xml><?xml version="1.0" encoding="utf-8"?>
 <p:notes xmlns:a="http://schemas.openxmlformats.org/drawingml/2006/main" xmlns:r="http://schemas.openxmlformats.org/officeDocument/2006/relationships" xmlns:p="http://schemas.openxmlformats.org/presentationml/2006/main" showMasterSp="0" showMasterPhAnim="0">
   <p:cSld>
     <p:spTree>
@@ -7602,6 +7493,110 @@
       <p:sp>
         <p:nvSpPr>
           <p:cNvPr id="115" name="Google Shape;115;g35ed75ccf_015:notes"/>
+          <p:cNvSpPr txBox="1">
+            <a:spLocks noGrp="1"/>
+          </p:cNvSpPr>
+          <p:nvPr>
+            <p:ph type="body" idx="1"/>
+          </p:nvPr>
+        </p:nvSpPr>
+        <p:spPr>
+          <a:xfrm>
+            <a:off x="685800" y="4343400"/>
+            <a:ext cx="5486400" cy="4114800"/>
+          </a:xfrm>
+          <a:prstGeom prst="rect">
+            <a:avLst/>
+          </a:prstGeom>
+        </p:spPr>
+        <p:txBody>
+          <a:bodyPr spcFirstLastPara="1" wrap="square" lIns="91425" tIns="91425" rIns="91425" bIns="91425" anchor="t" anchorCtr="0">
+            <a:noAutofit/>
+          </a:bodyPr>
+          <a:lstStyle/>
+          <a:p>
+            <a:pPr marL="0" lvl="0" indent="0" algn="l" rtl="0">
+              <a:spcBef>
+                <a:spcPts val="0"/>
+              </a:spcBef>
+              <a:spcAft>
+                <a:spcPts val="0"/>
+              </a:spcAft>
+              <a:buNone/>
+            </a:pPr>
+            <a:endParaRPr/>
+          </a:p>
+        </p:txBody>
+      </p:sp>
+    </p:spTree>
+  </p:cSld>
+  <p:clrMapOvr>
+    <a:masterClrMapping/>
+  </p:clrMapOvr>
+</p:notes>
+</file>
+
+<file path=ppt/notesSlides/notesSlide26.xml><?xml version="1.0" encoding="utf-8"?>
+<p:notes xmlns:a="http://schemas.openxmlformats.org/drawingml/2006/main" xmlns:r="http://schemas.openxmlformats.org/officeDocument/2006/relationships" xmlns:p="http://schemas.openxmlformats.org/presentationml/2006/main" showMasterSp="0" showMasterPhAnim="0">
+  <p:cSld>
+    <p:spTree>
+      <p:nvGrpSpPr>
+        <p:cNvPr id="1" name="Shape 106"/>
+        <p:cNvGrpSpPr/>
+        <p:nvPr/>
+      </p:nvGrpSpPr>
+      <p:grpSpPr>
+        <a:xfrm>
+          <a:off x="0" y="0"/>
+          <a:ext cx="0" cy="0"/>
+          <a:chOff x="0" y="0"/>
+          <a:chExt cx="0" cy="0"/>
+        </a:xfrm>
+      </p:grpSpPr>
+      <p:sp>
+        <p:nvSpPr>
+          <p:cNvPr id="107" name="Google Shape;107;p:notes"/>
+          <p:cNvSpPr>
+            <a:spLocks noGrp="1" noRot="1" noChangeAspect="1"/>
+          </p:cNvSpPr>
+          <p:nvPr>
+            <p:ph type="sldImg" idx="2"/>
+          </p:nvPr>
+        </p:nvSpPr>
+        <p:spPr>
+          <a:xfrm>
+            <a:off x="381000" y="685800"/>
+            <a:ext cx="6096000" cy="3429000"/>
+          </a:xfrm>
+          <a:custGeom>
+            <a:avLst/>
+            <a:gdLst/>
+            <a:ahLst/>
+            <a:cxnLst/>
+            <a:rect l="l" t="t" r="r" b="b"/>
+            <a:pathLst>
+              <a:path w="120000" h="120000" extrusionOk="0">
+                <a:moveTo>
+                  <a:pt x="0" y="0"/>
+                </a:moveTo>
+                <a:lnTo>
+                  <a:pt x="120000" y="0"/>
+                </a:lnTo>
+                <a:lnTo>
+                  <a:pt x="120000" y="120000"/>
+                </a:lnTo>
+                <a:lnTo>
+                  <a:pt x="0" y="120000"/>
+                </a:lnTo>
+                <a:close/>
+              </a:path>
+            </a:pathLst>
+          </a:custGeom>
+        </p:spPr>
+      </p:sp>
+      <p:sp>
+        <p:nvSpPr>
+          <p:cNvPr id="108" name="Google Shape;108;p:notes"/>
           <p:cNvSpPr txBox="1">
             <a:spLocks noGrp="1"/>
           </p:cNvSpPr>
@@ -7742,6 +7737,11 @@
         </p:txBody>
       </p:sp>
     </p:spTree>
+    <p:extLst>
+      <p:ext uri="{BB962C8B-B14F-4D97-AF65-F5344CB8AC3E}">
+        <p14:creationId xmlns:p14="http://schemas.microsoft.com/office/powerpoint/2010/main" val="78651131"/>
+      </p:ext>
+    </p:extLst>
   </p:cSld>
   <p:clrMapOvr>
     <a:masterClrMapping/>
@@ -7848,7 +7848,7 @@
     </p:spTree>
     <p:extLst>
       <p:ext uri="{BB962C8B-B14F-4D97-AF65-F5344CB8AC3E}">
-        <p14:creationId xmlns:p14="http://schemas.microsoft.com/office/powerpoint/2010/main" val="78651131"/>
+        <p14:creationId xmlns:p14="http://schemas.microsoft.com/office/powerpoint/2010/main" val="2435242010"/>
       </p:ext>
     </p:extLst>
   </p:cSld>
@@ -7957,7 +7957,7 @@
     </p:spTree>
     <p:extLst>
       <p:ext uri="{BB962C8B-B14F-4D97-AF65-F5344CB8AC3E}">
-        <p14:creationId xmlns:p14="http://schemas.microsoft.com/office/powerpoint/2010/main" val="2435242010"/>
+        <p14:creationId xmlns:p14="http://schemas.microsoft.com/office/powerpoint/2010/main" val="1678145931"/>
       </p:ext>
     </p:extLst>
   </p:cSld>
@@ -8170,7 +8170,7 @@
     </p:spTree>
     <p:extLst>
       <p:ext uri="{BB962C8B-B14F-4D97-AF65-F5344CB8AC3E}">
-        <p14:creationId xmlns:p14="http://schemas.microsoft.com/office/powerpoint/2010/main" val="1678145931"/>
+        <p14:creationId xmlns:p14="http://schemas.microsoft.com/office/powerpoint/2010/main" val="1763495218"/>
       </p:ext>
     </p:extLst>
   </p:cSld>
@@ -8279,7 +8279,7 @@
     </p:spTree>
     <p:extLst>
       <p:ext uri="{BB962C8B-B14F-4D97-AF65-F5344CB8AC3E}">
-        <p14:creationId xmlns:p14="http://schemas.microsoft.com/office/powerpoint/2010/main" val="1763495218"/>
+        <p14:creationId xmlns:p14="http://schemas.microsoft.com/office/powerpoint/2010/main" val="3900945202"/>
       </p:ext>
     </p:extLst>
   </p:cSld>
@@ -8388,7 +8388,7 @@
     </p:spTree>
     <p:extLst>
       <p:ext uri="{BB962C8B-B14F-4D97-AF65-F5344CB8AC3E}">
-        <p14:creationId xmlns:p14="http://schemas.microsoft.com/office/powerpoint/2010/main" val="3900945202"/>
+        <p14:creationId xmlns:p14="http://schemas.microsoft.com/office/powerpoint/2010/main" val="337935368"/>
       </p:ext>
     </p:extLst>
   </p:cSld>
@@ -8497,7 +8497,7 @@
     </p:spTree>
     <p:extLst>
       <p:ext uri="{BB962C8B-B14F-4D97-AF65-F5344CB8AC3E}">
-        <p14:creationId xmlns:p14="http://schemas.microsoft.com/office/powerpoint/2010/main" val="337935368"/>
+        <p14:creationId xmlns:p14="http://schemas.microsoft.com/office/powerpoint/2010/main" val="1491754803"/>
       </p:ext>
     </p:extLst>
   </p:cSld>
@@ -8606,7 +8606,7 @@
     </p:spTree>
     <p:extLst>
       <p:ext uri="{BB962C8B-B14F-4D97-AF65-F5344CB8AC3E}">
-        <p14:creationId xmlns:p14="http://schemas.microsoft.com/office/powerpoint/2010/main" val="1491754803"/>
+        <p14:creationId xmlns:p14="http://schemas.microsoft.com/office/powerpoint/2010/main" val="3893109430"/>
       </p:ext>
     </p:extLst>
   </p:cSld>
@@ -9260,7 +9260,7 @@
     </p:spTree>
     <p:extLst>
       <p:ext uri="{BB962C8B-B14F-4D97-AF65-F5344CB8AC3E}">
-        <p14:creationId xmlns:p14="http://schemas.microsoft.com/office/powerpoint/2010/main" val="963459842"/>
+        <p14:creationId xmlns:p14="http://schemas.microsoft.com/office/powerpoint/2010/main" val="3938926568"/>
       </p:ext>
     </p:extLst>
   </p:cSld>
@@ -13504,320 +13504,7 @@
         <p:spPr>
           <a:xfrm>
             <a:off x="786150" y="1438044"/>
-            <a:ext cx="7571700" cy="2862322"/>
-          </a:xfrm>
-          <a:prstGeom prst="rect">
-            <a:avLst/>
-          </a:prstGeom>
-          <a:noFill/>
-        </p:spPr>
-        <p:txBody>
-          <a:bodyPr wrap="square">
-            <a:spAutoFit/>
-          </a:bodyPr>
-          <a:lstStyle/>
-          <a:p>
-            <a:pPr algn="just"/>
-            <a:r>
-              <a:rPr lang="vi-VN" sz="1800" b="0" i="0">
-                <a:solidFill>
-                  <a:srgbClr val="222222"/>
-                </a:solidFill>
-                <a:effectLst/>
-                <a:latin typeface="Source Sans Pro" panose="020B0503030403020204" pitchFamily="34" charset="0"/>
-                <a:ea typeface="Source Sans Pro" panose="020B0503030403020204" pitchFamily="34" charset="0"/>
-              </a:rPr>
-              <a:t>Trong hệ thống ngân hàng, chúng ta chỉ biết các giao dịch và số dư tài khoản của riêng mình thì trên blockchain của bitcoin bạn có thể xem các giao dịch của tất cả mọi người. ​Mạng lưới Bitcoin là mạng lưới phân tán không cần bên thứ ba đóng vai trò trung gian xử lý giao dịch.​ Hệ thống blockchain được thiết kế theo cách không yêu cầu sự tin cậy và bảo đảm bởi độ tin cậy có được thông qua các </a:t>
-            </a:r>
-            <a:r>
-              <a:rPr lang="vi-VN" sz="1800" b="0" i="0">
-                <a:solidFill>
-                  <a:srgbClr val="FF0000"/>
-                </a:solidFill>
-                <a:effectLst/>
-                <a:latin typeface="Source Sans Pro" panose="020B0503030403020204" pitchFamily="34" charset="0"/>
-                <a:ea typeface="Source Sans Pro" panose="020B0503030403020204" pitchFamily="34" charset="0"/>
-              </a:rPr>
-              <a:t>hàm mã hóa toán học đặc biệt</a:t>
-            </a:r>
-            <a:r>
-              <a:rPr lang="vi-VN" sz="1800" b="0" i="0">
-                <a:solidFill>
-                  <a:srgbClr val="222222"/>
-                </a:solidFill>
-                <a:effectLst/>
-                <a:latin typeface="Source Sans Pro" panose="020B0503030403020204" pitchFamily="34" charset="0"/>
-                <a:ea typeface="Source Sans Pro" panose="020B0503030403020204" pitchFamily="34" charset="0"/>
-              </a:rPr>
-              <a:t>. ​Để có thể thực hiện các giao dịch trên blockchain, bạn cần một phần mềm sẽ cho phép bạn lưu trữ và trao đổi các đồng Bitcoin của bạn gọi là </a:t>
-            </a:r>
-            <a:r>
-              <a:rPr lang="vi-VN" sz="1800" b="0" i="0" u="sng">
-                <a:solidFill>
-                  <a:srgbClr val="222222"/>
-                </a:solidFill>
-                <a:effectLst/>
-                <a:latin typeface="Source Sans Pro" panose="020B0503030403020204" pitchFamily="34" charset="0"/>
-                <a:ea typeface="Source Sans Pro" panose="020B0503030403020204" pitchFamily="34" charset="0"/>
-              </a:rPr>
-              <a:t>ví tiền điện tử</a:t>
-            </a:r>
-            <a:r>
-              <a:rPr lang="vi-VN" sz="1800" b="0" i="0">
-                <a:solidFill>
-                  <a:srgbClr val="222222"/>
-                </a:solidFill>
-                <a:effectLst/>
-                <a:latin typeface="Source Sans Pro" panose="020B0503030403020204" pitchFamily="34" charset="0"/>
-                <a:ea typeface="Source Sans Pro" panose="020B0503030403020204" pitchFamily="34" charset="0"/>
-              </a:rPr>
-              <a:t>. </a:t>
-            </a:r>
-            <a:r>
-              <a:rPr lang="vi-VN" sz="1800" b="0" i="0" u="sng">
-                <a:solidFill>
-                  <a:srgbClr val="222222"/>
-                </a:solidFill>
-                <a:effectLst/>
-                <a:latin typeface="Source Sans Pro" panose="020B0503030403020204" pitchFamily="34" charset="0"/>
-                <a:ea typeface="Source Sans Pro" panose="020B0503030403020204" pitchFamily="34" charset="0"/>
-              </a:rPr>
-              <a:t>Ví tiền điện tử </a:t>
-            </a:r>
-            <a:r>
-              <a:rPr lang="vi-VN" sz="1800" b="0" i="0">
-                <a:solidFill>
-                  <a:srgbClr val="222222"/>
-                </a:solidFill>
-                <a:effectLst/>
-                <a:latin typeface="Source Sans Pro" panose="020B0503030403020204" pitchFamily="34" charset="0"/>
-                <a:ea typeface="Source Sans Pro" panose="020B0503030403020204" pitchFamily="34" charset="0"/>
-              </a:rPr>
-              <a:t>này sẽ được bảo vệ bằng một phương pháp mã hóa đặc biệt đó là sử dụng một cặp khóa bảo mật duy nhất: </a:t>
-            </a:r>
-            <a:r>
-              <a:rPr lang="vi-VN" sz="1800" b="0" i="0">
-                <a:solidFill>
-                  <a:srgbClr val="FF0000"/>
-                </a:solidFill>
-                <a:effectLst/>
-                <a:latin typeface="Source Sans Pro" panose="020B0503030403020204" pitchFamily="34" charset="0"/>
-                <a:ea typeface="Source Sans Pro" panose="020B0503030403020204" pitchFamily="34" charset="0"/>
-              </a:rPr>
-              <a:t>khóa riêng tư </a:t>
-            </a:r>
-            <a:r>
-              <a:rPr lang="vi-VN" sz="1800" b="0" i="0">
-                <a:solidFill>
-                  <a:srgbClr val="222222"/>
-                </a:solidFill>
-                <a:effectLst/>
-                <a:latin typeface="Source Sans Pro" panose="020B0503030403020204" pitchFamily="34" charset="0"/>
-                <a:ea typeface="Source Sans Pro" panose="020B0503030403020204" pitchFamily="34" charset="0"/>
-              </a:rPr>
-              <a:t>(private key) và </a:t>
-            </a:r>
-            <a:r>
-              <a:rPr lang="vi-VN" sz="1800" b="0" i="0">
-                <a:solidFill>
-                  <a:srgbClr val="FF0000"/>
-                </a:solidFill>
-                <a:effectLst/>
-                <a:latin typeface="Source Sans Pro" panose="020B0503030403020204" pitchFamily="34" charset="0"/>
-                <a:ea typeface="Source Sans Pro" panose="020B0503030403020204" pitchFamily="34" charset="0"/>
-              </a:rPr>
-              <a:t>khóa công khai </a:t>
-            </a:r>
-            <a:r>
-              <a:rPr lang="vi-VN" sz="1800" b="0" i="0">
-                <a:solidFill>
-                  <a:srgbClr val="222222"/>
-                </a:solidFill>
-                <a:effectLst/>
-                <a:latin typeface="Source Sans Pro" panose="020B0503030403020204" pitchFamily="34" charset="0"/>
-                <a:ea typeface="Source Sans Pro" panose="020B0503030403020204" pitchFamily="34" charset="0"/>
-              </a:rPr>
-              <a:t>(public key).</a:t>
-            </a:r>
-            <a:endParaRPr lang="vi-VN" sz="1800">
-              <a:latin typeface="Source Sans Pro" panose="020B0503030403020204" pitchFamily="34" charset="0"/>
-              <a:ea typeface="Source Sans Pro" panose="020B0503030403020204" pitchFamily="34" charset="0"/>
-            </a:endParaRPr>
-          </a:p>
-        </p:txBody>
-      </p:sp>
-      <p:sp>
-        <p:nvSpPr>
-          <p:cNvPr id="8" name="TextBox 7">
-            <a:extLst>
-              <a:ext uri="{FF2B5EF4-FFF2-40B4-BE49-F238E27FC236}">
-                <a16:creationId xmlns:a16="http://schemas.microsoft.com/office/drawing/2014/main" id="{217967B2-548D-4CC2-8765-02A423C8EEAE}"/>
-              </a:ext>
-            </a:extLst>
-          </p:cNvPr>
-          <p:cNvSpPr txBox="1"/>
-          <p:nvPr/>
-        </p:nvSpPr>
-        <p:spPr>
-          <a:xfrm>
-            <a:off x="786150" y="1070493"/>
-            <a:ext cx="4572000" cy="369332"/>
-          </a:xfrm>
-          <a:prstGeom prst="rect">
-            <a:avLst/>
-          </a:prstGeom>
-          <a:noFill/>
-        </p:spPr>
-        <p:txBody>
-          <a:bodyPr wrap="square">
-            <a:spAutoFit/>
-          </a:bodyPr>
-          <a:lstStyle/>
-          <a:p>
-            <a:pPr algn="just"/>
-            <a:r>
-              <a:rPr lang="vi-VN" sz="1800" b="0" i="0">
-                <a:solidFill>
-                  <a:srgbClr val="222222"/>
-                </a:solidFill>
-                <a:effectLst/>
-                <a:latin typeface="Source Sans Pro" panose="020B0503030403020204" pitchFamily="34" charset="0"/>
-                <a:ea typeface="Source Sans Pro" panose="020B0503030403020204" pitchFamily="34" charset="0"/>
-              </a:rPr>
-              <a:t>1. Nguyên lý mã hóa:</a:t>
-            </a:r>
-          </a:p>
-        </p:txBody>
-      </p:sp>
-    </p:spTree>
-    <p:extLst>
-      <p:ext uri="{BB962C8B-B14F-4D97-AF65-F5344CB8AC3E}">
-        <p14:creationId xmlns:p14="http://schemas.microsoft.com/office/powerpoint/2010/main" val="2289716346"/>
-      </p:ext>
-    </p:extLst>
-  </p:cSld>
-  <p:clrMapOvr>
-    <a:masterClrMapping/>
-  </p:clrMapOvr>
-</p:sld>
-</file>
-
-<file path=ppt/slides/slide11.xml><?xml version="1.0" encoding="utf-8"?>
-<p:sld xmlns:a="http://schemas.openxmlformats.org/drawingml/2006/main" xmlns:r="http://schemas.openxmlformats.org/officeDocument/2006/relationships" xmlns:p="http://schemas.openxmlformats.org/presentationml/2006/main">
-  <p:cSld>
-    <p:spTree>
-      <p:nvGrpSpPr>
-        <p:cNvPr id="1" name="Shape 74"/>
-        <p:cNvGrpSpPr/>
-        <p:nvPr/>
-      </p:nvGrpSpPr>
-      <p:grpSpPr>
-        <a:xfrm>
-          <a:off x="0" y="0"/>
-          <a:ext cx="0" cy="0"/>
-          <a:chOff x="0" y="0"/>
-          <a:chExt cx="0" cy="0"/>
-        </a:xfrm>
-      </p:grpSpPr>
-      <p:sp>
-        <p:nvSpPr>
-          <p:cNvPr id="75" name="Google Shape;75;p13"/>
-          <p:cNvSpPr txBox="1">
-            <a:spLocks noGrp="1"/>
-          </p:cNvSpPr>
-          <p:nvPr>
-            <p:ph type="title"/>
-          </p:nvPr>
-        </p:nvSpPr>
-        <p:spPr>
-          <a:xfrm>
-            <a:off x="786150" y="308120"/>
-            <a:ext cx="7571700" cy="702600"/>
-          </a:xfrm>
-          <a:prstGeom prst="rect">
-            <a:avLst/>
-          </a:prstGeom>
-        </p:spPr>
-        <p:txBody>
-          <a:bodyPr spcFirstLastPara="1" wrap="square" lIns="91425" tIns="91425" rIns="91425" bIns="91425" anchor="b" anchorCtr="0">
-            <a:noAutofit/>
-          </a:bodyPr>
-          <a:lstStyle/>
-          <a:p>
-            <a:pPr marL="0" lvl="0" indent="0" algn="l" rtl="0">
-              <a:spcBef>
-                <a:spcPts val="0"/>
-              </a:spcBef>
-              <a:spcAft>
-                <a:spcPts val="0"/>
-              </a:spcAft>
-              <a:buNone/>
-            </a:pPr>
-            <a:r>
-              <a:rPr lang="vi-VN" b="1"/>
-              <a:t>Nguyên lý hoạt động của Blockchain</a:t>
-            </a:r>
-          </a:p>
-        </p:txBody>
-      </p:sp>
-      <p:sp>
-        <p:nvSpPr>
-          <p:cNvPr id="79" name="Google Shape;79;p13"/>
-          <p:cNvSpPr txBox="1">
-            <a:spLocks noGrp="1"/>
-          </p:cNvSpPr>
-          <p:nvPr>
-            <p:ph type="sldNum" idx="12"/>
-          </p:nvPr>
-        </p:nvSpPr>
-        <p:spPr>
-          <a:xfrm>
-            <a:off x="8404384" y="4749851"/>
-            <a:ext cx="548700" cy="393600"/>
-          </a:xfrm>
-          <a:prstGeom prst="rect">
-            <a:avLst/>
-          </a:prstGeom>
-        </p:spPr>
-        <p:txBody>
-          <a:bodyPr spcFirstLastPara="1" wrap="square" lIns="91425" tIns="91425" rIns="91425" bIns="91425" anchor="t" anchorCtr="0">
-            <a:noAutofit/>
-          </a:bodyPr>
-          <a:lstStyle/>
-          <a:p>
-            <a:pPr marL="0" lvl="0" indent="0" algn="r" rtl="0">
-              <a:spcBef>
-                <a:spcPts val="0"/>
-              </a:spcBef>
-              <a:spcAft>
-                <a:spcPts val="0"/>
-              </a:spcAft>
-              <a:buNone/>
-            </a:pPr>
-            <a:r>
-              <a:rPr lang="vi-VN"/>
-              <a:t>10</a:t>
-            </a:r>
-            <a:endParaRPr/>
-          </a:p>
-        </p:txBody>
-      </p:sp>
-      <p:sp>
-        <p:nvSpPr>
-          <p:cNvPr id="6" name="TextBox 5">
-            <a:extLst>
-              <a:ext uri="{FF2B5EF4-FFF2-40B4-BE49-F238E27FC236}">
-                <a16:creationId xmlns:a16="http://schemas.microsoft.com/office/drawing/2014/main" id="{7A9BCCAB-3458-4BFD-A5D4-9D572D856B11}"/>
-              </a:ext>
-            </a:extLst>
-          </p:cNvPr>
-          <p:cNvSpPr txBox="1"/>
-          <p:nvPr/>
-        </p:nvSpPr>
-        <p:spPr>
-          <a:xfrm>
-            <a:off x="786150" y="1438044"/>
-            <a:ext cx="7571700" cy="2031325"/>
+            <a:ext cx="7571700" cy="1200329"/>
           </a:xfrm>
           <a:prstGeom prst="rect">
             <a:avLst/>
@@ -13841,31 +13528,6 @@
                 <a:ea typeface="Source Sans Pro" panose="020B0503030403020204" pitchFamily="34" charset="0"/>
               </a:rPr>
               <a:t>Các giao dịch sau khi được gửi lên trên mạng lưới blockchain sẽ được nhóm vào các khối và các giao dịch trong cùng 1 khối (block) được coi là đã xảy ra cùng thời điểm. Các giao dịch chưa được thực hiện trong 1 khối được coi là chưa được xác nhận.</a:t>
-            </a:r>
-          </a:p>
-          <a:p>
-            <a:pPr algn="just"/>
-            <a:endParaRPr lang="vi-VN" sz="1800" b="0" i="0">
-              <a:solidFill>
-                <a:srgbClr val="222222"/>
-              </a:solidFill>
-              <a:effectLst/>
-              <a:latin typeface="Source Sans Pro" panose="020B0503030403020204" pitchFamily="34" charset="0"/>
-              <a:ea typeface="Source Sans Pro" panose="020B0503030403020204" pitchFamily="34" charset="0"/>
-            </a:endParaRPr>
-          </a:p>
-          <a:p>
-            <a:pPr algn="just"/>
-            <a:r>
-              <a:rPr lang="vi-VN" sz="1800" b="0" i="0">
-                <a:solidFill>
-                  <a:srgbClr val="222222"/>
-                </a:solidFill>
-                <a:effectLst/>
-                <a:latin typeface="Source Sans Pro" panose="020B0503030403020204" pitchFamily="34" charset="0"/>
-                <a:ea typeface="Source Sans Pro" panose="020B0503030403020204" pitchFamily="34" charset="0"/>
-              </a:rPr>
-              <a:t>Mỗi nút có thể nhóm các giao dịch với nhau thành một khối và gửi nó vào mạng lưới như một hàm ý cho các khối tiếp theo được gắn vào sau đó.</a:t>
             </a:r>
           </a:p>
         </p:txBody>
@@ -13923,6 +13585,45 @@
           </a:p>
         </p:txBody>
       </p:sp>
+      <p:pic>
+        <p:nvPicPr>
+          <p:cNvPr id="7" name="Picture 6" descr="5. Công nghệ Blockchain hoạt động như thế nào">
+            <a:extLst>
+              <a:ext uri="{FF2B5EF4-FFF2-40B4-BE49-F238E27FC236}">
+                <a16:creationId xmlns:a16="http://schemas.microsoft.com/office/drawing/2014/main" id="{7779B79D-4D20-4B37-AB7C-A10449CFB33E}"/>
+              </a:ext>
+            </a:extLst>
+          </p:cNvPr>
+          <p:cNvPicPr/>
+          <p:nvPr/>
+        </p:nvPicPr>
+        <p:blipFill>
+          <a:blip r:embed="rId3">
+            <a:extLst>
+              <a:ext uri="{28A0092B-C50C-407E-A947-70E740481C1C}">
+                <a14:useLocalDpi xmlns:a14="http://schemas.microsoft.com/office/drawing/2010/main" val="0"/>
+              </a:ext>
+            </a:extLst>
+          </a:blip>
+          <a:srcRect/>
+          <a:stretch>
+            <a:fillRect/>
+          </a:stretch>
+        </p:blipFill>
+        <p:spPr bwMode="auto">
+          <a:xfrm>
+            <a:off x="3205908" y="2571750"/>
+            <a:ext cx="4836175" cy="2280784"/>
+          </a:xfrm>
+          <a:prstGeom prst="rect">
+            <a:avLst/>
+          </a:prstGeom>
+          <a:noFill/>
+          <a:ln>
+            <a:noFill/>
+          </a:ln>
+        </p:spPr>
+      </p:pic>
     </p:spTree>
     <p:extLst>
       <p:ext uri="{BB962C8B-B14F-4D97-AF65-F5344CB8AC3E}">
@@ -13936,7 +13637,7 @@
 </p:sld>
 </file>
 
-<file path=ppt/slides/slide12.xml><?xml version="1.0" encoding="utf-8"?>
+<file path=ppt/slides/slide11.xml><?xml version="1.0" encoding="utf-8"?>
 <p:sld xmlns:a="http://schemas.openxmlformats.org/drawingml/2006/main" xmlns:r="http://schemas.openxmlformats.org/officeDocument/2006/relationships" xmlns:p="http://schemas.openxmlformats.org/presentationml/2006/main">
   <p:cSld>
     <p:spTree>
@@ -14030,7 +13731,7 @@
             </a:pPr>
             <a:r>
               <a:rPr lang="vi-VN"/>
-              <a:t>11</a:t>
+              <a:t>10</a:t>
             </a:r>
             <a:endParaRPr/>
           </a:p>
@@ -14164,7 +13865,7 @@
 </p:sld>
 </file>
 
-<file path=ppt/slides/slide13.xml><?xml version="1.0" encoding="utf-8"?>
+<file path=ppt/slides/slide12.xml><?xml version="1.0" encoding="utf-8"?>
 <p:sld xmlns:a="http://schemas.openxmlformats.org/drawingml/2006/main" xmlns:r="http://schemas.openxmlformats.org/officeDocument/2006/relationships" xmlns:p="http://schemas.openxmlformats.org/presentationml/2006/main">
   <p:cSld>
     <p:spTree>
@@ -14258,7 +13959,7 @@
             </a:pPr>
             <a:r>
               <a:rPr lang="vi-VN"/>
-              <a:t>12</a:t>
+              <a:t>11</a:t>
             </a:r>
             <a:endParaRPr/>
           </a:p>
@@ -14410,7 +14111,7 @@
 </p:sld>
 </file>
 
-<file path=ppt/slides/slide14.xml><?xml version="1.0" encoding="utf-8"?>
+<file path=ppt/slides/slide13.xml><?xml version="1.0" encoding="utf-8"?>
 <p:sld xmlns:a="http://schemas.openxmlformats.org/drawingml/2006/main" xmlns:r="http://schemas.openxmlformats.org/officeDocument/2006/relationships" xmlns:p="http://schemas.openxmlformats.org/presentationml/2006/main">
   <p:cSld>
     <p:spTree>
@@ -14504,7 +14205,7 @@
             </a:pPr>
             <a:r>
               <a:rPr lang="vi-VN"/>
-              <a:t>13</a:t>
+              <a:t>12</a:t>
             </a:r>
             <a:endParaRPr/>
           </a:p>
@@ -14644,7 +14345,7 @@
 </p:sld>
 </file>
 
-<file path=ppt/slides/slide15.xml><?xml version="1.0" encoding="utf-8"?>
+<file path=ppt/slides/slide14.xml><?xml version="1.0" encoding="utf-8"?>
 <p:sld xmlns:a="http://schemas.openxmlformats.org/drawingml/2006/main" xmlns:r="http://schemas.openxmlformats.org/officeDocument/2006/relationships" xmlns:p="http://schemas.openxmlformats.org/presentationml/2006/main">
   <p:cSld>
     <p:spTree>
@@ -14738,7 +14439,7 @@
             </a:pPr>
             <a:r>
               <a:rPr lang="vi-VN"/>
-              <a:t>14</a:t>
+              <a:t>13</a:t>
             </a:r>
             <a:endParaRPr/>
           </a:p>
@@ -14846,7 +14547,7 @@
 </p:sld>
 </file>
 
-<file path=ppt/slides/slide16.xml><?xml version="1.0" encoding="utf-8"?>
+<file path=ppt/slides/slide15.xml><?xml version="1.0" encoding="utf-8"?>
 <p:sld xmlns:a="http://schemas.openxmlformats.org/drawingml/2006/main" xmlns:r="http://schemas.openxmlformats.org/officeDocument/2006/relationships" xmlns:p="http://schemas.openxmlformats.org/presentationml/2006/main">
   <p:cSld>
     <p:spTree>
@@ -14940,7 +14641,7 @@
             </a:pPr>
             <a:r>
               <a:rPr lang="vi-VN"/>
-              <a:t>15</a:t>
+              <a:t>14</a:t>
             </a:r>
             <a:endParaRPr/>
           </a:p>
@@ -15165,7 +14866,7 @@
 </p:sld>
 </file>
 
-<file path=ppt/slides/slide17.xml><?xml version="1.0" encoding="utf-8"?>
+<file path=ppt/slides/slide16.xml><?xml version="1.0" encoding="utf-8"?>
 <p:sld xmlns:a="http://schemas.openxmlformats.org/drawingml/2006/main" xmlns:r="http://schemas.openxmlformats.org/officeDocument/2006/relationships" xmlns:p="http://schemas.openxmlformats.org/presentationml/2006/main">
   <p:cSld>
     <p:spTree>
@@ -15259,7 +14960,7 @@
             </a:pPr>
             <a:r>
               <a:rPr lang="vi-VN"/>
-              <a:t>16</a:t>
+              <a:t>15</a:t>
             </a:r>
             <a:endParaRPr/>
           </a:p>
@@ -15477,7 +15178,7 @@
 </p:sld>
 </file>
 
-<file path=ppt/slides/slide18.xml><?xml version="1.0" encoding="utf-8"?>
+<file path=ppt/slides/slide17.xml><?xml version="1.0" encoding="utf-8"?>
 <p:sld xmlns:a="http://schemas.openxmlformats.org/drawingml/2006/main" xmlns:r="http://schemas.openxmlformats.org/officeDocument/2006/relationships" xmlns:p="http://schemas.openxmlformats.org/presentationml/2006/main">
   <p:cSld>
     <p:spTree>
@@ -15571,7 +15272,7 @@
             </a:pPr>
             <a:r>
               <a:rPr lang="vi-VN"/>
-              <a:t>17</a:t>
+              <a:t>16</a:t>
             </a:r>
             <a:endParaRPr/>
           </a:p>
@@ -15797,7 +15498,7 @@
 </p:sld>
 </file>
 
-<file path=ppt/slides/slide19.xml><?xml version="1.0" encoding="utf-8"?>
+<file path=ppt/slides/slide18.xml><?xml version="1.0" encoding="utf-8"?>
 <p:sld xmlns:a="http://schemas.openxmlformats.org/drawingml/2006/main" xmlns:r="http://schemas.openxmlformats.org/officeDocument/2006/relationships" xmlns:p="http://schemas.openxmlformats.org/presentationml/2006/main">
   <p:cSld>
     <p:spTree>
@@ -15891,7 +15592,7 @@
             </a:pPr>
             <a:r>
               <a:rPr lang="vi-VN"/>
-              <a:t>18</a:t>
+              <a:t>17</a:t>
             </a:r>
             <a:endParaRPr/>
           </a:p>
@@ -16117,6 +15818,173 @@
 </p:sld>
 </file>
 
+<file path=ppt/slides/slide19.xml><?xml version="1.0" encoding="utf-8"?>
+<p:sld xmlns:a="http://schemas.openxmlformats.org/drawingml/2006/main" xmlns:r="http://schemas.openxmlformats.org/officeDocument/2006/relationships" xmlns:p="http://schemas.openxmlformats.org/presentationml/2006/main">
+  <p:cSld>
+    <p:spTree>
+      <p:nvGrpSpPr>
+        <p:cNvPr id="1" name="Shape 74"/>
+        <p:cNvGrpSpPr/>
+        <p:nvPr/>
+      </p:nvGrpSpPr>
+      <p:grpSpPr>
+        <a:xfrm>
+          <a:off x="0" y="0"/>
+          <a:ext cx="0" cy="0"/>
+          <a:chOff x="0" y="0"/>
+          <a:chExt cx="0" cy="0"/>
+        </a:xfrm>
+      </p:grpSpPr>
+      <p:sp>
+        <p:nvSpPr>
+          <p:cNvPr id="75" name="Google Shape;75;p13"/>
+          <p:cNvSpPr txBox="1">
+            <a:spLocks noGrp="1"/>
+          </p:cNvSpPr>
+          <p:nvPr>
+            <p:ph type="title"/>
+          </p:nvPr>
+        </p:nvSpPr>
+        <p:spPr>
+          <a:xfrm>
+            <a:off x="786150" y="308120"/>
+            <a:ext cx="7571700" cy="702600"/>
+          </a:xfrm>
+          <a:prstGeom prst="rect">
+            <a:avLst/>
+          </a:prstGeom>
+        </p:spPr>
+        <p:txBody>
+          <a:bodyPr spcFirstLastPara="1" wrap="square" lIns="91425" tIns="91425" rIns="91425" bIns="91425" anchor="b" anchorCtr="0">
+            <a:noAutofit/>
+          </a:bodyPr>
+          <a:lstStyle/>
+          <a:p>
+            <a:pPr marL="0" lvl="0" indent="0" algn="l" rtl="0">
+              <a:spcBef>
+                <a:spcPts val="0"/>
+              </a:spcBef>
+              <a:spcAft>
+                <a:spcPts val="0"/>
+              </a:spcAft>
+              <a:buNone/>
+            </a:pPr>
+            <a:r>
+              <a:rPr lang="vi-VN" b="1"/>
+              <a:t>Ứng dụng</a:t>
+            </a:r>
+          </a:p>
+        </p:txBody>
+      </p:sp>
+      <p:sp>
+        <p:nvSpPr>
+          <p:cNvPr id="79" name="Google Shape;79;p13"/>
+          <p:cNvSpPr txBox="1">
+            <a:spLocks noGrp="1"/>
+          </p:cNvSpPr>
+          <p:nvPr>
+            <p:ph type="sldNum" idx="12"/>
+          </p:nvPr>
+        </p:nvSpPr>
+        <p:spPr>
+          <a:xfrm>
+            <a:off x="8404384" y="4749851"/>
+            <a:ext cx="548700" cy="393600"/>
+          </a:xfrm>
+          <a:prstGeom prst="rect">
+            <a:avLst/>
+          </a:prstGeom>
+        </p:spPr>
+        <p:txBody>
+          <a:bodyPr spcFirstLastPara="1" wrap="square" lIns="91425" tIns="91425" rIns="91425" bIns="91425" anchor="t" anchorCtr="0">
+            <a:noAutofit/>
+          </a:bodyPr>
+          <a:lstStyle/>
+          <a:p>
+            <a:pPr marL="0" lvl="0" indent="0" algn="r" rtl="0">
+              <a:spcBef>
+                <a:spcPts val="0"/>
+              </a:spcBef>
+              <a:spcAft>
+                <a:spcPts val="0"/>
+              </a:spcAft>
+              <a:buNone/>
+            </a:pPr>
+            <a:r>
+              <a:rPr lang="vi-VN"/>
+              <a:t>18</a:t>
+            </a:r>
+            <a:endParaRPr/>
+          </a:p>
+        </p:txBody>
+      </p:sp>
+      <p:sp>
+        <p:nvSpPr>
+          <p:cNvPr id="10" name="TextBox 9">
+            <a:extLst>
+              <a:ext uri="{FF2B5EF4-FFF2-40B4-BE49-F238E27FC236}">
+                <a16:creationId xmlns:a16="http://schemas.microsoft.com/office/drawing/2014/main" id="{78198F9D-83F5-448F-A8D1-2D875409EF04}"/>
+              </a:ext>
+            </a:extLst>
+          </p:cNvPr>
+          <p:cNvSpPr txBox="1"/>
+          <p:nvPr/>
+        </p:nvSpPr>
+        <p:spPr>
+          <a:xfrm>
+            <a:off x="919907" y="1176163"/>
+            <a:ext cx="4599543" cy="1856598"/>
+          </a:xfrm>
+          <a:prstGeom prst="rect">
+            <a:avLst/>
+          </a:prstGeom>
+          <a:noFill/>
+        </p:spPr>
+        <p:txBody>
+          <a:bodyPr wrap="square">
+            <a:spAutoFit/>
+          </a:bodyPr>
+          <a:lstStyle/>
+          <a:p>
+            <a:pPr algn="just">
+              <a:lnSpc>
+                <a:spcPct val="107000"/>
+              </a:lnSpc>
+              <a:spcAft>
+                <a:spcPts val="800"/>
+              </a:spcAft>
+            </a:pPr>
+            <a:r>
+              <a:rPr lang="vi-VN" sz="1800">
+                <a:effectLst/>
+                <a:latin typeface="Source Sans Pro" panose="020B0503030403020204" pitchFamily="34" charset="0"/>
+                <a:ea typeface="Source Sans Pro" panose="020B0503030403020204" pitchFamily="34" charset="0"/>
+                <a:cs typeface="Times New Roman" panose="02020603050405020304" pitchFamily="18" charset="0"/>
+              </a:rPr>
+              <a:t>Blockchain được ứng dụng vào rất nhiều lĩnh vực như: Tiền điện tử, chuỗi cung ứng, hợp đồng thông minh, các dịch vụ tài chính, video games, chăm sóc sức khỏe, tên domain... và gần đây là được ứng dụng vào thương mại điện tử.</a:t>
+            </a:r>
+            <a:endParaRPr lang="vi-VN" sz="1600">
+              <a:effectLst/>
+              <a:latin typeface="Source Sans Pro" panose="020B0503030403020204" pitchFamily="34" charset="0"/>
+              <a:ea typeface="Source Sans Pro" panose="020B0503030403020204" pitchFamily="34" charset="0"/>
+              <a:cs typeface="Times New Roman" panose="02020603050405020304" pitchFamily="18" charset="0"/>
+            </a:endParaRPr>
+          </a:p>
+        </p:txBody>
+      </p:sp>
+    </p:spTree>
+    <p:extLst>
+      <p:ext uri="{BB962C8B-B14F-4D97-AF65-F5344CB8AC3E}">
+        <p14:creationId xmlns:p14="http://schemas.microsoft.com/office/powerpoint/2010/main" val="2826540269"/>
+      </p:ext>
+    </p:extLst>
+  </p:cSld>
+  <p:clrMapOvr>
+    <a:masterClrMapping/>
+  </p:clrMapOvr>
+</p:sld>
+</file>
+
 <file path=ppt/slides/slide2.xml><?xml version="1.0" encoding="utf-8"?>
 <p:sld xmlns:a="http://schemas.openxmlformats.org/drawingml/2006/main" xmlns:r="http://schemas.openxmlformats.org/officeDocument/2006/relationships" xmlns:p="http://schemas.openxmlformats.org/presentationml/2006/main">
   <p:cSld>
@@ -16254,173 +16122,6 @@
   <p:cSld>
     <p:spTree>
       <p:nvGrpSpPr>
-        <p:cNvPr id="1" name="Shape 74"/>
-        <p:cNvGrpSpPr/>
-        <p:nvPr/>
-      </p:nvGrpSpPr>
-      <p:grpSpPr>
-        <a:xfrm>
-          <a:off x="0" y="0"/>
-          <a:ext cx="0" cy="0"/>
-          <a:chOff x="0" y="0"/>
-          <a:chExt cx="0" cy="0"/>
-        </a:xfrm>
-      </p:grpSpPr>
-      <p:sp>
-        <p:nvSpPr>
-          <p:cNvPr id="75" name="Google Shape;75;p13"/>
-          <p:cNvSpPr txBox="1">
-            <a:spLocks noGrp="1"/>
-          </p:cNvSpPr>
-          <p:nvPr>
-            <p:ph type="title"/>
-          </p:nvPr>
-        </p:nvSpPr>
-        <p:spPr>
-          <a:xfrm>
-            <a:off x="786150" y="308120"/>
-            <a:ext cx="7571700" cy="702600"/>
-          </a:xfrm>
-          <a:prstGeom prst="rect">
-            <a:avLst/>
-          </a:prstGeom>
-        </p:spPr>
-        <p:txBody>
-          <a:bodyPr spcFirstLastPara="1" wrap="square" lIns="91425" tIns="91425" rIns="91425" bIns="91425" anchor="b" anchorCtr="0">
-            <a:noAutofit/>
-          </a:bodyPr>
-          <a:lstStyle/>
-          <a:p>
-            <a:pPr marL="0" lvl="0" indent="0" algn="l" rtl="0">
-              <a:spcBef>
-                <a:spcPts val="0"/>
-              </a:spcBef>
-              <a:spcAft>
-                <a:spcPts val="0"/>
-              </a:spcAft>
-              <a:buNone/>
-            </a:pPr>
-            <a:r>
-              <a:rPr lang="vi-VN" b="1"/>
-              <a:t>Ứng dụng</a:t>
-            </a:r>
-          </a:p>
-        </p:txBody>
-      </p:sp>
-      <p:sp>
-        <p:nvSpPr>
-          <p:cNvPr id="79" name="Google Shape;79;p13"/>
-          <p:cNvSpPr txBox="1">
-            <a:spLocks noGrp="1"/>
-          </p:cNvSpPr>
-          <p:nvPr>
-            <p:ph type="sldNum" idx="12"/>
-          </p:nvPr>
-        </p:nvSpPr>
-        <p:spPr>
-          <a:xfrm>
-            <a:off x="8404384" y="4749851"/>
-            <a:ext cx="548700" cy="393600"/>
-          </a:xfrm>
-          <a:prstGeom prst="rect">
-            <a:avLst/>
-          </a:prstGeom>
-        </p:spPr>
-        <p:txBody>
-          <a:bodyPr spcFirstLastPara="1" wrap="square" lIns="91425" tIns="91425" rIns="91425" bIns="91425" anchor="t" anchorCtr="0">
-            <a:noAutofit/>
-          </a:bodyPr>
-          <a:lstStyle/>
-          <a:p>
-            <a:pPr marL="0" lvl="0" indent="0" algn="r" rtl="0">
-              <a:spcBef>
-                <a:spcPts val="0"/>
-              </a:spcBef>
-              <a:spcAft>
-                <a:spcPts val="0"/>
-              </a:spcAft>
-              <a:buNone/>
-            </a:pPr>
-            <a:r>
-              <a:rPr lang="vi-VN"/>
-              <a:t>19</a:t>
-            </a:r>
-            <a:endParaRPr/>
-          </a:p>
-        </p:txBody>
-      </p:sp>
-      <p:sp>
-        <p:nvSpPr>
-          <p:cNvPr id="10" name="TextBox 9">
-            <a:extLst>
-              <a:ext uri="{FF2B5EF4-FFF2-40B4-BE49-F238E27FC236}">
-                <a16:creationId xmlns:a16="http://schemas.microsoft.com/office/drawing/2014/main" id="{78198F9D-83F5-448F-A8D1-2D875409EF04}"/>
-              </a:ext>
-            </a:extLst>
-          </p:cNvPr>
-          <p:cNvSpPr txBox="1"/>
-          <p:nvPr/>
-        </p:nvSpPr>
-        <p:spPr>
-          <a:xfrm>
-            <a:off x="919907" y="1176163"/>
-            <a:ext cx="4599543" cy="1856598"/>
-          </a:xfrm>
-          <a:prstGeom prst="rect">
-            <a:avLst/>
-          </a:prstGeom>
-          <a:noFill/>
-        </p:spPr>
-        <p:txBody>
-          <a:bodyPr wrap="square">
-            <a:spAutoFit/>
-          </a:bodyPr>
-          <a:lstStyle/>
-          <a:p>
-            <a:pPr algn="just">
-              <a:lnSpc>
-                <a:spcPct val="107000"/>
-              </a:lnSpc>
-              <a:spcAft>
-                <a:spcPts val="800"/>
-              </a:spcAft>
-            </a:pPr>
-            <a:r>
-              <a:rPr lang="vi-VN" sz="1800">
-                <a:effectLst/>
-                <a:latin typeface="Source Sans Pro" panose="020B0503030403020204" pitchFamily="34" charset="0"/>
-                <a:ea typeface="Source Sans Pro" panose="020B0503030403020204" pitchFamily="34" charset="0"/>
-                <a:cs typeface="Times New Roman" panose="02020603050405020304" pitchFamily="18" charset="0"/>
-              </a:rPr>
-              <a:t>Blockchain được ứng dụng vào rất nhiều lĩnh vực như: Tiền điện tử, chuỗi cung ứng, hợp đồng thông minh, các dịch vụ tài chính, video games, chăm sóc sức khỏe, tên domain... và gần đây là được ứng dụng vào thương mại điện tử.</a:t>
-            </a:r>
-            <a:endParaRPr lang="vi-VN" sz="1600">
-              <a:effectLst/>
-              <a:latin typeface="Source Sans Pro" panose="020B0503030403020204" pitchFamily="34" charset="0"/>
-              <a:ea typeface="Source Sans Pro" panose="020B0503030403020204" pitchFamily="34" charset="0"/>
-              <a:cs typeface="Times New Roman" panose="02020603050405020304" pitchFamily="18" charset="0"/>
-            </a:endParaRPr>
-          </a:p>
-        </p:txBody>
-      </p:sp>
-    </p:spTree>
-    <p:extLst>
-      <p:ext uri="{BB962C8B-B14F-4D97-AF65-F5344CB8AC3E}">
-        <p14:creationId xmlns:p14="http://schemas.microsoft.com/office/powerpoint/2010/main" val="2826540269"/>
-      </p:ext>
-    </p:extLst>
-  </p:cSld>
-  <p:clrMapOvr>
-    <a:masterClrMapping/>
-  </p:clrMapOvr>
-</p:sld>
-</file>
-
-<file path=ppt/slides/slide21.xml><?xml version="1.0" encoding="utf-8"?>
-<p:sld xmlns:a="http://schemas.openxmlformats.org/drawingml/2006/main" xmlns:r="http://schemas.openxmlformats.org/officeDocument/2006/relationships" xmlns:p="http://schemas.openxmlformats.org/presentationml/2006/main">
-  <p:cSld>
-    <p:spTree>
-      <p:nvGrpSpPr>
         <p:cNvPr id="1" name="Shape 96"/>
         <p:cNvGrpSpPr/>
         <p:nvPr/>
@@ -16542,7 +16243,7 @@
             </a:pPr>
             <a:r>
               <a:rPr lang="vi-VN"/>
-              <a:t>20</a:t>
+              <a:t>19</a:t>
             </a:r>
             <a:endParaRPr/>
           </a:p>
@@ -16561,7 +16262,7 @@
 </p:sld>
 </file>
 
-<file path=ppt/slides/slide22.xml><?xml version="1.0" encoding="utf-8"?>
+<file path=ppt/slides/slide21.xml><?xml version="1.0" encoding="utf-8"?>
 <p:sld xmlns:a="http://schemas.openxmlformats.org/drawingml/2006/main" xmlns:r="http://schemas.openxmlformats.org/officeDocument/2006/relationships" xmlns:p="http://schemas.openxmlformats.org/presentationml/2006/main">
   <p:cSld>
     <p:spTree>
@@ -16656,7 +16357,7 @@
             </a:pPr>
             <a:r>
               <a:rPr lang="vi-VN"/>
-              <a:t>21</a:t>
+              <a:t>20</a:t>
             </a:r>
             <a:endParaRPr/>
           </a:p>
@@ -16759,7 +16460,7 @@
 </p:sld>
 </file>
 
-<file path=ppt/slides/slide23.xml><?xml version="1.0" encoding="utf-8"?>
+<file path=ppt/slides/slide22.xml><?xml version="1.0" encoding="utf-8"?>
 <p:sld xmlns:a="http://schemas.openxmlformats.org/drawingml/2006/main" xmlns:r="http://schemas.openxmlformats.org/officeDocument/2006/relationships" xmlns:p="http://schemas.openxmlformats.org/presentationml/2006/main">
   <p:cSld>
     <p:spTree>
@@ -16854,7 +16555,7 @@
             </a:pPr>
             <a:r>
               <a:rPr lang="vi-VN"/>
-              <a:t>22</a:t>
+              <a:t>21</a:t>
             </a:r>
             <a:endParaRPr/>
           </a:p>
@@ -16968,7 +16669,7 @@
 </p:sld>
 </file>
 
-<file path=ppt/slides/slide24.xml><?xml version="1.0" encoding="utf-8"?>
+<file path=ppt/slides/slide23.xml><?xml version="1.0" encoding="utf-8"?>
 <p:sld xmlns:a="http://schemas.openxmlformats.org/drawingml/2006/main" xmlns:r="http://schemas.openxmlformats.org/officeDocument/2006/relationships" xmlns:p="http://schemas.openxmlformats.org/presentationml/2006/main">
   <p:cSld>
     <p:spTree>
@@ -17063,7 +16764,7 @@
             </a:pPr>
             <a:r>
               <a:rPr lang="vi-VN"/>
-              <a:t>23</a:t>
+              <a:t>22</a:t>
             </a:r>
             <a:endParaRPr/>
           </a:p>
@@ -17326,7 +17027,7 @@
 </p:sld>
 </file>
 
-<file path=ppt/slides/slide25.xml><?xml version="1.0" encoding="utf-8"?>
+<file path=ppt/slides/slide24.xml><?xml version="1.0" encoding="utf-8"?>
 <p:sld xmlns:a="http://schemas.openxmlformats.org/drawingml/2006/main" xmlns:r="http://schemas.openxmlformats.org/officeDocument/2006/relationships" xmlns:p="http://schemas.openxmlformats.org/presentationml/2006/main">
   <p:cSld>
     <p:spTree>
@@ -17421,7 +17122,7 @@
             </a:pPr>
             <a:r>
               <a:rPr lang="vi-VN"/>
-              <a:t>24</a:t>
+              <a:t>23</a:t>
             </a:r>
             <a:endParaRPr/>
           </a:p>
@@ -17494,7 +17195,7 @@
         </p:blipFill>
         <p:spPr bwMode="auto">
           <a:xfrm>
-            <a:off x="963975" y="1380052"/>
+            <a:off x="963975" y="1391069"/>
             <a:ext cx="7591425" cy="3705225"/>
           </a:xfrm>
           <a:prstGeom prst="rect">
@@ -17525,7 +17226,7 @@
 </p:sld>
 </file>
 
-<file path=ppt/slides/slide26.xml><?xml version="1.0" encoding="utf-8"?>
+<file path=ppt/slides/slide25.xml><?xml version="1.0" encoding="utf-8"?>
 <p:sld xmlns:a="http://schemas.openxmlformats.org/drawingml/2006/main" xmlns:r="http://schemas.openxmlformats.org/officeDocument/2006/relationships" xmlns:p="http://schemas.openxmlformats.org/presentationml/2006/main">
   <p:cSld>
     <p:spTree>
@@ -18452,6 +18153,221 @@
             </a:pPr>
             <a:r>
               <a:rPr lang="vi-VN"/>
+              <a:t>24</a:t>
+            </a:r>
+            <a:endParaRPr/>
+          </a:p>
+        </p:txBody>
+      </p:sp>
+    </p:spTree>
+  </p:cSld>
+  <p:clrMapOvr>
+    <a:masterClrMapping/>
+  </p:clrMapOvr>
+</p:sld>
+</file>
+
+<file path=ppt/slides/slide26.xml><?xml version="1.0" encoding="utf-8"?>
+<p:sld xmlns:a="http://schemas.openxmlformats.org/drawingml/2006/main" xmlns:r="http://schemas.openxmlformats.org/officeDocument/2006/relationships" xmlns:p="http://schemas.openxmlformats.org/presentationml/2006/main">
+  <p:cSld>
+    <p:spTree>
+      <p:nvGrpSpPr>
+        <p:cNvPr id="1" name="Shape 109"/>
+        <p:cNvGrpSpPr/>
+        <p:nvPr/>
+      </p:nvGrpSpPr>
+      <p:grpSpPr>
+        <a:xfrm>
+          <a:off x="0" y="0"/>
+          <a:ext cx="0" cy="0"/>
+          <a:chOff x="0" y="0"/>
+          <a:chExt cx="0" cy="0"/>
+        </a:xfrm>
+      </p:grpSpPr>
+      <p:sp>
+        <p:nvSpPr>
+          <p:cNvPr id="110" name="Google Shape;110;p17"/>
+          <p:cNvSpPr txBox="1">
+            <a:spLocks noGrp="1"/>
+          </p:cNvSpPr>
+          <p:nvPr>
+            <p:ph type="title"/>
+          </p:nvPr>
+        </p:nvSpPr>
+        <p:spPr>
+          <a:xfrm>
+            <a:off x="786150" y="308120"/>
+            <a:ext cx="7571700" cy="702600"/>
+          </a:xfrm>
+          <a:prstGeom prst="rect">
+            <a:avLst/>
+          </a:prstGeom>
+        </p:spPr>
+        <p:txBody>
+          <a:bodyPr spcFirstLastPara="1" wrap="square" lIns="91425" tIns="91425" rIns="91425" bIns="91425" anchor="b" anchorCtr="0">
+            <a:noAutofit/>
+          </a:bodyPr>
+          <a:lstStyle/>
+          <a:p>
+            <a:pPr marL="0" lvl="0" indent="0" algn="l" rtl="0">
+              <a:spcBef>
+                <a:spcPts val="0"/>
+              </a:spcBef>
+              <a:spcAft>
+                <a:spcPts val="0"/>
+              </a:spcAft>
+              <a:buNone/>
+            </a:pPr>
+            <a:r>
+              <a:rPr lang="en"/>
+              <a:t>Các chức năng của ví blockchain</a:t>
+            </a:r>
+            <a:endParaRPr/>
+          </a:p>
+        </p:txBody>
+      </p:sp>
+      <p:sp>
+        <p:nvSpPr>
+          <p:cNvPr id="111" name="Google Shape;111;p17"/>
+          <p:cNvSpPr txBox="1">
+            <a:spLocks noGrp="1"/>
+          </p:cNvSpPr>
+          <p:nvPr>
+            <p:ph type="body" idx="1"/>
+          </p:nvPr>
+        </p:nvSpPr>
+        <p:spPr>
+          <a:xfrm>
+            <a:off x="786150" y="1261700"/>
+            <a:ext cx="7571700" cy="2605220"/>
+          </a:xfrm>
+          <a:prstGeom prst="rect">
+            <a:avLst/>
+          </a:prstGeom>
+        </p:spPr>
+        <p:txBody>
+          <a:bodyPr spcFirstLastPara="1" wrap="square" lIns="91425" tIns="91425" rIns="91425" bIns="91425" anchor="t" anchorCtr="0">
+            <a:noAutofit/>
+          </a:bodyPr>
+          <a:lstStyle/>
+          <a:p>
+            <a:pPr marL="457200" lvl="0" indent="-381000" algn="l" rtl="0">
+              <a:spcBef>
+                <a:spcPts val="600"/>
+              </a:spcBef>
+              <a:spcAft>
+                <a:spcPts val="0"/>
+              </a:spcAft>
+              <a:buSzPts val="2400"/>
+              <a:buChar char="◎"/>
+            </a:pPr>
+            <a:r>
+              <a:rPr lang="en-US"/>
+              <a:t>Tạo tài khoản người dùng</a:t>
+            </a:r>
+          </a:p>
+          <a:p>
+            <a:pPr marL="457200" lvl="0" indent="-381000" algn="l" rtl="0">
+              <a:spcBef>
+                <a:spcPts val="600"/>
+              </a:spcBef>
+              <a:spcAft>
+                <a:spcPts val="0"/>
+              </a:spcAft>
+              <a:buSzPts val="2400"/>
+              <a:buChar char="◎"/>
+            </a:pPr>
+            <a:r>
+              <a:rPr lang="en-US"/>
+              <a:t>Tạo ví blockchain</a:t>
+            </a:r>
+          </a:p>
+          <a:p>
+            <a:pPr marL="457200" lvl="0" indent="-381000" algn="l" rtl="0">
+              <a:spcBef>
+                <a:spcPts val="600"/>
+              </a:spcBef>
+              <a:spcAft>
+                <a:spcPts val="0"/>
+              </a:spcAft>
+              <a:buSzPts val="2400"/>
+              <a:buChar char="◎"/>
+            </a:pPr>
+            <a:r>
+              <a:rPr lang="en-US"/>
+              <a:t>Kiểm tra thông tin ví và thông tin người dùng</a:t>
+            </a:r>
+          </a:p>
+          <a:p>
+            <a:pPr marL="457200" lvl="0" indent="-381000" algn="l" rtl="0">
+              <a:spcBef>
+                <a:spcPts val="600"/>
+              </a:spcBef>
+              <a:spcAft>
+                <a:spcPts val="0"/>
+              </a:spcAft>
+              <a:buSzPts val="2400"/>
+              <a:buChar char="◎"/>
+            </a:pPr>
+            <a:r>
+              <a:rPr lang="en-US"/>
+              <a:t>Nạp tiền vào ví, kiểm tra số dư tài khoản</a:t>
+            </a:r>
+          </a:p>
+          <a:p>
+            <a:pPr marL="457200" lvl="0" indent="-381000" algn="l" rtl="0">
+              <a:spcBef>
+                <a:spcPts val="600"/>
+              </a:spcBef>
+              <a:spcAft>
+                <a:spcPts val="0"/>
+              </a:spcAft>
+              <a:buSzPts val="2400"/>
+              <a:buChar char="◎"/>
+            </a:pPr>
+            <a:r>
+              <a:rPr lang="en-US"/>
+              <a:t>Tạo giao dịch mới, chuyển tiền giữa các tài khoản</a:t>
+            </a:r>
+          </a:p>
+        </p:txBody>
+      </p:sp>
+      <p:sp>
+        <p:nvSpPr>
+          <p:cNvPr id="112" name="Google Shape;112;p17"/>
+          <p:cNvSpPr txBox="1">
+            <a:spLocks noGrp="1"/>
+          </p:cNvSpPr>
+          <p:nvPr>
+            <p:ph type="sldNum" idx="12"/>
+          </p:nvPr>
+        </p:nvSpPr>
+        <p:spPr>
+          <a:xfrm>
+            <a:off x="8404384" y="4749851"/>
+            <a:ext cx="548700" cy="393600"/>
+          </a:xfrm>
+          <a:prstGeom prst="rect">
+            <a:avLst/>
+          </a:prstGeom>
+        </p:spPr>
+        <p:txBody>
+          <a:bodyPr spcFirstLastPara="1" wrap="square" lIns="91425" tIns="91425" rIns="91425" bIns="91425" anchor="t" anchorCtr="0">
+            <a:noAutofit/>
+          </a:bodyPr>
+          <a:lstStyle/>
+          <a:p>
+            <a:pPr marL="0" lvl="0" indent="0" algn="r" rtl="0">
+              <a:spcBef>
+                <a:spcPts val="0"/>
+              </a:spcBef>
+              <a:spcAft>
+                <a:spcPts val="0"/>
+              </a:spcAft>
+              <a:buNone/>
+            </a:pPr>
+            <a:r>
+              <a:rPr lang="vi-VN"/>
               <a:t>25</a:t>
             </a:r>
             <a:endParaRPr/>
@@ -18519,7 +18435,7 @@
             </a:pPr>
             <a:r>
               <a:rPr lang="en"/>
-              <a:t>Các chức năng của ví blockchain</a:t>
+              <a:t>Cách hoạt động của ví</a:t>
             </a:r>
             <a:endParaRPr/>
           </a:p>
@@ -18537,8 +18453,8 @@
         </p:nvSpPr>
         <p:spPr>
           <a:xfrm>
-            <a:off x="786150" y="1261700"/>
-            <a:ext cx="7571700" cy="2605220"/>
+            <a:off x="786150" y="1010720"/>
+            <a:ext cx="7571700" cy="702600"/>
           </a:xfrm>
           <a:prstGeom prst="rect">
             <a:avLst/>
@@ -18550,7 +18466,7 @@
           </a:bodyPr>
           <a:lstStyle/>
           <a:p>
-            <a:pPr marL="457200" lvl="0" indent="-381000" algn="l" rtl="0">
+            <a:pPr marL="76200" lvl="0" indent="0" algn="l" rtl="0">
               <a:spcBef>
                 <a:spcPts val="600"/>
               </a:spcBef>
@@ -18558,75 +18474,11 @@
                 <a:spcPts val="0"/>
               </a:spcAft>
               <a:buSzPts val="2400"/>
-              <a:buChar char="◎"/>
+              <a:buNone/>
             </a:pPr>
             <a:r>
               <a:rPr lang="en-US"/>
-              <a:t>Tạo tài khoản người dùng</a:t>
-            </a:r>
-          </a:p>
-          <a:p>
-            <a:pPr marL="457200" lvl="0" indent="-381000" algn="l" rtl="0">
-              <a:spcBef>
-                <a:spcPts val="600"/>
-              </a:spcBef>
-              <a:spcAft>
-                <a:spcPts val="0"/>
-              </a:spcAft>
-              <a:buSzPts val="2400"/>
-              <a:buChar char="◎"/>
-            </a:pPr>
-            <a:r>
-              <a:rPr lang="en-US"/>
-              <a:t>Tạo ví blockchain</a:t>
-            </a:r>
-          </a:p>
-          <a:p>
-            <a:pPr marL="457200" lvl="0" indent="-381000" algn="l" rtl="0">
-              <a:spcBef>
-                <a:spcPts val="600"/>
-              </a:spcBef>
-              <a:spcAft>
-                <a:spcPts val="0"/>
-              </a:spcAft>
-              <a:buSzPts val="2400"/>
-              <a:buChar char="◎"/>
-            </a:pPr>
-            <a:r>
-              <a:rPr lang="en-US"/>
-              <a:t>Kiểm tra thông tin ví và thông tin người dùng</a:t>
-            </a:r>
-          </a:p>
-          <a:p>
-            <a:pPr marL="457200" lvl="0" indent="-381000" algn="l" rtl="0">
-              <a:spcBef>
-                <a:spcPts val="600"/>
-              </a:spcBef>
-              <a:spcAft>
-                <a:spcPts val="0"/>
-              </a:spcAft>
-              <a:buSzPts val="2400"/>
-              <a:buChar char="◎"/>
-            </a:pPr>
-            <a:r>
-              <a:rPr lang="en-US"/>
-              <a:t>Nạp tiền vào ví, kiểm tra số dư tài khoản</a:t>
-            </a:r>
-          </a:p>
-          <a:p>
-            <a:pPr marL="457200" lvl="0" indent="-381000" algn="l" rtl="0">
-              <a:spcBef>
-                <a:spcPts val="600"/>
-              </a:spcBef>
-              <a:spcAft>
-                <a:spcPts val="0"/>
-              </a:spcAft>
-              <a:buSzPts val="2400"/>
-              <a:buChar char="◎"/>
-            </a:pPr>
-            <a:r>
-              <a:rPr lang="en-US"/>
-              <a:t>Tạo giao dịch mới, chuyển tiền giữa các tài khoản</a:t>
+              <a:t>Tạo đối tượng Block:</a:t>
             </a:r>
           </a:p>
         </p:txBody>
@@ -18673,7 +18525,322 @@
           </a:p>
         </p:txBody>
       </p:sp>
+      <p:sp>
+        <p:nvSpPr>
+          <p:cNvPr id="5" name="Google Shape;111;p17">
+            <a:extLst>
+              <a:ext uri="{FF2B5EF4-FFF2-40B4-BE49-F238E27FC236}">
+                <a16:creationId xmlns:a16="http://schemas.microsoft.com/office/drawing/2014/main" id="{93180638-EE4B-4AA2-A6D9-A2E55E834742}"/>
+              </a:ext>
+            </a:extLst>
+          </p:cNvPr>
+          <p:cNvSpPr txBox="1">
+            <a:spLocks/>
+          </p:cNvSpPr>
+          <p:nvPr/>
+        </p:nvSpPr>
+        <p:spPr>
+          <a:xfrm>
+            <a:off x="786150" y="1713319"/>
+            <a:ext cx="7571700" cy="2175635"/>
+          </a:xfrm>
+          <a:prstGeom prst="rect">
+            <a:avLst/>
+          </a:prstGeom>
+          <a:noFill/>
+          <a:ln>
+            <a:noFill/>
+          </a:ln>
+        </p:spPr>
+        <p:txBody>
+          <a:bodyPr spcFirstLastPara="1" wrap="square" lIns="91425" tIns="91425" rIns="91425" bIns="91425" anchor="t" anchorCtr="0">
+            <a:noAutofit/>
+          </a:bodyPr>
+          <a:lstStyle>
+            <a:defPPr marR="0" lvl="0" algn="l" rtl="0">
+              <a:lnSpc>
+                <a:spcPct val="100000"/>
+              </a:lnSpc>
+              <a:spcBef>
+                <a:spcPts val="0"/>
+              </a:spcBef>
+              <a:spcAft>
+                <a:spcPts val="0"/>
+              </a:spcAft>
+            </a:defPPr>
+            <a:lvl1pPr marL="457200" marR="0" lvl="0" indent="-381000" algn="l" rtl="0">
+              <a:lnSpc>
+                <a:spcPct val="100000"/>
+              </a:lnSpc>
+              <a:spcBef>
+                <a:spcPts val="600"/>
+              </a:spcBef>
+              <a:spcAft>
+                <a:spcPts val="0"/>
+              </a:spcAft>
+              <a:buClr>
+                <a:schemeClr val="accent4"/>
+              </a:buClr>
+              <a:buSzPts val="2400"/>
+              <a:buFont typeface="Source Sans Pro"/>
+              <a:buChar char="◎"/>
+              <a:defRPr sz="2400" b="0" i="0" u="none" strike="noStrike" cap="none">
+                <a:solidFill>
+                  <a:schemeClr val="dk1"/>
+                </a:solidFill>
+                <a:latin typeface="Source Sans Pro"/>
+                <a:ea typeface="Source Sans Pro"/>
+                <a:cs typeface="Source Sans Pro"/>
+                <a:sym typeface="Source Sans Pro"/>
+              </a:defRPr>
+            </a:lvl1pPr>
+            <a:lvl2pPr marL="914400" marR="0" lvl="1" indent="-381000" algn="l" rtl="0">
+              <a:lnSpc>
+                <a:spcPct val="100000"/>
+              </a:lnSpc>
+              <a:spcBef>
+                <a:spcPts val="0"/>
+              </a:spcBef>
+              <a:spcAft>
+                <a:spcPts val="0"/>
+              </a:spcAft>
+              <a:buClr>
+                <a:schemeClr val="accent4"/>
+              </a:buClr>
+              <a:buSzPts val="2400"/>
+              <a:buFont typeface="Source Sans Pro"/>
+              <a:buChar char="○"/>
+              <a:defRPr sz="2400" b="0" i="0" u="none" strike="noStrike" cap="none">
+                <a:solidFill>
+                  <a:schemeClr val="dk1"/>
+                </a:solidFill>
+                <a:latin typeface="Source Sans Pro"/>
+                <a:ea typeface="Source Sans Pro"/>
+                <a:cs typeface="Source Sans Pro"/>
+                <a:sym typeface="Source Sans Pro"/>
+              </a:defRPr>
+            </a:lvl2pPr>
+            <a:lvl3pPr marL="1371600" marR="0" lvl="2" indent="-381000" algn="l" rtl="0">
+              <a:lnSpc>
+                <a:spcPct val="100000"/>
+              </a:lnSpc>
+              <a:spcBef>
+                <a:spcPts val="0"/>
+              </a:spcBef>
+              <a:spcAft>
+                <a:spcPts val="0"/>
+              </a:spcAft>
+              <a:buClr>
+                <a:schemeClr val="accent4"/>
+              </a:buClr>
+              <a:buSzPts val="2400"/>
+              <a:buFont typeface="Source Sans Pro"/>
+              <a:buChar char="◉"/>
+              <a:defRPr sz="2400" b="0" i="0" u="none" strike="noStrike" cap="none">
+                <a:solidFill>
+                  <a:schemeClr val="dk1"/>
+                </a:solidFill>
+                <a:latin typeface="Source Sans Pro"/>
+                <a:ea typeface="Source Sans Pro"/>
+                <a:cs typeface="Source Sans Pro"/>
+                <a:sym typeface="Source Sans Pro"/>
+              </a:defRPr>
+            </a:lvl3pPr>
+            <a:lvl4pPr marL="1828800" marR="0" lvl="3" indent="-381000" algn="l" rtl="0">
+              <a:lnSpc>
+                <a:spcPct val="100000"/>
+              </a:lnSpc>
+              <a:spcBef>
+                <a:spcPts val="0"/>
+              </a:spcBef>
+              <a:spcAft>
+                <a:spcPts val="0"/>
+              </a:spcAft>
+              <a:buClr>
+                <a:schemeClr val="dk1"/>
+              </a:buClr>
+              <a:buSzPts val="2400"/>
+              <a:buFont typeface="Source Sans Pro"/>
+              <a:buChar char="●"/>
+              <a:defRPr sz="2400" b="0" i="0" u="none" strike="noStrike" cap="none">
+                <a:solidFill>
+                  <a:schemeClr val="dk1"/>
+                </a:solidFill>
+                <a:latin typeface="Source Sans Pro"/>
+                <a:ea typeface="Source Sans Pro"/>
+                <a:cs typeface="Source Sans Pro"/>
+                <a:sym typeface="Source Sans Pro"/>
+              </a:defRPr>
+            </a:lvl4pPr>
+            <a:lvl5pPr marL="2286000" marR="0" lvl="4" indent="-381000" algn="l" rtl="0">
+              <a:lnSpc>
+                <a:spcPct val="100000"/>
+              </a:lnSpc>
+              <a:spcBef>
+                <a:spcPts val="0"/>
+              </a:spcBef>
+              <a:spcAft>
+                <a:spcPts val="0"/>
+              </a:spcAft>
+              <a:buClr>
+                <a:schemeClr val="dk1"/>
+              </a:buClr>
+              <a:buSzPts val="2400"/>
+              <a:buFont typeface="Source Sans Pro"/>
+              <a:buChar char="○"/>
+              <a:defRPr sz="2400" b="0" i="0" u="none" strike="noStrike" cap="none">
+                <a:solidFill>
+                  <a:schemeClr val="dk1"/>
+                </a:solidFill>
+                <a:latin typeface="Source Sans Pro"/>
+                <a:ea typeface="Source Sans Pro"/>
+                <a:cs typeface="Source Sans Pro"/>
+                <a:sym typeface="Source Sans Pro"/>
+              </a:defRPr>
+            </a:lvl5pPr>
+            <a:lvl6pPr marL="2743200" marR="0" lvl="5" indent="-381000" algn="l" rtl="0">
+              <a:lnSpc>
+                <a:spcPct val="100000"/>
+              </a:lnSpc>
+              <a:spcBef>
+                <a:spcPts val="0"/>
+              </a:spcBef>
+              <a:spcAft>
+                <a:spcPts val="0"/>
+              </a:spcAft>
+              <a:buClr>
+                <a:schemeClr val="dk1"/>
+              </a:buClr>
+              <a:buSzPts val="2400"/>
+              <a:buFont typeface="Source Sans Pro"/>
+              <a:buChar char="■"/>
+              <a:defRPr sz="2400" b="0" i="0" u="none" strike="noStrike" cap="none">
+                <a:solidFill>
+                  <a:schemeClr val="dk1"/>
+                </a:solidFill>
+                <a:latin typeface="Source Sans Pro"/>
+                <a:ea typeface="Source Sans Pro"/>
+                <a:cs typeface="Source Sans Pro"/>
+                <a:sym typeface="Source Sans Pro"/>
+              </a:defRPr>
+            </a:lvl6pPr>
+            <a:lvl7pPr marL="3200400" marR="0" lvl="6" indent="-381000" algn="l" rtl="0">
+              <a:lnSpc>
+                <a:spcPct val="100000"/>
+              </a:lnSpc>
+              <a:spcBef>
+                <a:spcPts val="0"/>
+              </a:spcBef>
+              <a:spcAft>
+                <a:spcPts val="0"/>
+              </a:spcAft>
+              <a:buClr>
+                <a:schemeClr val="dk1"/>
+              </a:buClr>
+              <a:buSzPts val="2400"/>
+              <a:buFont typeface="Source Sans Pro"/>
+              <a:buChar char="●"/>
+              <a:defRPr sz="2400" b="0" i="0" u="none" strike="noStrike" cap="none">
+                <a:solidFill>
+                  <a:schemeClr val="dk1"/>
+                </a:solidFill>
+                <a:latin typeface="Source Sans Pro"/>
+                <a:ea typeface="Source Sans Pro"/>
+                <a:cs typeface="Source Sans Pro"/>
+                <a:sym typeface="Source Sans Pro"/>
+              </a:defRPr>
+            </a:lvl7pPr>
+            <a:lvl8pPr marL="3657600" marR="0" lvl="7" indent="-381000" algn="l" rtl="0">
+              <a:lnSpc>
+                <a:spcPct val="100000"/>
+              </a:lnSpc>
+              <a:spcBef>
+                <a:spcPts val="0"/>
+              </a:spcBef>
+              <a:spcAft>
+                <a:spcPts val="0"/>
+              </a:spcAft>
+              <a:buClr>
+                <a:schemeClr val="dk1"/>
+              </a:buClr>
+              <a:buSzPts val="2400"/>
+              <a:buFont typeface="Source Sans Pro"/>
+              <a:buChar char="○"/>
+              <a:defRPr sz="2400" b="0" i="0" u="none" strike="noStrike" cap="none">
+                <a:solidFill>
+                  <a:schemeClr val="dk1"/>
+                </a:solidFill>
+                <a:latin typeface="Source Sans Pro"/>
+                <a:ea typeface="Source Sans Pro"/>
+                <a:cs typeface="Source Sans Pro"/>
+                <a:sym typeface="Source Sans Pro"/>
+              </a:defRPr>
+            </a:lvl8pPr>
+            <a:lvl9pPr marL="4114800" marR="0" lvl="8" indent="-381000" algn="l" rtl="0">
+              <a:lnSpc>
+                <a:spcPct val="100000"/>
+              </a:lnSpc>
+              <a:spcBef>
+                <a:spcPts val="0"/>
+              </a:spcBef>
+              <a:spcAft>
+                <a:spcPts val="0"/>
+              </a:spcAft>
+              <a:buClr>
+                <a:schemeClr val="dk1"/>
+              </a:buClr>
+              <a:buSzPts val="2400"/>
+              <a:buFont typeface="Source Sans Pro"/>
+              <a:buChar char="■"/>
+              <a:defRPr sz="2400" b="0" i="0" u="none" strike="noStrike" cap="none">
+                <a:solidFill>
+                  <a:schemeClr val="dk1"/>
+                </a:solidFill>
+                <a:latin typeface="Source Sans Pro"/>
+                <a:ea typeface="Source Sans Pro"/>
+                <a:cs typeface="Source Sans Pro"/>
+                <a:sym typeface="Source Sans Pro"/>
+              </a:defRPr>
+            </a:lvl9pPr>
+          </a:lstStyle>
+          <a:p>
+            <a:pPr marL="76200" indent="0">
+              <a:buFont typeface="Source Sans Pro"/>
+              <a:buNone/>
+            </a:pPr>
+            <a:r>
+              <a:rPr lang="en-US" sz="1800"/>
+              <a:t>- Block chứa mã hash của nó, mã hash của khối trước nó, nonce, timetamp và thông tin giao dịch.</a:t>
+            </a:r>
+          </a:p>
+          <a:p>
+            <a:pPr marL="76200" indent="0">
+              <a:buFont typeface="Source Sans Pro"/>
+              <a:buNone/>
+            </a:pPr>
+            <a:r>
+              <a:rPr lang="en-US" sz="1800"/>
+              <a:t>Hash = Digital signature (Chữ ký số)</a:t>
+            </a:r>
+          </a:p>
+          <a:p>
+            <a:pPr marL="76200" indent="0">
+              <a:buFont typeface="Source Sans Pro"/>
+              <a:buNone/>
+            </a:pPr>
+            <a:r>
+              <a:rPr lang="en-US" sz="1800"/>
+              <a:t>Cách để tạo ra Chữ ký số: Có rất nhiều thuật toán để tạo ra chữ ký số, trong số đó là mã hóa SHA256 và mã hóa ECDSA. </a:t>
+            </a:r>
+          </a:p>
+        </p:txBody>
+      </p:sp>
     </p:spTree>
+    <p:extLst>
+      <p:ext uri="{BB962C8B-B14F-4D97-AF65-F5344CB8AC3E}">
+        <p14:creationId xmlns:p14="http://schemas.microsoft.com/office/powerpoint/2010/main" val="161505010"/>
+      </p:ext>
+    </p:extLst>
   </p:cSld>
   <p:clrMapOvr>
     <a:masterClrMapping/>
@@ -18753,7 +18920,7 @@
         <p:spPr>
           <a:xfrm>
             <a:off x="786150" y="1010720"/>
-            <a:ext cx="7571700" cy="702600"/>
+            <a:ext cx="7571700" cy="487574"/>
           </a:xfrm>
           <a:prstGeom prst="rect">
             <a:avLst/>
@@ -18776,8 +18943,8 @@
               <a:buNone/>
             </a:pPr>
             <a:r>
-              <a:rPr lang="en-US"/>
-              <a:t>Tạo đối tượng Block:</a:t>
+              <a:rPr lang="en-US" sz="2000"/>
+              <a:t>Mã hóa ECDSA:</a:t>
             </a:r>
           </a:p>
         </p:txBody>
@@ -18840,8 +19007,8 @@
         </p:nvSpPr>
         <p:spPr>
           <a:xfrm>
-            <a:off x="786150" y="1713319"/>
-            <a:ext cx="7571700" cy="2175635"/>
+            <a:off x="786150" y="1498294"/>
+            <a:ext cx="7571700" cy="3448279"/>
           </a:xfrm>
           <a:prstGeom prst="rect">
             <a:avLst/>
@@ -19104,47 +19271,50 @@
           </a:lstStyle>
           <a:p>
             <a:pPr marL="76200" indent="0">
-              <a:buFont typeface="Source Sans Pro"/>
+              <a:lnSpc>
+                <a:spcPct val="107000"/>
+              </a:lnSpc>
+              <a:spcAft>
+                <a:spcPts val="800"/>
+              </a:spcAft>
               <a:buNone/>
             </a:pPr>
             <a:r>
-              <a:rPr lang="en-US" sz="1800"/>
-              <a:t>- Block chứa mã hash của nó, mã hash của khối trước nó, nonce, timetamp và thông tin giao dịch.</a:t>
+              <a:rPr lang="vi-VN" sz="1600">
+                <a:effectLst/>
+                <a:latin typeface="Source Sans Pro" panose="020B0503030403020204" pitchFamily="34" charset="0"/>
+                <a:ea typeface="Source Sans Pro" panose="020B0503030403020204" pitchFamily="34" charset="0"/>
+                <a:cs typeface="Times New Roman" panose="02020603050405020304" pitchFamily="18" charset="0"/>
+              </a:rPr>
+              <a:t>ECDSA là viết tắt của Elliptic Curve Digital Signature Algorithm, tạm gọi là thuật toán chữ kí số đường cong Elliptic. Đây là 1 thuật toán nổi tiếng trong mật mã học, thường được sử dụng trong các nền tảng blockchain, ví dụ như Bitcoin, Ethereum ...</a:t>
             </a:r>
           </a:p>
           <a:p>
             <a:pPr marL="76200" indent="0">
-              <a:buFont typeface="Source Sans Pro"/>
+              <a:lnSpc>
+                <a:spcPct val="107000"/>
+              </a:lnSpc>
+              <a:spcAft>
+                <a:spcPts val="800"/>
+              </a:spcAft>
               <a:buNone/>
             </a:pPr>
             <a:r>
-              <a:rPr lang="en-US" sz="1800"/>
-              <a:t>Hash = Digital signature (Chữ ký số)</a:t>
+              <a:rPr lang="vi-VN" sz="1600">
+                <a:effectLst/>
+                <a:latin typeface="Source Sans Pro" panose="020B0503030403020204" pitchFamily="34" charset="0"/>
+                <a:ea typeface="Source Sans Pro" panose="020B0503030403020204" pitchFamily="34" charset="0"/>
+                <a:cs typeface="Times New Roman" panose="02020603050405020304" pitchFamily="18" charset="0"/>
+              </a:rPr>
+              <a:t>Thuật toán này được sử dụng để tạo chữ kí số (digital signature) cho dữ liệu (ví dụ 1 tệp tin) giúp ta có thể xác minh tính xác thực của dữ liệu mà không ảnh hưởng đến độ bảo mật của nó. Có thể so sánh chữ kí số với chữ kí ngoài đời thực về tác dụng của nó, có 1 chút khác biệt là ngoài đời ta có thể giả mạo chữ kí của người khác mà không bị phát hiện nhưng ECDSA signature thì ta không thể giả mạo.</a:t>
             </a:r>
-          </a:p>
-          <a:p>
-            <a:pPr marL="76200" indent="0">
-              <a:buFont typeface="Source Sans Pro"/>
-              <a:buNone/>
-            </a:pPr>
-            <a:r>
-              <a:rPr lang="en-US" sz="1800"/>
-              <a:t>Cách để tạo ra Chữ ký số: Có rất nhiều thuật toán để tạo ra chữ ký số, trong số đó là mã hóa SHA256 và mã hóa ECDSA. </a:t>
-            </a:r>
-          </a:p>
-          <a:p>
-            <a:pPr marL="76200" indent="0">
-              <a:buFont typeface="Source Sans Pro"/>
-              <a:buNone/>
-            </a:pPr>
-            <a:endParaRPr lang="en-US" sz="1800"/>
           </a:p>
         </p:txBody>
       </p:sp>
     </p:spTree>
     <p:extLst>
       <p:ext uri="{BB962C8B-B14F-4D97-AF65-F5344CB8AC3E}">
-        <p14:creationId xmlns:p14="http://schemas.microsoft.com/office/powerpoint/2010/main" val="161505010"/>
+        <p14:creationId xmlns:p14="http://schemas.microsoft.com/office/powerpoint/2010/main" val="1042963100"/>
       </p:ext>
     </p:extLst>
   </p:cSld>
@@ -19250,7 +19420,7 @@
             </a:pPr>
             <a:r>
               <a:rPr lang="en-US" sz="2000"/>
-              <a:t>Mã hóa ECDSA:</a:t>
+              <a:t>Mã hóa SHA – SHA256:</a:t>
             </a:r>
           </a:p>
         </p:txBody>
@@ -19592,18 +19762,17 @@
                 <a:ea typeface="Source Sans Pro" panose="020B0503030403020204" pitchFamily="34" charset="0"/>
                 <a:cs typeface="Times New Roman" panose="02020603050405020304" pitchFamily="18" charset="0"/>
               </a:rPr>
-              <a:t>ECDSA là viết tắt của Elliptic Curve Digital Signature Algorithm, tạm gọi là thuật toán chữ kí số đường cong Elliptic. Đây là 1 thuật toán nổi tiếng trong mật mã học, thường được sử dụng trong các nền tảng blockchain, ví dụ như Bitcoin, Ethereum ...</a:t>
+              <a:t>SHA (Secure Hash Algorithm) bao gồm 5 thuật toán được chấp nhận bởi FIPS – Tiêu chuẩn Xử lý Thông tin Liên bang, dùng để chuyển một đoạn dữ liệu nhất định thành một đoạn dữ liệu có chiều dài không đổi với xác suất khác biệt cao. 5 thuật toán đó bao gồm:</a:t>
             </a:r>
           </a:p>
           <a:p>
-            <a:pPr marL="76200" indent="0">
+            <a:pPr>
               <a:lnSpc>
                 <a:spcPct val="107000"/>
               </a:lnSpc>
               <a:spcAft>
                 <a:spcPts val="800"/>
               </a:spcAft>
-              <a:buNone/>
             </a:pPr>
             <a:r>
               <a:rPr lang="vi-VN" sz="1600">
@@ -19612,15 +19781,95 @@
                 <a:ea typeface="Source Sans Pro" panose="020B0503030403020204" pitchFamily="34" charset="0"/>
                 <a:cs typeface="Times New Roman" panose="02020603050405020304" pitchFamily="18" charset="0"/>
               </a:rPr>
-              <a:t>Thuật toán này được sử dụng để tạo chữ kí số (digital signature) cho dữ liệu (ví dụ 1 tệp tin) giúp ta có thể xác minh tính xác thực của dữ liệu mà không ảnh hưởng đến độ bảo mật của nó. Có thể so sánh chữ kí số với chữ kí ngoài đời thực về tác dụng của nó, có 1 chút khác biệt là ngoài đời ta có thể giả mạo chữ kí của người khác mà không bị phát hiện nhưng ECDSA signature thì ta không thể giả mạo.</a:t>
+              <a:t>SHA-1 (trả lại kết quả dài 160 bit)</a:t>
             </a:r>
+          </a:p>
+          <a:p>
+            <a:pPr>
+              <a:lnSpc>
+                <a:spcPct val="107000"/>
+              </a:lnSpc>
+              <a:spcAft>
+                <a:spcPts val="800"/>
+              </a:spcAft>
+            </a:pPr>
+            <a:r>
+              <a:rPr lang="vi-VN" sz="1600">
+                <a:effectLst/>
+                <a:latin typeface="Source Sans Pro" panose="020B0503030403020204" pitchFamily="34" charset="0"/>
+                <a:ea typeface="Source Sans Pro" panose="020B0503030403020204" pitchFamily="34" charset="0"/>
+                <a:cs typeface="Times New Roman" panose="02020603050405020304" pitchFamily="18" charset="0"/>
+              </a:rPr>
+              <a:t>SHA-224 (trả lại kết quả dài 224 bit)</a:t>
+            </a:r>
+          </a:p>
+          <a:p>
+            <a:pPr>
+              <a:lnSpc>
+                <a:spcPct val="107000"/>
+              </a:lnSpc>
+              <a:spcAft>
+                <a:spcPts val="800"/>
+              </a:spcAft>
+            </a:pPr>
+            <a:r>
+              <a:rPr lang="vi-VN" sz="1600">
+                <a:effectLst/>
+                <a:latin typeface="Source Sans Pro" panose="020B0503030403020204" pitchFamily="34" charset="0"/>
+                <a:ea typeface="Source Sans Pro" panose="020B0503030403020204" pitchFamily="34" charset="0"/>
+                <a:cs typeface="Times New Roman" panose="02020603050405020304" pitchFamily="18" charset="0"/>
+              </a:rPr>
+              <a:t>SHA-256 (trả lại kết quả dài 256 bit)</a:t>
+            </a:r>
+          </a:p>
+          <a:p>
+            <a:pPr>
+              <a:lnSpc>
+                <a:spcPct val="107000"/>
+              </a:lnSpc>
+              <a:spcAft>
+                <a:spcPts val="800"/>
+              </a:spcAft>
+            </a:pPr>
+            <a:r>
+              <a:rPr lang="vi-VN" sz="1600">
+                <a:effectLst/>
+                <a:latin typeface="Source Sans Pro" panose="020B0503030403020204" pitchFamily="34" charset="0"/>
+                <a:ea typeface="Source Sans Pro" panose="020B0503030403020204" pitchFamily="34" charset="0"/>
+                <a:cs typeface="Times New Roman" panose="02020603050405020304" pitchFamily="18" charset="0"/>
+              </a:rPr>
+              <a:t>SHA-384 (trả lại kết quả dài 384 bit)</a:t>
+            </a:r>
+          </a:p>
+          <a:p>
+            <a:pPr>
+              <a:lnSpc>
+                <a:spcPct val="107000"/>
+              </a:lnSpc>
+              <a:spcAft>
+                <a:spcPts val="800"/>
+              </a:spcAft>
+            </a:pPr>
+            <a:r>
+              <a:rPr lang="vi-VN" sz="1600">
+                <a:effectLst/>
+                <a:latin typeface="Source Sans Pro" panose="020B0503030403020204" pitchFamily="34" charset="0"/>
+                <a:ea typeface="Source Sans Pro" panose="020B0503030403020204" pitchFamily="34" charset="0"/>
+                <a:cs typeface="Times New Roman" panose="02020603050405020304" pitchFamily="18" charset="0"/>
+              </a:rPr>
+              <a:t>SHA-512 (trả lại kết quả dài 512 bit)</a:t>
+            </a:r>
+            <a:endParaRPr lang="en-US" sz="1600">
+              <a:latin typeface="Source Sans Pro" panose="020B0503030403020204" pitchFamily="34" charset="0"/>
+              <a:ea typeface="Source Sans Pro" panose="020B0503030403020204" pitchFamily="34" charset="0"/>
+            </a:endParaRPr>
           </a:p>
         </p:txBody>
       </p:sp>
     </p:spTree>
     <p:extLst>
       <p:ext uri="{BB962C8B-B14F-4D97-AF65-F5344CB8AC3E}">
-        <p14:creationId xmlns:p14="http://schemas.microsoft.com/office/powerpoint/2010/main" val="1042963100"/>
+        <p14:creationId xmlns:p14="http://schemas.microsoft.com/office/powerpoint/2010/main" val="2896509622"/>
       </p:ext>
     </p:extLst>
   </p:cSld>
@@ -20005,561 +20254,6 @@
             <a:r>
               <a:rPr lang="vi-VN"/>
               <a:t>29</a:t>
-            </a:r>
-            <a:endParaRPr/>
-          </a:p>
-        </p:txBody>
-      </p:sp>
-      <p:sp>
-        <p:nvSpPr>
-          <p:cNvPr id="5" name="Google Shape;111;p17">
-            <a:extLst>
-              <a:ext uri="{FF2B5EF4-FFF2-40B4-BE49-F238E27FC236}">
-                <a16:creationId xmlns:a16="http://schemas.microsoft.com/office/drawing/2014/main" id="{93180638-EE4B-4AA2-A6D9-A2E55E834742}"/>
-              </a:ext>
-            </a:extLst>
-          </p:cNvPr>
-          <p:cNvSpPr txBox="1">
-            <a:spLocks/>
-          </p:cNvSpPr>
-          <p:nvPr/>
-        </p:nvSpPr>
-        <p:spPr>
-          <a:xfrm>
-            <a:off x="786150" y="1498294"/>
-            <a:ext cx="7571700" cy="3448279"/>
-          </a:xfrm>
-          <a:prstGeom prst="rect">
-            <a:avLst/>
-          </a:prstGeom>
-          <a:noFill/>
-          <a:ln>
-            <a:noFill/>
-          </a:ln>
-        </p:spPr>
-        <p:txBody>
-          <a:bodyPr spcFirstLastPara="1" wrap="square" lIns="91425" tIns="91425" rIns="91425" bIns="91425" anchor="t" anchorCtr="0">
-            <a:noAutofit/>
-          </a:bodyPr>
-          <a:lstStyle>
-            <a:defPPr marR="0" lvl="0" algn="l" rtl="0">
-              <a:lnSpc>
-                <a:spcPct val="100000"/>
-              </a:lnSpc>
-              <a:spcBef>
-                <a:spcPts val="0"/>
-              </a:spcBef>
-              <a:spcAft>
-                <a:spcPts val="0"/>
-              </a:spcAft>
-            </a:defPPr>
-            <a:lvl1pPr marL="457200" marR="0" lvl="0" indent="-381000" algn="l" rtl="0">
-              <a:lnSpc>
-                <a:spcPct val="100000"/>
-              </a:lnSpc>
-              <a:spcBef>
-                <a:spcPts val="600"/>
-              </a:spcBef>
-              <a:spcAft>
-                <a:spcPts val="0"/>
-              </a:spcAft>
-              <a:buClr>
-                <a:schemeClr val="accent4"/>
-              </a:buClr>
-              <a:buSzPts val="2400"/>
-              <a:buFont typeface="Source Sans Pro"/>
-              <a:buChar char="◎"/>
-              <a:defRPr sz="2400" b="0" i="0" u="none" strike="noStrike" cap="none">
-                <a:solidFill>
-                  <a:schemeClr val="dk1"/>
-                </a:solidFill>
-                <a:latin typeface="Source Sans Pro"/>
-                <a:ea typeface="Source Sans Pro"/>
-                <a:cs typeface="Source Sans Pro"/>
-                <a:sym typeface="Source Sans Pro"/>
-              </a:defRPr>
-            </a:lvl1pPr>
-            <a:lvl2pPr marL="914400" marR="0" lvl="1" indent="-381000" algn="l" rtl="0">
-              <a:lnSpc>
-                <a:spcPct val="100000"/>
-              </a:lnSpc>
-              <a:spcBef>
-                <a:spcPts val="0"/>
-              </a:spcBef>
-              <a:spcAft>
-                <a:spcPts val="0"/>
-              </a:spcAft>
-              <a:buClr>
-                <a:schemeClr val="accent4"/>
-              </a:buClr>
-              <a:buSzPts val="2400"/>
-              <a:buFont typeface="Source Sans Pro"/>
-              <a:buChar char="○"/>
-              <a:defRPr sz="2400" b="0" i="0" u="none" strike="noStrike" cap="none">
-                <a:solidFill>
-                  <a:schemeClr val="dk1"/>
-                </a:solidFill>
-                <a:latin typeface="Source Sans Pro"/>
-                <a:ea typeface="Source Sans Pro"/>
-                <a:cs typeface="Source Sans Pro"/>
-                <a:sym typeface="Source Sans Pro"/>
-              </a:defRPr>
-            </a:lvl2pPr>
-            <a:lvl3pPr marL="1371600" marR="0" lvl="2" indent="-381000" algn="l" rtl="0">
-              <a:lnSpc>
-                <a:spcPct val="100000"/>
-              </a:lnSpc>
-              <a:spcBef>
-                <a:spcPts val="0"/>
-              </a:spcBef>
-              <a:spcAft>
-                <a:spcPts val="0"/>
-              </a:spcAft>
-              <a:buClr>
-                <a:schemeClr val="accent4"/>
-              </a:buClr>
-              <a:buSzPts val="2400"/>
-              <a:buFont typeface="Source Sans Pro"/>
-              <a:buChar char="◉"/>
-              <a:defRPr sz="2400" b="0" i="0" u="none" strike="noStrike" cap="none">
-                <a:solidFill>
-                  <a:schemeClr val="dk1"/>
-                </a:solidFill>
-                <a:latin typeface="Source Sans Pro"/>
-                <a:ea typeface="Source Sans Pro"/>
-                <a:cs typeface="Source Sans Pro"/>
-                <a:sym typeface="Source Sans Pro"/>
-              </a:defRPr>
-            </a:lvl3pPr>
-            <a:lvl4pPr marL="1828800" marR="0" lvl="3" indent="-381000" algn="l" rtl="0">
-              <a:lnSpc>
-                <a:spcPct val="100000"/>
-              </a:lnSpc>
-              <a:spcBef>
-                <a:spcPts val="0"/>
-              </a:spcBef>
-              <a:spcAft>
-                <a:spcPts val="0"/>
-              </a:spcAft>
-              <a:buClr>
-                <a:schemeClr val="dk1"/>
-              </a:buClr>
-              <a:buSzPts val="2400"/>
-              <a:buFont typeface="Source Sans Pro"/>
-              <a:buChar char="●"/>
-              <a:defRPr sz="2400" b="0" i="0" u="none" strike="noStrike" cap="none">
-                <a:solidFill>
-                  <a:schemeClr val="dk1"/>
-                </a:solidFill>
-                <a:latin typeface="Source Sans Pro"/>
-                <a:ea typeface="Source Sans Pro"/>
-                <a:cs typeface="Source Sans Pro"/>
-                <a:sym typeface="Source Sans Pro"/>
-              </a:defRPr>
-            </a:lvl4pPr>
-            <a:lvl5pPr marL="2286000" marR="0" lvl="4" indent="-381000" algn="l" rtl="0">
-              <a:lnSpc>
-                <a:spcPct val="100000"/>
-              </a:lnSpc>
-              <a:spcBef>
-                <a:spcPts val="0"/>
-              </a:spcBef>
-              <a:spcAft>
-                <a:spcPts val="0"/>
-              </a:spcAft>
-              <a:buClr>
-                <a:schemeClr val="dk1"/>
-              </a:buClr>
-              <a:buSzPts val="2400"/>
-              <a:buFont typeface="Source Sans Pro"/>
-              <a:buChar char="○"/>
-              <a:defRPr sz="2400" b="0" i="0" u="none" strike="noStrike" cap="none">
-                <a:solidFill>
-                  <a:schemeClr val="dk1"/>
-                </a:solidFill>
-                <a:latin typeface="Source Sans Pro"/>
-                <a:ea typeface="Source Sans Pro"/>
-                <a:cs typeface="Source Sans Pro"/>
-                <a:sym typeface="Source Sans Pro"/>
-              </a:defRPr>
-            </a:lvl5pPr>
-            <a:lvl6pPr marL="2743200" marR="0" lvl="5" indent="-381000" algn="l" rtl="0">
-              <a:lnSpc>
-                <a:spcPct val="100000"/>
-              </a:lnSpc>
-              <a:spcBef>
-                <a:spcPts val="0"/>
-              </a:spcBef>
-              <a:spcAft>
-                <a:spcPts val="0"/>
-              </a:spcAft>
-              <a:buClr>
-                <a:schemeClr val="dk1"/>
-              </a:buClr>
-              <a:buSzPts val="2400"/>
-              <a:buFont typeface="Source Sans Pro"/>
-              <a:buChar char="■"/>
-              <a:defRPr sz="2400" b="0" i="0" u="none" strike="noStrike" cap="none">
-                <a:solidFill>
-                  <a:schemeClr val="dk1"/>
-                </a:solidFill>
-                <a:latin typeface="Source Sans Pro"/>
-                <a:ea typeface="Source Sans Pro"/>
-                <a:cs typeface="Source Sans Pro"/>
-                <a:sym typeface="Source Sans Pro"/>
-              </a:defRPr>
-            </a:lvl6pPr>
-            <a:lvl7pPr marL="3200400" marR="0" lvl="6" indent="-381000" algn="l" rtl="0">
-              <a:lnSpc>
-                <a:spcPct val="100000"/>
-              </a:lnSpc>
-              <a:spcBef>
-                <a:spcPts val="0"/>
-              </a:spcBef>
-              <a:spcAft>
-                <a:spcPts val="0"/>
-              </a:spcAft>
-              <a:buClr>
-                <a:schemeClr val="dk1"/>
-              </a:buClr>
-              <a:buSzPts val="2400"/>
-              <a:buFont typeface="Source Sans Pro"/>
-              <a:buChar char="●"/>
-              <a:defRPr sz="2400" b="0" i="0" u="none" strike="noStrike" cap="none">
-                <a:solidFill>
-                  <a:schemeClr val="dk1"/>
-                </a:solidFill>
-                <a:latin typeface="Source Sans Pro"/>
-                <a:ea typeface="Source Sans Pro"/>
-                <a:cs typeface="Source Sans Pro"/>
-                <a:sym typeface="Source Sans Pro"/>
-              </a:defRPr>
-            </a:lvl7pPr>
-            <a:lvl8pPr marL="3657600" marR="0" lvl="7" indent="-381000" algn="l" rtl="0">
-              <a:lnSpc>
-                <a:spcPct val="100000"/>
-              </a:lnSpc>
-              <a:spcBef>
-                <a:spcPts val="0"/>
-              </a:spcBef>
-              <a:spcAft>
-                <a:spcPts val="0"/>
-              </a:spcAft>
-              <a:buClr>
-                <a:schemeClr val="dk1"/>
-              </a:buClr>
-              <a:buSzPts val="2400"/>
-              <a:buFont typeface="Source Sans Pro"/>
-              <a:buChar char="○"/>
-              <a:defRPr sz="2400" b="0" i="0" u="none" strike="noStrike" cap="none">
-                <a:solidFill>
-                  <a:schemeClr val="dk1"/>
-                </a:solidFill>
-                <a:latin typeface="Source Sans Pro"/>
-                <a:ea typeface="Source Sans Pro"/>
-                <a:cs typeface="Source Sans Pro"/>
-                <a:sym typeface="Source Sans Pro"/>
-              </a:defRPr>
-            </a:lvl8pPr>
-            <a:lvl9pPr marL="4114800" marR="0" lvl="8" indent="-381000" algn="l" rtl="0">
-              <a:lnSpc>
-                <a:spcPct val="100000"/>
-              </a:lnSpc>
-              <a:spcBef>
-                <a:spcPts val="0"/>
-              </a:spcBef>
-              <a:spcAft>
-                <a:spcPts val="0"/>
-              </a:spcAft>
-              <a:buClr>
-                <a:schemeClr val="dk1"/>
-              </a:buClr>
-              <a:buSzPts val="2400"/>
-              <a:buFont typeface="Source Sans Pro"/>
-              <a:buChar char="■"/>
-              <a:defRPr sz="2400" b="0" i="0" u="none" strike="noStrike" cap="none">
-                <a:solidFill>
-                  <a:schemeClr val="dk1"/>
-                </a:solidFill>
-                <a:latin typeface="Source Sans Pro"/>
-                <a:ea typeface="Source Sans Pro"/>
-                <a:cs typeface="Source Sans Pro"/>
-                <a:sym typeface="Source Sans Pro"/>
-              </a:defRPr>
-            </a:lvl9pPr>
-          </a:lstStyle>
-          <a:p>
-            <a:pPr marL="76200" indent="0">
-              <a:lnSpc>
-                <a:spcPct val="107000"/>
-              </a:lnSpc>
-              <a:spcAft>
-                <a:spcPts val="800"/>
-              </a:spcAft>
-              <a:buNone/>
-            </a:pPr>
-            <a:r>
-              <a:rPr lang="vi-VN" sz="1600">
-                <a:effectLst/>
-                <a:latin typeface="Source Sans Pro" panose="020B0503030403020204" pitchFamily="34" charset="0"/>
-                <a:ea typeface="Source Sans Pro" panose="020B0503030403020204" pitchFamily="34" charset="0"/>
-                <a:cs typeface="Times New Roman" panose="02020603050405020304" pitchFamily="18" charset="0"/>
-              </a:rPr>
-              <a:t>SHA (Secure Hash Algorithm) bao gồm 5 thuật toán được chấp nhận bởi FIPS – Tiêu chuẩn Xử lý Thông tin Liên bang, dùng để chuyển một đoạn dữ liệu nhất định thành một đoạn dữ liệu có chiều dài không đổi với xác suất khác biệt cao. 5 thuật toán đó bao gồm:</a:t>
-            </a:r>
-          </a:p>
-          <a:p>
-            <a:pPr>
-              <a:lnSpc>
-                <a:spcPct val="107000"/>
-              </a:lnSpc>
-              <a:spcAft>
-                <a:spcPts val="800"/>
-              </a:spcAft>
-            </a:pPr>
-            <a:r>
-              <a:rPr lang="vi-VN" sz="1600">
-                <a:effectLst/>
-                <a:latin typeface="Source Sans Pro" panose="020B0503030403020204" pitchFamily="34" charset="0"/>
-                <a:ea typeface="Source Sans Pro" panose="020B0503030403020204" pitchFamily="34" charset="0"/>
-                <a:cs typeface="Times New Roman" panose="02020603050405020304" pitchFamily="18" charset="0"/>
-              </a:rPr>
-              <a:t>SHA-1 (trả lại kết quả dài 160 bit)</a:t>
-            </a:r>
-          </a:p>
-          <a:p>
-            <a:pPr>
-              <a:lnSpc>
-                <a:spcPct val="107000"/>
-              </a:lnSpc>
-              <a:spcAft>
-                <a:spcPts val="800"/>
-              </a:spcAft>
-            </a:pPr>
-            <a:r>
-              <a:rPr lang="vi-VN" sz="1600">
-                <a:effectLst/>
-                <a:latin typeface="Source Sans Pro" panose="020B0503030403020204" pitchFamily="34" charset="0"/>
-                <a:ea typeface="Source Sans Pro" panose="020B0503030403020204" pitchFamily="34" charset="0"/>
-                <a:cs typeface="Times New Roman" panose="02020603050405020304" pitchFamily="18" charset="0"/>
-              </a:rPr>
-              <a:t>SHA-224 (trả lại kết quả dài 224 bit)</a:t>
-            </a:r>
-          </a:p>
-          <a:p>
-            <a:pPr>
-              <a:lnSpc>
-                <a:spcPct val="107000"/>
-              </a:lnSpc>
-              <a:spcAft>
-                <a:spcPts val="800"/>
-              </a:spcAft>
-            </a:pPr>
-            <a:r>
-              <a:rPr lang="vi-VN" sz="1600">
-                <a:effectLst/>
-                <a:latin typeface="Source Sans Pro" panose="020B0503030403020204" pitchFamily="34" charset="0"/>
-                <a:ea typeface="Source Sans Pro" panose="020B0503030403020204" pitchFamily="34" charset="0"/>
-                <a:cs typeface="Times New Roman" panose="02020603050405020304" pitchFamily="18" charset="0"/>
-              </a:rPr>
-              <a:t>SHA-256 (trả lại kết quả dài 256 bit)</a:t>
-            </a:r>
-          </a:p>
-          <a:p>
-            <a:pPr>
-              <a:lnSpc>
-                <a:spcPct val="107000"/>
-              </a:lnSpc>
-              <a:spcAft>
-                <a:spcPts val="800"/>
-              </a:spcAft>
-            </a:pPr>
-            <a:r>
-              <a:rPr lang="vi-VN" sz="1600">
-                <a:effectLst/>
-                <a:latin typeface="Source Sans Pro" panose="020B0503030403020204" pitchFamily="34" charset="0"/>
-                <a:ea typeface="Source Sans Pro" panose="020B0503030403020204" pitchFamily="34" charset="0"/>
-                <a:cs typeface="Times New Roman" panose="02020603050405020304" pitchFamily="18" charset="0"/>
-              </a:rPr>
-              <a:t>SHA-384 (trả lại kết quả dài 384 bit)</a:t>
-            </a:r>
-          </a:p>
-          <a:p>
-            <a:pPr>
-              <a:lnSpc>
-                <a:spcPct val="107000"/>
-              </a:lnSpc>
-              <a:spcAft>
-                <a:spcPts val="800"/>
-              </a:spcAft>
-            </a:pPr>
-            <a:r>
-              <a:rPr lang="vi-VN" sz="1600">
-                <a:effectLst/>
-                <a:latin typeface="Source Sans Pro" panose="020B0503030403020204" pitchFamily="34" charset="0"/>
-                <a:ea typeface="Source Sans Pro" panose="020B0503030403020204" pitchFamily="34" charset="0"/>
-                <a:cs typeface="Times New Roman" panose="02020603050405020304" pitchFamily="18" charset="0"/>
-              </a:rPr>
-              <a:t>SHA-512 (trả lại kết quả dài 512 bit)</a:t>
-            </a:r>
-            <a:endParaRPr lang="en-US" sz="1600">
-              <a:latin typeface="Source Sans Pro" panose="020B0503030403020204" pitchFamily="34" charset="0"/>
-              <a:ea typeface="Source Sans Pro" panose="020B0503030403020204" pitchFamily="34" charset="0"/>
-            </a:endParaRPr>
-          </a:p>
-        </p:txBody>
-      </p:sp>
-    </p:spTree>
-    <p:extLst>
-      <p:ext uri="{BB962C8B-B14F-4D97-AF65-F5344CB8AC3E}">
-        <p14:creationId xmlns:p14="http://schemas.microsoft.com/office/powerpoint/2010/main" val="2896509622"/>
-      </p:ext>
-    </p:extLst>
-  </p:cSld>
-  <p:clrMapOvr>
-    <a:masterClrMapping/>
-  </p:clrMapOvr>
-</p:sld>
-</file>
-
-<file path=ppt/slides/slide31.xml><?xml version="1.0" encoding="utf-8"?>
-<p:sld xmlns:a="http://schemas.openxmlformats.org/drawingml/2006/main" xmlns:r="http://schemas.openxmlformats.org/officeDocument/2006/relationships" xmlns:p="http://schemas.openxmlformats.org/presentationml/2006/main">
-  <p:cSld>
-    <p:spTree>
-      <p:nvGrpSpPr>
-        <p:cNvPr id="1" name="Shape 109"/>
-        <p:cNvGrpSpPr/>
-        <p:nvPr/>
-      </p:nvGrpSpPr>
-      <p:grpSpPr>
-        <a:xfrm>
-          <a:off x="0" y="0"/>
-          <a:ext cx="0" cy="0"/>
-          <a:chOff x="0" y="0"/>
-          <a:chExt cx="0" cy="0"/>
-        </a:xfrm>
-      </p:grpSpPr>
-      <p:sp>
-        <p:nvSpPr>
-          <p:cNvPr id="110" name="Google Shape;110;p17"/>
-          <p:cNvSpPr txBox="1">
-            <a:spLocks noGrp="1"/>
-          </p:cNvSpPr>
-          <p:nvPr>
-            <p:ph type="title"/>
-          </p:nvPr>
-        </p:nvSpPr>
-        <p:spPr>
-          <a:xfrm>
-            <a:off x="786150" y="308120"/>
-            <a:ext cx="7571700" cy="702600"/>
-          </a:xfrm>
-          <a:prstGeom prst="rect">
-            <a:avLst/>
-          </a:prstGeom>
-        </p:spPr>
-        <p:txBody>
-          <a:bodyPr spcFirstLastPara="1" wrap="square" lIns="91425" tIns="91425" rIns="91425" bIns="91425" anchor="b" anchorCtr="0">
-            <a:noAutofit/>
-          </a:bodyPr>
-          <a:lstStyle/>
-          <a:p>
-            <a:pPr marL="0" lvl="0" indent="0" algn="l" rtl="0">
-              <a:spcBef>
-                <a:spcPts val="0"/>
-              </a:spcBef>
-              <a:spcAft>
-                <a:spcPts val="0"/>
-              </a:spcAft>
-              <a:buNone/>
-            </a:pPr>
-            <a:r>
-              <a:rPr lang="en"/>
-              <a:t>Cách hoạt động của ví</a:t>
-            </a:r>
-            <a:endParaRPr/>
-          </a:p>
-        </p:txBody>
-      </p:sp>
-      <p:sp>
-        <p:nvSpPr>
-          <p:cNvPr id="111" name="Google Shape;111;p17"/>
-          <p:cNvSpPr txBox="1">
-            <a:spLocks noGrp="1"/>
-          </p:cNvSpPr>
-          <p:nvPr>
-            <p:ph type="body" idx="1"/>
-          </p:nvPr>
-        </p:nvSpPr>
-        <p:spPr>
-          <a:xfrm>
-            <a:off x="786150" y="1010720"/>
-            <a:ext cx="7571700" cy="487574"/>
-          </a:xfrm>
-          <a:prstGeom prst="rect">
-            <a:avLst/>
-          </a:prstGeom>
-        </p:spPr>
-        <p:txBody>
-          <a:bodyPr spcFirstLastPara="1" wrap="square" lIns="91425" tIns="91425" rIns="91425" bIns="91425" anchor="t" anchorCtr="0">
-            <a:noAutofit/>
-          </a:bodyPr>
-          <a:lstStyle/>
-          <a:p>
-            <a:pPr marL="76200" lvl="0" indent="0" algn="l" rtl="0">
-              <a:spcBef>
-                <a:spcPts val="600"/>
-              </a:spcBef>
-              <a:spcAft>
-                <a:spcPts val="0"/>
-              </a:spcAft>
-              <a:buSzPts val="2400"/>
-              <a:buNone/>
-            </a:pPr>
-            <a:r>
-              <a:rPr lang="en-US" sz="2000"/>
-              <a:t>Mã hóa SHA – SHA256:</a:t>
-            </a:r>
-          </a:p>
-        </p:txBody>
-      </p:sp>
-      <p:sp>
-        <p:nvSpPr>
-          <p:cNvPr id="112" name="Google Shape;112;p17"/>
-          <p:cNvSpPr txBox="1">
-            <a:spLocks noGrp="1"/>
-          </p:cNvSpPr>
-          <p:nvPr>
-            <p:ph type="sldNum" idx="12"/>
-          </p:nvPr>
-        </p:nvSpPr>
-        <p:spPr>
-          <a:xfrm>
-            <a:off x="8404384" y="4749851"/>
-            <a:ext cx="548700" cy="393600"/>
-          </a:xfrm>
-          <a:prstGeom prst="rect">
-            <a:avLst/>
-          </a:prstGeom>
-        </p:spPr>
-        <p:txBody>
-          <a:bodyPr spcFirstLastPara="1" wrap="square" lIns="91425" tIns="91425" rIns="91425" bIns="91425" anchor="t" anchorCtr="0">
-            <a:noAutofit/>
-          </a:bodyPr>
-          <a:lstStyle/>
-          <a:p>
-            <a:pPr marL="0" lvl="0" indent="0" algn="r" rtl="0">
-              <a:spcBef>
-                <a:spcPts val="0"/>
-              </a:spcBef>
-              <a:spcAft>
-                <a:spcPts val="0"/>
-              </a:spcAft>
-              <a:buNone/>
-            </a:pPr>
-            <a:r>
-              <a:rPr lang="vi-VN"/>
-              <a:t>30</a:t>
             </a:r>
             <a:endParaRPr/>
           </a:p>
@@ -21095,6 +20789,500 @@
 </p:sld>
 </file>
 
+<file path=ppt/slides/slide31.xml><?xml version="1.0" encoding="utf-8"?>
+<p:sld xmlns:a="http://schemas.openxmlformats.org/drawingml/2006/main" xmlns:r="http://schemas.openxmlformats.org/officeDocument/2006/relationships" xmlns:p="http://schemas.openxmlformats.org/presentationml/2006/main">
+  <p:cSld>
+    <p:spTree>
+      <p:nvGrpSpPr>
+        <p:cNvPr id="1" name="Shape 109"/>
+        <p:cNvGrpSpPr/>
+        <p:nvPr/>
+      </p:nvGrpSpPr>
+      <p:grpSpPr>
+        <a:xfrm>
+          <a:off x="0" y="0"/>
+          <a:ext cx="0" cy="0"/>
+          <a:chOff x="0" y="0"/>
+          <a:chExt cx="0" cy="0"/>
+        </a:xfrm>
+      </p:grpSpPr>
+      <p:sp>
+        <p:nvSpPr>
+          <p:cNvPr id="110" name="Google Shape;110;p17"/>
+          <p:cNvSpPr txBox="1">
+            <a:spLocks noGrp="1"/>
+          </p:cNvSpPr>
+          <p:nvPr>
+            <p:ph type="title"/>
+          </p:nvPr>
+        </p:nvSpPr>
+        <p:spPr>
+          <a:xfrm>
+            <a:off x="786150" y="308120"/>
+            <a:ext cx="7571700" cy="702600"/>
+          </a:xfrm>
+          <a:prstGeom prst="rect">
+            <a:avLst/>
+          </a:prstGeom>
+        </p:spPr>
+        <p:txBody>
+          <a:bodyPr spcFirstLastPara="1" wrap="square" lIns="91425" tIns="91425" rIns="91425" bIns="91425" anchor="b" anchorCtr="0">
+            <a:noAutofit/>
+          </a:bodyPr>
+          <a:lstStyle/>
+          <a:p>
+            <a:pPr marL="0" lvl="0" indent="0" algn="l" rtl="0">
+              <a:spcBef>
+                <a:spcPts val="0"/>
+              </a:spcBef>
+              <a:spcAft>
+                <a:spcPts val="0"/>
+              </a:spcAft>
+              <a:buNone/>
+            </a:pPr>
+            <a:r>
+              <a:rPr lang="en"/>
+              <a:t>Cách hoạt động của ví</a:t>
+            </a:r>
+            <a:endParaRPr/>
+          </a:p>
+        </p:txBody>
+      </p:sp>
+      <p:sp>
+        <p:nvSpPr>
+          <p:cNvPr id="111" name="Google Shape;111;p17"/>
+          <p:cNvSpPr txBox="1">
+            <a:spLocks noGrp="1"/>
+          </p:cNvSpPr>
+          <p:nvPr>
+            <p:ph type="body" idx="1"/>
+          </p:nvPr>
+        </p:nvSpPr>
+        <p:spPr>
+          <a:xfrm>
+            <a:off x="786150" y="1010720"/>
+            <a:ext cx="7571700" cy="487574"/>
+          </a:xfrm>
+          <a:prstGeom prst="rect">
+            <a:avLst/>
+          </a:prstGeom>
+        </p:spPr>
+        <p:txBody>
+          <a:bodyPr spcFirstLastPara="1" wrap="square" lIns="91425" tIns="91425" rIns="91425" bIns="91425" anchor="t" anchorCtr="0">
+            <a:noAutofit/>
+          </a:bodyPr>
+          <a:lstStyle/>
+          <a:p>
+            <a:pPr marL="76200" lvl="0" indent="0" algn="l" rtl="0">
+              <a:spcBef>
+                <a:spcPts val="600"/>
+              </a:spcBef>
+              <a:spcAft>
+                <a:spcPts val="0"/>
+              </a:spcAft>
+              <a:buSzPts val="2400"/>
+              <a:buNone/>
+            </a:pPr>
+            <a:r>
+              <a:rPr lang="en-US" sz="2000"/>
+              <a:t>Chuẩn bị ví:</a:t>
+            </a:r>
+          </a:p>
+        </p:txBody>
+      </p:sp>
+      <p:sp>
+        <p:nvSpPr>
+          <p:cNvPr id="112" name="Google Shape;112;p17"/>
+          <p:cNvSpPr txBox="1">
+            <a:spLocks noGrp="1"/>
+          </p:cNvSpPr>
+          <p:nvPr>
+            <p:ph type="sldNum" idx="12"/>
+          </p:nvPr>
+        </p:nvSpPr>
+        <p:spPr>
+          <a:xfrm>
+            <a:off x="8404384" y="4749851"/>
+            <a:ext cx="548700" cy="393600"/>
+          </a:xfrm>
+          <a:prstGeom prst="rect">
+            <a:avLst/>
+          </a:prstGeom>
+        </p:spPr>
+        <p:txBody>
+          <a:bodyPr spcFirstLastPara="1" wrap="square" lIns="91425" tIns="91425" rIns="91425" bIns="91425" anchor="t" anchorCtr="0">
+            <a:noAutofit/>
+          </a:bodyPr>
+          <a:lstStyle/>
+          <a:p>
+            <a:pPr marL="0" lvl="0" indent="0" algn="r" rtl="0">
+              <a:spcBef>
+                <a:spcPts val="0"/>
+              </a:spcBef>
+              <a:spcAft>
+                <a:spcPts val="0"/>
+              </a:spcAft>
+              <a:buNone/>
+            </a:pPr>
+            <a:r>
+              <a:rPr lang="vi-VN"/>
+              <a:t>30</a:t>
+            </a:r>
+            <a:endParaRPr/>
+          </a:p>
+        </p:txBody>
+      </p:sp>
+      <p:sp>
+        <p:nvSpPr>
+          <p:cNvPr id="5" name="Google Shape;111;p17">
+            <a:extLst>
+              <a:ext uri="{FF2B5EF4-FFF2-40B4-BE49-F238E27FC236}">
+                <a16:creationId xmlns:a16="http://schemas.microsoft.com/office/drawing/2014/main" id="{93180638-EE4B-4AA2-A6D9-A2E55E834742}"/>
+              </a:ext>
+            </a:extLst>
+          </p:cNvPr>
+          <p:cNvSpPr txBox="1">
+            <a:spLocks/>
+          </p:cNvSpPr>
+          <p:nvPr/>
+        </p:nvSpPr>
+        <p:spPr>
+          <a:xfrm>
+            <a:off x="786150" y="1498295"/>
+            <a:ext cx="7571700" cy="1465242"/>
+          </a:xfrm>
+          <a:prstGeom prst="rect">
+            <a:avLst/>
+          </a:prstGeom>
+          <a:noFill/>
+          <a:ln>
+            <a:noFill/>
+          </a:ln>
+        </p:spPr>
+        <p:txBody>
+          <a:bodyPr spcFirstLastPara="1" wrap="square" lIns="91425" tIns="91425" rIns="91425" bIns="91425" anchor="t" anchorCtr="0">
+            <a:noAutofit/>
+          </a:bodyPr>
+          <a:lstStyle>
+            <a:defPPr marR="0" lvl="0" algn="l" rtl="0">
+              <a:lnSpc>
+                <a:spcPct val="100000"/>
+              </a:lnSpc>
+              <a:spcBef>
+                <a:spcPts val="0"/>
+              </a:spcBef>
+              <a:spcAft>
+                <a:spcPts val="0"/>
+              </a:spcAft>
+            </a:defPPr>
+            <a:lvl1pPr marL="457200" marR="0" lvl="0" indent="-381000" algn="l" rtl="0">
+              <a:lnSpc>
+                <a:spcPct val="100000"/>
+              </a:lnSpc>
+              <a:spcBef>
+                <a:spcPts val="600"/>
+              </a:spcBef>
+              <a:spcAft>
+                <a:spcPts val="0"/>
+              </a:spcAft>
+              <a:buClr>
+                <a:schemeClr val="accent4"/>
+              </a:buClr>
+              <a:buSzPts val="2400"/>
+              <a:buFont typeface="Source Sans Pro"/>
+              <a:buChar char="◎"/>
+              <a:defRPr sz="2400" b="0" i="0" u="none" strike="noStrike" cap="none">
+                <a:solidFill>
+                  <a:schemeClr val="dk1"/>
+                </a:solidFill>
+                <a:latin typeface="Source Sans Pro"/>
+                <a:ea typeface="Source Sans Pro"/>
+                <a:cs typeface="Source Sans Pro"/>
+                <a:sym typeface="Source Sans Pro"/>
+              </a:defRPr>
+            </a:lvl1pPr>
+            <a:lvl2pPr marL="914400" marR="0" lvl="1" indent="-381000" algn="l" rtl="0">
+              <a:lnSpc>
+                <a:spcPct val="100000"/>
+              </a:lnSpc>
+              <a:spcBef>
+                <a:spcPts val="0"/>
+              </a:spcBef>
+              <a:spcAft>
+                <a:spcPts val="0"/>
+              </a:spcAft>
+              <a:buClr>
+                <a:schemeClr val="accent4"/>
+              </a:buClr>
+              <a:buSzPts val="2400"/>
+              <a:buFont typeface="Source Sans Pro"/>
+              <a:buChar char="○"/>
+              <a:defRPr sz="2400" b="0" i="0" u="none" strike="noStrike" cap="none">
+                <a:solidFill>
+                  <a:schemeClr val="dk1"/>
+                </a:solidFill>
+                <a:latin typeface="Source Sans Pro"/>
+                <a:ea typeface="Source Sans Pro"/>
+                <a:cs typeface="Source Sans Pro"/>
+                <a:sym typeface="Source Sans Pro"/>
+              </a:defRPr>
+            </a:lvl2pPr>
+            <a:lvl3pPr marL="1371600" marR="0" lvl="2" indent="-381000" algn="l" rtl="0">
+              <a:lnSpc>
+                <a:spcPct val="100000"/>
+              </a:lnSpc>
+              <a:spcBef>
+                <a:spcPts val="0"/>
+              </a:spcBef>
+              <a:spcAft>
+                <a:spcPts val="0"/>
+              </a:spcAft>
+              <a:buClr>
+                <a:schemeClr val="accent4"/>
+              </a:buClr>
+              <a:buSzPts val="2400"/>
+              <a:buFont typeface="Source Sans Pro"/>
+              <a:buChar char="◉"/>
+              <a:defRPr sz="2400" b="0" i="0" u="none" strike="noStrike" cap="none">
+                <a:solidFill>
+                  <a:schemeClr val="dk1"/>
+                </a:solidFill>
+                <a:latin typeface="Source Sans Pro"/>
+                <a:ea typeface="Source Sans Pro"/>
+                <a:cs typeface="Source Sans Pro"/>
+                <a:sym typeface="Source Sans Pro"/>
+              </a:defRPr>
+            </a:lvl3pPr>
+            <a:lvl4pPr marL="1828800" marR="0" lvl="3" indent="-381000" algn="l" rtl="0">
+              <a:lnSpc>
+                <a:spcPct val="100000"/>
+              </a:lnSpc>
+              <a:spcBef>
+                <a:spcPts val="0"/>
+              </a:spcBef>
+              <a:spcAft>
+                <a:spcPts val="0"/>
+              </a:spcAft>
+              <a:buClr>
+                <a:schemeClr val="dk1"/>
+              </a:buClr>
+              <a:buSzPts val="2400"/>
+              <a:buFont typeface="Source Sans Pro"/>
+              <a:buChar char="●"/>
+              <a:defRPr sz="2400" b="0" i="0" u="none" strike="noStrike" cap="none">
+                <a:solidFill>
+                  <a:schemeClr val="dk1"/>
+                </a:solidFill>
+                <a:latin typeface="Source Sans Pro"/>
+                <a:ea typeface="Source Sans Pro"/>
+                <a:cs typeface="Source Sans Pro"/>
+                <a:sym typeface="Source Sans Pro"/>
+              </a:defRPr>
+            </a:lvl4pPr>
+            <a:lvl5pPr marL="2286000" marR="0" lvl="4" indent="-381000" algn="l" rtl="0">
+              <a:lnSpc>
+                <a:spcPct val="100000"/>
+              </a:lnSpc>
+              <a:spcBef>
+                <a:spcPts val="0"/>
+              </a:spcBef>
+              <a:spcAft>
+                <a:spcPts val="0"/>
+              </a:spcAft>
+              <a:buClr>
+                <a:schemeClr val="dk1"/>
+              </a:buClr>
+              <a:buSzPts val="2400"/>
+              <a:buFont typeface="Source Sans Pro"/>
+              <a:buChar char="○"/>
+              <a:defRPr sz="2400" b="0" i="0" u="none" strike="noStrike" cap="none">
+                <a:solidFill>
+                  <a:schemeClr val="dk1"/>
+                </a:solidFill>
+                <a:latin typeface="Source Sans Pro"/>
+                <a:ea typeface="Source Sans Pro"/>
+                <a:cs typeface="Source Sans Pro"/>
+                <a:sym typeface="Source Sans Pro"/>
+              </a:defRPr>
+            </a:lvl5pPr>
+            <a:lvl6pPr marL="2743200" marR="0" lvl="5" indent="-381000" algn="l" rtl="0">
+              <a:lnSpc>
+                <a:spcPct val="100000"/>
+              </a:lnSpc>
+              <a:spcBef>
+                <a:spcPts val="0"/>
+              </a:spcBef>
+              <a:spcAft>
+                <a:spcPts val="0"/>
+              </a:spcAft>
+              <a:buClr>
+                <a:schemeClr val="dk1"/>
+              </a:buClr>
+              <a:buSzPts val="2400"/>
+              <a:buFont typeface="Source Sans Pro"/>
+              <a:buChar char="■"/>
+              <a:defRPr sz="2400" b="0" i="0" u="none" strike="noStrike" cap="none">
+                <a:solidFill>
+                  <a:schemeClr val="dk1"/>
+                </a:solidFill>
+                <a:latin typeface="Source Sans Pro"/>
+                <a:ea typeface="Source Sans Pro"/>
+                <a:cs typeface="Source Sans Pro"/>
+                <a:sym typeface="Source Sans Pro"/>
+              </a:defRPr>
+            </a:lvl6pPr>
+            <a:lvl7pPr marL="3200400" marR="0" lvl="6" indent="-381000" algn="l" rtl="0">
+              <a:lnSpc>
+                <a:spcPct val="100000"/>
+              </a:lnSpc>
+              <a:spcBef>
+                <a:spcPts val="0"/>
+              </a:spcBef>
+              <a:spcAft>
+                <a:spcPts val="0"/>
+              </a:spcAft>
+              <a:buClr>
+                <a:schemeClr val="dk1"/>
+              </a:buClr>
+              <a:buSzPts val="2400"/>
+              <a:buFont typeface="Source Sans Pro"/>
+              <a:buChar char="●"/>
+              <a:defRPr sz="2400" b="0" i="0" u="none" strike="noStrike" cap="none">
+                <a:solidFill>
+                  <a:schemeClr val="dk1"/>
+                </a:solidFill>
+                <a:latin typeface="Source Sans Pro"/>
+                <a:ea typeface="Source Sans Pro"/>
+                <a:cs typeface="Source Sans Pro"/>
+                <a:sym typeface="Source Sans Pro"/>
+              </a:defRPr>
+            </a:lvl7pPr>
+            <a:lvl8pPr marL="3657600" marR="0" lvl="7" indent="-381000" algn="l" rtl="0">
+              <a:lnSpc>
+                <a:spcPct val="100000"/>
+              </a:lnSpc>
+              <a:spcBef>
+                <a:spcPts val="0"/>
+              </a:spcBef>
+              <a:spcAft>
+                <a:spcPts val="0"/>
+              </a:spcAft>
+              <a:buClr>
+                <a:schemeClr val="dk1"/>
+              </a:buClr>
+              <a:buSzPts val="2400"/>
+              <a:buFont typeface="Source Sans Pro"/>
+              <a:buChar char="○"/>
+              <a:defRPr sz="2400" b="0" i="0" u="none" strike="noStrike" cap="none">
+                <a:solidFill>
+                  <a:schemeClr val="dk1"/>
+                </a:solidFill>
+                <a:latin typeface="Source Sans Pro"/>
+                <a:ea typeface="Source Sans Pro"/>
+                <a:cs typeface="Source Sans Pro"/>
+                <a:sym typeface="Source Sans Pro"/>
+              </a:defRPr>
+            </a:lvl8pPr>
+            <a:lvl9pPr marL="4114800" marR="0" lvl="8" indent="-381000" algn="l" rtl="0">
+              <a:lnSpc>
+                <a:spcPct val="100000"/>
+              </a:lnSpc>
+              <a:spcBef>
+                <a:spcPts val="0"/>
+              </a:spcBef>
+              <a:spcAft>
+                <a:spcPts val="0"/>
+              </a:spcAft>
+              <a:buClr>
+                <a:schemeClr val="dk1"/>
+              </a:buClr>
+              <a:buSzPts val="2400"/>
+              <a:buFont typeface="Source Sans Pro"/>
+              <a:buChar char="■"/>
+              <a:defRPr sz="2400" b="0" i="0" u="none" strike="noStrike" cap="none">
+                <a:solidFill>
+                  <a:schemeClr val="dk1"/>
+                </a:solidFill>
+                <a:latin typeface="Source Sans Pro"/>
+                <a:ea typeface="Source Sans Pro"/>
+                <a:cs typeface="Source Sans Pro"/>
+                <a:sym typeface="Source Sans Pro"/>
+              </a:defRPr>
+            </a:lvl9pPr>
+          </a:lstStyle>
+          <a:p>
+            <a:pPr marL="76200" indent="0">
+              <a:lnSpc>
+                <a:spcPct val="107000"/>
+              </a:lnSpc>
+              <a:spcAft>
+                <a:spcPts val="800"/>
+              </a:spcAft>
+              <a:buNone/>
+            </a:pPr>
+            <a:r>
+              <a:rPr lang="vi-VN" sz="1600">
+                <a:latin typeface="Source Sans Pro" panose="020B0503030403020204" pitchFamily="34" charset="0"/>
+                <a:ea typeface="Source Sans Pro" panose="020B0503030403020204" pitchFamily="34" charset="0"/>
+              </a:rPr>
+              <a:t>- Tạo public key(khóa công khai) và private keys(khóa bí mật);</a:t>
+            </a:r>
+          </a:p>
+          <a:p>
+            <a:pPr marL="76200" indent="0">
+              <a:lnSpc>
+                <a:spcPct val="107000"/>
+              </a:lnSpc>
+              <a:spcAft>
+                <a:spcPts val="800"/>
+              </a:spcAft>
+              <a:buNone/>
+            </a:pPr>
+            <a:r>
+              <a:rPr lang="vi-VN" sz="1600">
+                <a:latin typeface="Source Sans Pro" panose="020B0503030403020204" pitchFamily="34" charset="0"/>
+                <a:ea typeface="Source Sans Pro" panose="020B0503030403020204" pitchFamily="34" charset="0"/>
+              </a:rPr>
+              <a:t>- Viết các hàm xem số dư và kiểm tra quỹ (sendFunds);</a:t>
+            </a:r>
+          </a:p>
+          <a:p>
+            <a:pPr marL="76200" indent="0">
+              <a:lnSpc>
+                <a:spcPct val="107000"/>
+              </a:lnSpc>
+              <a:spcAft>
+                <a:spcPts val="800"/>
+              </a:spcAft>
+              <a:buNone/>
+            </a:pPr>
+            <a:r>
+              <a:rPr lang="vi-VN" sz="1600">
+                <a:latin typeface="Source Sans Pro" panose="020B0503030403020204" pitchFamily="34" charset="0"/>
+                <a:ea typeface="Source Sans Pro" panose="020B0503030403020204" pitchFamily="34" charset="0"/>
+              </a:rPr>
+              <a:t>- Viết các hàm xem khóa công khai và khóa riêng tư;</a:t>
+            </a:r>
+            <a:endParaRPr lang="en-US" sz="1600">
+              <a:latin typeface="Source Sans Pro" panose="020B0503030403020204" pitchFamily="34" charset="0"/>
+              <a:ea typeface="Source Sans Pro" panose="020B0503030403020204" pitchFamily="34" charset="0"/>
+            </a:endParaRPr>
+          </a:p>
+        </p:txBody>
+      </p:sp>
+    </p:spTree>
+    <p:extLst>
+      <p:ext uri="{BB962C8B-B14F-4D97-AF65-F5344CB8AC3E}">
+        <p14:creationId xmlns:p14="http://schemas.microsoft.com/office/powerpoint/2010/main" val="2840397376"/>
+      </p:ext>
+    </p:extLst>
+  </p:cSld>
+  <p:clrMapOvr>
+    <a:masterClrMapping/>
+  </p:clrMapOvr>
+</p:sld>
+</file>
+
 <file path=ppt/slides/slide32.xml><?xml version="1.0" encoding="utf-8"?>
 <p:sld xmlns:a="http://schemas.openxmlformats.org/drawingml/2006/main" xmlns:r="http://schemas.openxmlformats.org/officeDocument/2006/relationships" xmlns:p="http://schemas.openxmlformats.org/presentationml/2006/main">
   <p:cSld>
@@ -21156,48 +21344,6 @@
       </p:sp>
       <p:sp>
         <p:nvSpPr>
-          <p:cNvPr id="111" name="Google Shape;111;p17"/>
-          <p:cNvSpPr txBox="1">
-            <a:spLocks noGrp="1"/>
-          </p:cNvSpPr>
-          <p:nvPr>
-            <p:ph type="body" idx="1"/>
-          </p:nvPr>
-        </p:nvSpPr>
-        <p:spPr>
-          <a:xfrm>
-            <a:off x="786150" y="1010720"/>
-            <a:ext cx="7571700" cy="487574"/>
-          </a:xfrm>
-          <a:prstGeom prst="rect">
-            <a:avLst/>
-          </a:prstGeom>
-        </p:spPr>
-        <p:txBody>
-          <a:bodyPr spcFirstLastPara="1" wrap="square" lIns="91425" tIns="91425" rIns="91425" bIns="91425" anchor="t" anchorCtr="0">
-            <a:noAutofit/>
-          </a:bodyPr>
-          <a:lstStyle/>
-          <a:p>
-            <a:pPr marL="76200" lvl="0" indent="0" algn="l" rtl="0">
-              <a:spcBef>
-                <a:spcPts val="600"/>
-              </a:spcBef>
-              <a:spcAft>
-                <a:spcPts val="0"/>
-              </a:spcAft>
-              <a:buSzPts val="2400"/>
-              <a:buNone/>
-            </a:pPr>
-            <a:r>
-              <a:rPr lang="en-US" sz="2000"/>
-              <a:t>Chuẩn bị ví:</a:t>
-            </a:r>
-          </a:p>
-        </p:txBody>
-      </p:sp>
-      <p:sp>
-        <p:nvSpPr>
           <p:cNvPr id="112" name="Google Shape;112;p17"/>
           <p:cNvSpPr txBox="1">
             <a:spLocks noGrp="1"/>
@@ -21233,458 +21379,6 @@
             <a:r>
               <a:rPr lang="vi-VN"/>
               <a:t>31</a:t>
-            </a:r>
-            <a:endParaRPr/>
-          </a:p>
-        </p:txBody>
-      </p:sp>
-      <p:sp>
-        <p:nvSpPr>
-          <p:cNvPr id="5" name="Google Shape;111;p17">
-            <a:extLst>
-              <a:ext uri="{FF2B5EF4-FFF2-40B4-BE49-F238E27FC236}">
-                <a16:creationId xmlns:a16="http://schemas.microsoft.com/office/drawing/2014/main" id="{93180638-EE4B-4AA2-A6D9-A2E55E834742}"/>
-              </a:ext>
-            </a:extLst>
-          </p:cNvPr>
-          <p:cNvSpPr txBox="1">
-            <a:spLocks/>
-          </p:cNvSpPr>
-          <p:nvPr/>
-        </p:nvSpPr>
-        <p:spPr>
-          <a:xfrm>
-            <a:off x="786150" y="1498295"/>
-            <a:ext cx="7571700" cy="1465242"/>
-          </a:xfrm>
-          <a:prstGeom prst="rect">
-            <a:avLst/>
-          </a:prstGeom>
-          <a:noFill/>
-          <a:ln>
-            <a:noFill/>
-          </a:ln>
-        </p:spPr>
-        <p:txBody>
-          <a:bodyPr spcFirstLastPara="1" wrap="square" lIns="91425" tIns="91425" rIns="91425" bIns="91425" anchor="t" anchorCtr="0">
-            <a:noAutofit/>
-          </a:bodyPr>
-          <a:lstStyle>
-            <a:defPPr marR="0" lvl="0" algn="l" rtl="0">
-              <a:lnSpc>
-                <a:spcPct val="100000"/>
-              </a:lnSpc>
-              <a:spcBef>
-                <a:spcPts val="0"/>
-              </a:spcBef>
-              <a:spcAft>
-                <a:spcPts val="0"/>
-              </a:spcAft>
-            </a:defPPr>
-            <a:lvl1pPr marL="457200" marR="0" lvl="0" indent="-381000" algn="l" rtl="0">
-              <a:lnSpc>
-                <a:spcPct val="100000"/>
-              </a:lnSpc>
-              <a:spcBef>
-                <a:spcPts val="600"/>
-              </a:spcBef>
-              <a:spcAft>
-                <a:spcPts val="0"/>
-              </a:spcAft>
-              <a:buClr>
-                <a:schemeClr val="accent4"/>
-              </a:buClr>
-              <a:buSzPts val="2400"/>
-              <a:buFont typeface="Source Sans Pro"/>
-              <a:buChar char="◎"/>
-              <a:defRPr sz="2400" b="0" i="0" u="none" strike="noStrike" cap="none">
-                <a:solidFill>
-                  <a:schemeClr val="dk1"/>
-                </a:solidFill>
-                <a:latin typeface="Source Sans Pro"/>
-                <a:ea typeface="Source Sans Pro"/>
-                <a:cs typeface="Source Sans Pro"/>
-                <a:sym typeface="Source Sans Pro"/>
-              </a:defRPr>
-            </a:lvl1pPr>
-            <a:lvl2pPr marL="914400" marR="0" lvl="1" indent="-381000" algn="l" rtl="0">
-              <a:lnSpc>
-                <a:spcPct val="100000"/>
-              </a:lnSpc>
-              <a:spcBef>
-                <a:spcPts val="0"/>
-              </a:spcBef>
-              <a:spcAft>
-                <a:spcPts val="0"/>
-              </a:spcAft>
-              <a:buClr>
-                <a:schemeClr val="accent4"/>
-              </a:buClr>
-              <a:buSzPts val="2400"/>
-              <a:buFont typeface="Source Sans Pro"/>
-              <a:buChar char="○"/>
-              <a:defRPr sz="2400" b="0" i="0" u="none" strike="noStrike" cap="none">
-                <a:solidFill>
-                  <a:schemeClr val="dk1"/>
-                </a:solidFill>
-                <a:latin typeface="Source Sans Pro"/>
-                <a:ea typeface="Source Sans Pro"/>
-                <a:cs typeface="Source Sans Pro"/>
-                <a:sym typeface="Source Sans Pro"/>
-              </a:defRPr>
-            </a:lvl2pPr>
-            <a:lvl3pPr marL="1371600" marR="0" lvl="2" indent="-381000" algn="l" rtl="0">
-              <a:lnSpc>
-                <a:spcPct val="100000"/>
-              </a:lnSpc>
-              <a:spcBef>
-                <a:spcPts val="0"/>
-              </a:spcBef>
-              <a:spcAft>
-                <a:spcPts val="0"/>
-              </a:spcAft>
-              <a:buClr>
-                <a:schemeClr val="accent4"/>
-              </a:buClr>
-              <a:buSzPts val="2400"/>
-              <a:buFont typeface="Source Sans Pro"/>
-              <a:buChar char="◉"/>
-              <a:defRPr sz="2400" b="0" i="0" u="none" strike="noStrike" cap="none">
-                <a:solidFill>
-                  <a:schemeClr val="dk1"/>
-                </a:solidFill>
-                <a:latin typeface="Source Sans Pro"/>
-                <a:ea typeface="Source Sans Pro"/>
-                <a:cs typeface="Source Sans Pro"/>
-                <a:sym typeface="Source Sans Pro"/>
-              </a:defRPr>
-            </a:lvl3pPr>
-            <a:lvl4pPr marL="1828800" marR="0" lvl="3" indent="-381000" algn="l" rtl="0">
-              <a:lnSpc>
-                <a:spcPct val="100000"/>
-              </a:lnSpc>
-              <a:spcBef>
-                <a:spcPts val="0"/>
-              </a:spcBef>
-              <a:spcAft>
-                <a:spcPts val="0"/>
-              </a:spcAft>
-              <a:buClr>
-                <a:schemeClr val="dk1"/>
-              </a:buClr>
-              <a:buSzPts val="2400"/>
-              <a:buFont typeface="Source Sans Pro"/>
-              <a:buChar char="●"/>
-              <a:defRPr sz="2400" b="0" i="0" u="none" strike="noStrike" cap="none">
-                <a:solidFill>
-                  <a:schemeClr val="dk1"/>
-                </a:solidFill>
-                <a:latin typeface="Source Sans Pro"/>
-                <a:ea typeface="Source Sans Pro"/>
-                <a:cs typeface="Source Sans Pro"/>
-                <a:sym typeface="Source Sans Pro"/>
-              </a:defRPr>
-            </a:lvl4pPr>
-            <a:lvl5pPr marL="2286000" marR="0" lvl="4" indent="-381000" algn="l" rtl="0">
-              <a:lnSpc>
-                <a:spcPct val="100000"/>
-              </a:lnSpc>
-              <a:spcBef>
-                <a:spcPts val="0"/>
-              </a:spcBef>
-              <a:spcAft>
-                <a:spcPts val="0"/>
-              </a:spcAft>
-              <a:buClr>
-                <a:schemeClr val="dk1"/>
-              </a:buClr>
-              <a:buSzPts val="2400"/>
-              <a:buFont typeface="Source Sans Pro"/>
-              <a:buChar char="○"/>
-              <a:defRPr sz="2400" b="0" i="0" u="none" strike="noStrike" cap="none">
-                <a:solidFill>
-                  <a:schemeClr val="dk1"/>
-                </a:solidFill>
-                <a:latin typeface="Source Sans Pro"/>
-                <a:ea typeface="Source Sans Pro"/>
-                <a:cs typeface="Source Sans Pro"/>
-                <a:sym typeface="Source Sans Pro"/>
-              </a:defRPr>
-            </a:lvl5pPr>
-            <a:lvl6pPr marL="2743200" marR="0" lvl="5" indent="-381000" algn="l" rtl="0">
-              <a:lnSpc>
-                <a:spcPct val="100000"/>
-              </a:lnSpc>
-              <a:spcBef>
-                <a:spcPts val="0"/>
-              </a:spcBef>
-              <a:spcAft>
-                <a:spcPts val="0"/>
-              </a:spcAft>
-              <a:buClr>
-                <a:schemeClr val="dk1"/>
-              </a:buClr>
-              <a:buSzPts val="2400"/>
-              <a:buFont typeface="Source Sans Pro"/>
-              <a:buChar char="■"/>
-              <a:defRPr sz="2400" b="0" i="0" u="none" strike="noStrike" cap="none">
-                <a:solidFill>
-                  <a:schemeClr val="dk1"/>
-                </a:solidFill>
-                <a:latin typeface="Source Sans Pro"/>
-                <a:ea typeface="Source Sans Pro"/>
-                <a:cs typeface="Source Sans Pro"/>
-                <a:sym typeface="Source Sans Pro"/>
-              </a:defRPr>
-            </a:lvl6pPr>
-            <a:lvl7pPr marL="3200400" marR="0" lvl="6" indent="-381000" algn="l" rtl="0">
-              <a:lnSpc>
-                <a:spcPct val="100000"/>
-              </a:lnSpc>
-              <a:spcBef>
-                <a:spcPts val="0"/>
-              </a:spcBef>
-              <a:spcAft>
-                <a:spcPts val="0"/>
-              </a:spcAft>
-              <a:buClr>
-                <a:schemeClr val="dk1"/>
-              </a:buClr>
-              <a:buSzPts val="2400"/>
-              <a:buFont typeface="Source Sans Pro"/>
-              <a:buChar char="●"/>
-              <a:defRPr sz="2400" b="0" i="0" u="none" strike="noStrike" cap="none">
-                <a:solidFill>
-                  <a:schemeClr val="dk1"/>
-                </a:solidFill>
-                <a:latin typeface="Source Sans Pro"/>
-                <a:ea typeface="Source Sans Pro"/>
-                <a:cs typeface="Source Sans Pro"/>
-                <a:sym typeface="Source Sans Pro"/>
-              </a:defRPr>
-            </a:lvl7pPr>
-            <a:lvl8pPr marL="3657600" marR="0" lvl="7" indent="-381000" algn="l" rtl="0">
-              <a:lnSpc>
-                <a:spcPct val="100000"/>
-              </a:lnSpc>
-              <a:spcBef>
-                <a:spcPts val="0"/>
-              </a:spcBef>
-              <a:spcAft>
-                <a:spcPts val="0"/>
-              </a:spcAft>
-              <a:buClr>
-                <a:schemeClr val="dk1"/>
-              </a:buClr>
-              <a:buSzPts val="2400"/>
-              <a:buFont typeface="Source Sans Pro"/>
-              <a:buChar char="○"/>
-              <a:defRPr sz="2400" b="0" i="0" u="none" strike="noStrike" cap="none">
-                <a:solidFill>
-                  <a:schemeClr val="dk1"/>
-                </a:solidFill>
-                <a:latin typeface="Source Sans Pro"/>
-                <a:ea typeface="Source Sans Pro"/>
-                <a:cs typeface="Source Sans Pro"/>
-                <a:sym typeface="Source Sans Pro"/>
-              </a:defRPr>
-            </a:lvl8pPr>
-            <a:lvl9pPr marL="4114800" marR="0" lvl="8" indent="-381000" algn="l" rtl="0">
-              <a:lnSpc>
-                <a:spcPct val="100000"/>
-              </a:lnSpc>
-              <a:spcBef>
-                <a:spcPts val="0"/>
-              </a:spcBef>
-              <a:spcAft>
-                <a:spcPts val="0"/>
-              </a:spcAft>
-              <a:buClr>
-                <a:schemeClr val="dk1"/>
-              </a:buClr>
-              <a:buSzPts val="2400"/>
-              <a:buFont typeface="Source Sans Pro"/>
-              <a:buChar char="■"/>
-              <a:defRPr sz="2400" b="0" i="0" u="none" strike="noStrike" cap="none">
-                <a:solidFill>
-                  <a:schemeClr val="dk1"/>
-                </a:solidFill>
-                <a:latin typeface="Source Sans Pro"/>
-                <a:ea typeface="Source Sans Pro"/>
-                <a:cs typeface="Source Sans Pro"/>
-                <a:sym typeface="Source Sans Pro"/>
-              </a:defRPr>
-            </a:lvl9pPr>
-          </a:lstStyle>
-          <a:p>
-            <a:pPr marL="76200" indent="0">
-              <a:lnSpc>
-                <a:spcPct val="107000"/>
-              </a:lnSpc>
-              <a:spcAft>
-                <a:spcPts val="800"/>
-              </a:spcAft>
-              <a:buNone/>
-            </a:pPr>
-            <a:r>
-              <a:rPr lang="vi-VN" sz="1600">
-                <a:latin typeface="Source Sans Pro" panose="020B0503030403020204" pitchFamily="34" charset="0"/>
-                <a:ea typeface="Source Sans Pro" panose="020B0503030403020204" pitchFamily="34" charset="0"/>
-              </a:rPr>
-              <a:t>- Tạo public key(khóa công khai) và private keys(khóa bí mật);</a:t>
-            </a:r>
-          </a:p>
-          <a:p>
-            <a:pPr marL="76200" indent="0">
-              <a:lnSpc>
-                <a:spcPct val="107000"/>
-              </a:lnSpc>
-              <a:spcAft>
-                <a:spcPts val="800"/>
-              </a:spcAft>
-              <a:buNone/>
-            </a:pPr>
-            <a:r>
-              <a:rPr lang="vi-VN" sz="1600">
-                <a:latin typeface="Source Sans Pro" panose="020B0503030403020204" pitchFamily="34" charset="0"/>
-                <a:ea typeface="Source Sans Pro" panose="020B0503030403020204" pitchFamily="34" charset="0"/>
-              </a:rPr>
-              <a:t>- Viết các hàm xem số dư và kiểm tra quỹ (sendFunds);</a:t>
-            </a:r>
-          </a:p>
-          <a:p>
-            <a:pPr marL="76200" indent="0">
-              <a:lnSpc>
-                <a:spcPct val="107000"/>
-              </a:lnSpc>
-              <a:spcAft>
-                <a:spcPts val="800"/>
-              </a:spcAft>
-              <a:buNone/>
-            </a:pPr>
-            <a:r>
-              <a:rPr lang="vi-VN" sz="1600">
-                <a:latin typeface="Source Sans Pro" panose="020B0503030403020204" pitchFamily="34" charset="0"/>
-                <a:ea typeface="Source Sans Pro" panose="020B0503030403020204" pitchFamily="34" charset="0"/>
-              </a:rPr>
-              <a:t>- Viết các hàm xem khóa công khai và khóa riêng tư;</a:t>
-            </a:r>
-            <a:endParaRPr lang="en-US" sz="1600">
-              <a:latin typeface="Source Sans Pro" panose="020B0503030403020204" pitchFamily="34" charset="0"/>
-              <a:ea typeface="Source Sans Pro" panose="020B0503030403020204" pitchFamily="34" charset="0"/>
-            </a:endParaRPr>
-          </a:p>
-        </p:txBody>
-      </p:sp>
-    </p:spTree>
-    <p:extLst>
-      <p:ext uri="{BB962C8B-B14F-4D97-AF65-F5344CB8AC3E}">
-        <p14:creationId xmlns:p14="http://schemas.microsoft.com/office/powerpoint/2010/main" val="2840397376"/>
-      </p:ext>
-    </p:extLst>
-  </p:cSld>
-  <p:clrMapOvr>
-    <a:masterClrMapping/>
-  </p:clrMapOvr>
-</p:sld>
-</file>
-
-<file path=ppt/slides/slide33.xml><?xml version="1.0" encoding="utf-8"?>
-<p:sld xmlns:a="http://schemas.openxmlformats.org/drawingml/2006/main" xmlns:r="http://schemas.openxmlformats.org/officeDocument/2006/relationships" xmlns:p="http://schemas.openxmlformats.org/presentationml/2006/main">
-  <p:cSld>
-    <p:spTree>
-      <p:nvGrpSpPr>
-        <p:cNvPr id="1" name="Shape 109"/>
-        <p:cNvGrpSpPr/>
-        <p:nvPr/>
-      </p:nvGrpSpPr>
-      <p:grpSpPr>
-        <a:xfrm>
-          <a:off x="0" y="0"/>
-          <a:ext cx="0" cy="0"/>
-          <a:chOff x="0" y="0"/>
-          <a:chExt cx="0" cy="0"/>
-        </a:xfrm>
-      </p:grpSpPr>
-      <p:sp>
-        <p:nvSpPr>
-          <p:cNvPr id="110" name="Google Shape;110;p17"/>
-          <p:cNvSpPr txBox="1">
-            <a:spLocks noGrp="1"/>
-          </p:cNvSpPr>
-          <p:nvPr>
-            <p:ph type="title"/>
-          </p:nvPr>
-        </p:nvSpPr>
-        <p:spPr>
-          <a:xfrm>
-            <a:off x="786150" y="308120"/>
-            <a:ext cx="7571700" cy="702600"/>
-          </a:xfrm>
-          <a:prstGeom prst="rect">
-            <a:avLst/>
-          </a:prstGeom>
-        </p:spPr>
-        <p:txBody>
-          <a:bodyPr spcFirstLastPara="1" wrap="square" lIns="91425" tIns="91425" rIns="91425" bIns="91425" anchor="b" anchorCtr="0">
-            <a:noAutofit/>
-          </a:bodyPr>
-          <a:lstStyle/>
-          <a:p>
-            <a:pPr marL="0" lvl="0" indent="0" algn="l" rtl="0">
-              <a:spcBef>
-                <a:spcPts val="0"/>
-              </a:spcBef>
-              <a:spcAft>
-                <a:spcPts val="0"/>
-              </a:spcAft>
-              <a:buNone/>
-            </a:pPr>
-            <a:r>
-              <a:rPr lang="en"/>
-              <a:t>Cách hoạt động của ví</a:t>
-            </a:r>
-            <a:endParaRPr/>
-          </a:p>
-        </p:txBody>
-      </p:sp>
-      <p:sp>
-        <p:nvSpPr>
-          <p:cNvPr id="112" name="Google Shape;112;p17"/>
-          <p:cNvSpPr txBox="1">
-            <a:spLocks noGrp="1"/>
-          </p:cNvSpPr>
-          <p:nvPr>
-            <p:ph type="sldNum" idx="12"/>
-          </p:nvPr>
-        </p:nvSpPr>
-        <p:spPr>
-          <a:xfrm>
-            <a:off x="8404384" y="4749851"/>
-            <a:ext cx="548700" cy="393600"/>
-          </a:xfrm>
-          <a:prstGeom prst="rect">
-            <a:avLst/>
-          </a:prstGeom>
-        </p:spPr>
-        <p:txBody>
-          <a:bodyPr spcFirstLastPara="1" wrap="square" lIns="91425" tIns="91425" rIns="91425" bIns="91425" anchor="t" anchorCtr="0">
-            <a:noAutofit/>
-          </a:bodyPr>
-          <a:lstStyle/>
-          <a:p>
-            <a:pPr marL="0" lvl="0" indent="0" algn="r" rtl="0">
-              <a:spcBef>
-                <a:spcPts val="0"/>
-              </a:spcBef>
-              <a:spcAft>
-                <a:spcPts val="0"/>
-              </a:spcAft>
-              <a:buNone/>
-            </a:pPr>
-            <a:r>
-              <a:rPr lang="vi-VN"/>
-              <a:t>32</a:t>
             </a:r>
             <a:endParaRPr/>
           </a:p>
@@ -22391,6 +22085,453 @@
 </p:sld>
 </file>
 
+<file path=ppt/slides/slide33.xml><?xml version="1.0" encoding="utf-8"?>
+<p:sld xmlns:a="http://schemas.openxmlformats.org/drawingml/2006/main" xmlns:r="http://schemas.openxmlformats.org/officeDocument/2006/relationships" xmlns:p="http://schemas.openxmlformats.org/presentationml/2006/main">
+  <p:cSld>
+    <p:spTree>
+      <p:nvGrpSpPr>
+        <p:cNvPr id="1" name="Shape 109"/>
+        <p:cNvGrpSpPr/>
+        <p:nvPr/>
+      </p:nvGrpSpPr>
+      <p:grpSpPr>
+        <a:xfrm>
+          <a:off x="0" y="0"/>
+          <a:ext cx="0" cy="0"/>
+          <a:chOff x="0" y="0"/>
+          <a:chExt cx="0" cy="0"/>
+        </a:xfrm>
+      </p:grpSpPr>
+      <p:sp>
+        <p:nvSpPr>
+          <p:cNvPr id="110" name="Google Shape;110;p17"/>
+          <p:cNvSpPr txBox="1">
+            <a:spLocks noGrp="1"/>
+          </p:cNvSpPr>
+          <p:nvPr>
+            <p:ph type="title"/>
+          </p:nvPr>
+        </p:nvSpPr>
+        <p:spPr>
+          <a:xfrm>
+            <a:off x="786150" y="308120"/>
+            <a:ext cx="7571700" cy="702600"/>
+          </a:xfrm>
+          <a:prstGeom prst="rect">
+            <a:avLst/>
+          </a:prstGeom>
+        </p:spPr>
+        <p:txBody>
+          <a:bodyPr spcFirstLastPara="1" wrap="square" lIns="91425" tIns="91425" rIns="91425" bIns="91425" anchor="b" anchorCtr="0">
+            <a:noAutofit/>
+          </a:bodyPr>
+          <a:lstStyle/>
+          <a:p>
+            <a:pPr marL="0" lvl="0" indent="0" algn="l" rtl="0">
+              <a:spcBef>
+                <a:spcPts val="0"/>
+              </a:spcBef>
+              <a:spcAft>
+                <a:spcPts val="0"/>
+              </a:spcAft>
+              <a:buNone/>
+            </a:pPr>
+            <a:r>
+              <a:rPr lang="en"/>
+              <a:t>Cách hoạt động của ví</a:t>
+            </a:r>
+            <a:endParaRPr/>
+          </a:p>
+        </p:txBody>
+      </p:sp>
+      <p:sp>
+        <p:nvSpPr>
+          <p:cNvPr id="111" name="Google Shape;111;p17"/>
+          <p:cNvSpPr txBox="1">
+            <a:spLocks noGrp="1"/>
+          </p:cNvSpPr>
+          <p:nvPr>
+            <p:ph type="body" idx="1"/>
+          </p:nvPr>
+        </p:nvSpPr>
+        <p:spPr>
+          <a:xfrm>
+            <a:off x="786150" y="1010720"/>
+            <a:ext cx="7571700" cy="702600"/>
+          </a:xfrm>
+          <a:prstGeom prst="rect">
+            <a:avLst/>
+          </a:prstGeom>
+        </p:spPr>
+        <p:txBody>
+          <a:bodyPr spcFirstLastPara="1" wrap="square" lIns="91425" tIns="91425" rIns="91425" bIns="91425" anchor="t" anchorCtr="0">
+            <a:noAutofit/>
+          </a:bodyPr>
+          <a:lstStyle/>
+          <a:p>
+            <a:pPr marL="76200" lvl="0" indent="0" algn="l" rtl="0">
+              <a:spcBef>
+                <a:spcPts val="600"/>
+              </a:spcBef>
+              <a:spcAft>
+                <a:spcPts val="0"/>
+              </a:spcAft>
+              <a:buSzPts val="2400"/>
+              <a:buNone/>
+            </a:pPr>
+            <a:r>
+              <a:rPr lang="en-US"/>
+              <a:t>Kiểm tra tính toàn vẹn của blockchain:</a:t>
+            </a:r>
+          </a:p>
+        </p:txBody>
+      </p:sp>
+      <p:sp>
+        <p:nvSpPr>
+          <p:cNvPr id="112" name="Google Shape;112;p17"/>
+          <p:cNvSpPr txBox="1">
+            <a:spLocks noGrp="1"/>
+          </p:cNvSpPr>
+          <p:nvPr>
+            <p:ph type="sldNum" idx="12"/>
+          </p:nvPr>
+        </p:nvSpPr>
+        <p:spPr>
+          <a:xfrm>
+            <a:off x="8404384" y="4749851"/>
+            <a:ext cx="548700" cy="393600"/>
+          </a:xfrm>
+          <a:prstGeom prst="rect">
+            <a:avLst/>
+          </a:prstGeom>
+        </p:spPr>
+        <p:txBody>
+          <a:bodyPr spcFirstLastPara="1" wrap="square" lIns="91425" tIns="91425" rIns="91425" bIns="91425" anchor="t" anchorCtr="0">
+            <a:noAutofit/>
+          </a:bodyPr>
+          <a:lstStyle/>
+          <a:p>
+            <a:pPr marL="0" lvl="0" indent="0" algn="r" rtl="0">
+              <a:spcBef>
+                <a:spcPts val="0"/>
+              </a:spcBef>
+              <a:spcAft>
+                <a:spcPts val="0"/>
+              </a:spcAft>
+              <a:buNone/>
+            </a:pPr>
+            <a:r>
+              <a:rPr lang="vi-VN"/>
+              <a:t>32</a:t>
+            </a:r>
+            <a:endParaRPr/>
+          </a:p>
+        </p:txBody>
+      </p:sp>
+      <p:sp>
+        <p:nvSpPr>
+          <p:cNvPr id="5" name="Google Shape;111;p17">
+            <a:extLst>
+              <a:ext uri="{FF2B5EF4-FFF2-40B4-BE49-F238E27FC236}">
+                <a16:creationId xmlns:a16="http://schemas.microsoft.com/office/drawing/2014/main" id="{93180638-EE4B-4AA2-A6D9-A2E55E834742}"/>
+              </a:ext>
+            </a:extLst>
+          </p:cNvPr>
+          <p:cNvSpPr txBox="1">
+            <a:spLocks/>
+          </p:cNvSpPr>
+          <p:nvPr/>
+        </p:nvSpPr>
+        <p:spPr>
+          <a:xfrm>
+            <a:off x="786150" y="1713319"/>
+            <a:ext cx="7571700" cy="2175635"/>
+          </a:xfrm>
+          <a:prstGeom prst="rect">
+            <a:avLst/>
+          </a:prstGeom>
+          <a:noFill/>
+          <a:ln>
+            <a:noFill/>
+          </a:ln>
+        </p:spPr>
+        <p:txBody>
+          <a:bodyPr spcFirstLastPara="1" wrap="square" lIns="91425" tIns="91425" rIns="91425" bIns="91425" anchor="t" anchorCtr="0">
+            <a:noAutofit/>
+          </a:bodyPr>
+          <a:lstStyle>
+            <a:defPPr marR="0" lvl="0" algn="l" rtl="0">
+              <a:lnSpc>
+                <a:spcPct val="100000"/>
+              </a:lnSpc>
+              <a:spcBef>
+                <a:spcPts val="0"/>
+              </a:spcBef>
+              <a:spcAft>
+                <a:spcPts val="0"/>
+              </a:spcAft>
+            </a:defPPr>
+            <a:lvl1pPr marL="457200" marR="0" lvl="0" indent="-381000" algn="l" rtl="0">
+              <a:lnSpc>
+                <a:spcPct val="100000"/>
+              </a:lnSpc>
+              <a:spcBef>
+                <a:spcPts val="600"/>
+              </a:spcBef>
+              <a:spcAft>
+                <a:spcPts val="0"/>
+              </a:spcAft>
+              <a:buClr>
+                <a:schemeClr val="accent4"/>
+              </a:buClr>
+              <a:buSzPts val="2400"/>
+              <a:buFont typeface="Source Sans Pro"/>
+              <a:buChar char="◎"/>
+              <a:defRPr sz="2400" b="0" i="0" u="none" strike="noStrike" cap="none">
+                <a:solidFill>
+                  <a:schemeClr val="dk1"/>
+                </a:solidFill>
+                <a:latin typeface="Source Sans Pro"/>
+                <a:ea typeface="Source Sans Pro"/>
+                <a:cs typeface="Source Sans Pro"/>
+                <a:sym typeface="Source Sans Pro"/>
+              </a:defRPr>
+            </a:lvl1pPr>
+            <a:lvl2pPr marL="914400" marR="0" lvl="1" indent="-381000" algn="l" rtl="0">
+              <a:lnSpc>
+                <a:spcPct val="100000"/>
+              </a:lnSpc>
+              <a:spcBef>
+                <a:spcPts val="0"/>
+              </a:spcBef>
+              <a:spcAft>
+                <a:spcPts val="0"/>
+              </a:spcAft>
+              <a:buClr>
+                <a:schemeClr val="accent4"/>
+              </a:buClr>
+              <a:buSzPts val="2400"/>
+              <a:buFont typeface="Source Sans Pro"/>
+              <a:buChar char="○"/>
+              <a:defRPr sz="2400" b="0" i="0" u="none" strike="noStrike" cap="none">
+                <a:solidFill>
+                  <a:schemeClr val="dk1"/>
+                </a:solidFill>
+                <a:latin typeface="Source Sans Pro"/>
+                <a:ea typeface="Source Sans Pro"/>
+                <a:cs typeface="Source Sans Pro"/>
+                <a:sym typeface="Source Sans Pro"/>
+              </a:defRPr>
+            </a:lvl2pPr>
+            <a:lvl3pPr marL="1371600" marR="0" lvl="2" indent="-381000" algn="l" rtl="0">
+              <a:lnSpc>
+                <a:spcPct val="100000"/>
+              </a:lnSpc>
+              <a:spcBef>
+                <a:spcPts val="0"/>
+              </a:spcBef>
+              <a:spcAft>
+                <a:spcPts val="0"/>
+              </a:spcAft>
+              <a:buClr>
+                <a:schemeClr val="accent4"/>
+              </a:buClr>
+              <a:buSzPts val="2400"/>
+              <a:buFont typeface="Source Sans Pro"/>
+              <a:buChar char="◉"/>
+              <a:defRPr sz="2400" b="0" i="0" u="none" strike="noStrike" cap="none">
+                <a:solidFill>
+                  <a:schemeClr val="dk1"/>
+                </a:solidFill>
+                <a:latin typeface="Source Sans Pro"/>
+                <a:ea typeface="Source Sans Pro"/>
+                <a:cs typeface="Source Sans Pro"/>
+                <a:sym typeface="Source Sans Pro"/>
+              </a:defRPr>
+            </a:lvl3pPr>
+            <a:lvl4pPr marL="1828800" marR="0" lvl="3" indent="-381000" algn="l" rtl="0">
+              <a:lnSpc>
+                <a:spcPct val="100000"/>
+              </a:lnSpc>
+              <a:spcBef>
+                <a:spcPts val="0"/>
+              </a:spcBef>
+              <a:spcAft>
+                <a:spcPts val="0"/>
+              </a:spcAft>
+              <a:buClr>
+                <a:schemeClr val="dk1"/>
+              </a:buClr>
+              <a:buSzPts val="2400"/>
+              <a:buFont typeface="Source Sans Pro"/>
+              <a:buChar char="●"/>
+              <a:defRPr sz="2400" b="0" i="0" u="none" strike="noStrike" cap="none">
+                <a:solidFill>
+                  <a:schemeClr val="dk1"/>
+                </a:solidFill>
+                <a:latin typeface="Source Sans Pro"/>
+                <a:ea typeface="Source Sans Pro"/>
+                <a:cs typeface="Source Sans Pro"/>
+                <a:sym typeface="Source Sans Pro"/>
+              </a:defRPr>
+            </a:lvl4pPr>
+            <a:lvl5pPr marL="2286000" marR="0" lvl="4" indent="-381000" algn="l" rtl="0">
+              <a:lnSpc>
+                <a:spcPct val="100000"/>
+              </a:lnSpc>
+              <a:spcBef>
+                <a:spcPts val="0"/>
+              </a:spcBef>
+              <a:spcAft>
+                <a:spcPts val="0"/>
+              </a:spcAft>
+              <a:buClr>
+                <a:schemeClr val="dk1"/>
+              </a:buClr>
+              <a:buSzPts val="2400"/>
+              <a:buFont typeface="Source Sans Pro"/>
+              <a:buChar char="○"/>
+              <a:defRPr sz="2400" b="0" i="0" u="none" strike="noStrike" cap="none">
+                <a:solidFill>
+                  <a:schemeClr val="dk1"/>
+                </a:solidFill>
+                <a:latin typeface="Source Sans Pro"/>
+                <a:ea typeface="Source Sans Pro"/>
+                <a:cs typeface="Source Sans Pro"/>
+                <a:sym typeface="Source Sans Pro"/>
+              </a:defRPr>
+            </a:lvl5pPr>
+            <a:lvl6pPr marL="2743200" marR="0" lvl="5" indent="-381000" algn="l" rtl="0">
+              <a:lnSpc>
+                <a:spcPct val="100000"/>
+              </a:lnSpc>
+              <a:spcBef>
+                <a:spcPts val="0"/>
+              </a:spcBef>
+              <a:spcAft>
+                <a:spcPts val="0"/>
+              </a:spcAft>
+              <a:buClr>
+                <a:schemeClr val="dk1"/>
+              </a:buClr>
+              <a:buSzPts val="2400"/>
+              <a:buFont typeface="Source Sans Pro"/>
+              <a:buChar char="■"/>
+              <a:defRPr sz="2400" b="0" i="0" u="none" strike="noStrike" cap="none">
+                <a:solidFill>
+                  <a:schemeClr val="dk1"/>
+                </a:solidFill>
+                <a:latin typeface="Source Sans Pro"/>
+                <a:ea typeface="Source Sans Pro"/>
+                <a:cs typeface="Source Sans Pro"/>
+                <a:sym typeface="Source Sans Pro"/>
+              </a:defRPr>
+            </a:lvl6pPr>
+            <a:lvl7pPr marL="3200400" marR="0" lvl="6" indent="-381000" algn="l" rtl="0">
+              <a:lnSpc>
+                <a:spcPct val="100000"/>
+              </a:lnSpc>
+              <a:spcBef>
+                <a:spcPts val="0"/>
+              </a:spcBef>
+              <a:spcAft>
+                <a:spcPts val="0"/>
+              </a:spcAft>
+              <a:buClr>
+                <a:schemeClr val="dk1"/>
+              </a:buClr>
+              <a:buSzPts val="2400"/>
+              <a:buFont typeface="Source Sans Pro"/>
+              <a:buChar char="●"/>
+              <a:defRPr sz="2400" b="0" i="0" u="none" strike="noStrike" cap="none">
+                <a:solidFill>
+                  <a:schemeClr val="dk1"/>
+                </a:solidFill>
+                <a:latin typeface="Source Sans Pro"/>
+                <a:ea typeface="Source Sans Pro"/>
+                <a:cs typeface="Source Sans Pro"/>
+                <a:sym typeface="Source Sans Pro"/>
+              </a:defRPr>
+            </a:lvl7pPr>
+            <a:lvl8pPr marL="3657600" marR="0" lvl="7" indent="-381000" algn="l" rtl="0">
+              <a:lnSpc>
+                <a:spcPct val="100000"/>
+              </a:lnSpc>
+              <a:spcBef>
+                <a:spcPts val="0"/>
+              </a:spcBef>
+              <a:spcAft>
+                <a:spcPts val="0"/>
+              </a:spcAft>
+              <a:buClr>
+                <a:schemeClr val="dk1"/>
+              </a:buClr>
+              <a:buSzPts val="2400"/>
+              <a:buFont typeface="Source Sans Pro"/>
+              <a:buChar char="○"/>
+              <a:defRPr sz="2400" b="0" i="0" u="none" strike="noStrike" cap="none">
+                <a:solidFill>
+                  <a:schemeClr val="dk1"/>
+                </a:solidFill>
+                <a:latin typeface="Source Sans Pro"/>
+                <a:ea typeface="Source Sans Pro"/>
+                <a:cs typeface="Source Sans Pro"/>
+                <a:sym typeface="Source Sans Pro"/>
+              </a:defRPr>
+            </a:lvl8pPr>
+            <a:lvl9pPr marL="4114800" marR="0" lvl="8" indent="-381000" algn="l" rtl="0">
+              <a:lnSpc>
+                <a:spcPct val="100000"/>
+              </a:lnSpc>
+              <a:spcBef>
+                <a:spcPts val="0"/>
+              </a:spcBef>
+              <a:spcAft>
+                <a:spcPts val="0"/>
+              </a:spcAft>
+              <a:buClr>
+                <a:schemeClr val="dk1"/>
+              </a:buClr>
+              <a:buSzPts val="2400"/>
+              <a:buFont typeface="Source Sans Pro"/>
+              <a:buChar char="■"/>
+              <a:defRPr sz="2400" b="0" i="0" u="none" strike="noStrike" cap="none">
+                <a:solidFill>
+                  <a:schemeClr val="dk1"/>
+                </a:solidFill>
+                <a:latin typeface="Source Sans Pro"/>
+                <a:ea typeface="Source Sans Pro"/>
+                <a:cs typeface="Source Sans Pro"/>
+                <a:sym typeface="Source Sans Pro"/>
+              </a:defRPr>
+            </a:lvl9pPr>
+          </a:lstStyle>
+          <a:p>
+            <a:pPr marL="76200" indent="0">
+              <a:buFont typeface="Source Sans Pro"/>
+              <a:buNone/>
+            </a:pPr>
+            <a:r>
+              <a:rPr lang="vi-VN" sz="1800"/>
+              <a:t>Hàm isChainValid() Boolean method, sẽ lặp qua tất cả các block trong chuỗi và so sánh tất cả các hash. Phương thức này sẽ cần thiết để kiểm tra tính toàn vẹn của blockchain</a:t>
+            </a:r>
+            <a:endParaRPr lang="en-US" sz="1800"/>
+          </a:p>
+        </p:txBody>
+      </p:sp>
+    </p:spTree>
+    <p:extLst>
+      <p:ext uri="{BB962C8B-B14F-4D97-AF65-F5344CB8AC3E}">
+        <p14:creationId xmlns:p14="http://schemas.microsoft.com/office/powerpoint/2010/main" val="1291544683"/>
+      </p:ext>
+    </p:extLst>
+  </p:cSld>
+  <p:clrMapOvr>
+    <a:masterClrMapping/>
+  </p:clrMapOvr>
+</p:sld>
+</file>
+
 <file path=ppt/slides/slide34.xml><?xml version="1.0" encoding="utf-8"?>
 <p:sld xmlns:a="http://schemas.openxmlformats.org/drawingml/2006/main" xmlns:r="http://schemas.openxmlformats.org/officeDocument/2006/relationships" xmlns:p="http://schemas.openxmlformats.org/presentationml/2006/main">
   <p:cSld>
@@ -22443,52 +22584,10 @@
               <a:buNone/>
             </a:pPr>
             <a:r>
-              <a:rPr lang="en"/>
-              <a:t>Cách hoạt động của ví</a:t>
+              <a:rPr lang="vi-VN"/>
+              <a:t>Demo Kết quả</a:t>
             </a:r>
             <a:endParaRPr/>
-          </a:p>
-        </p:txBody>
-      </p:sp>
-      <p:sp>
-        <p:nvSpPr>
-          <p:cNvPr id="111" name="Google Shape;111;p17"/>
-          <p:cNvSpPr txBox="1">
-            <a:spLocks noGrp="1"/>
-          </p:cNvSpPr>
-          <p:nvPr>
-            <p:ph type="body" idx="1"/>
-          </p:nvPr>
-        </p:nvSpPr>
-        <p:spPr>
-          <a:xfrm>
-            <a:off x="786150" y="1010720"/>
-            <a:ext cx="7571700" cy="702600"/>
-          </a:xfrm>
-          <a:prstGeom prst="rect">
-            <a:avLst/>
-          </a:prstGeom>
-        </p:spPr>
-        <p:txBody>
-          <a:bodyPr spcFirstLastPara="1" wrap="square" lIns="91425" tIns="91425" rIns="91425" bIns="91425" anchor="t" anchorCtr="0">
-            <a:noAutofit/>
-          </a:bodyPr>
-          <a:lstStyle/>
-          <a:p>
-            <a:pPr marL="76200" lvl="0" indent="0" algn="l" rtl="0">
-              <a:spcBef>
-                <a:spcPts val="600"/>
-              </a:spcBef>
-              <a:spcAft>
-                <a:spcPts val="0"/>
-              </a:spcAft>
-              <a:buSzPts val="2400"/>
-              <a:buNone/>
-            </a:pPr>
-            <a:r>
-              <a:rPr lang="en-US"/>
-              <a:t>Kiểm tra tính toàn vẹn của blockchain:</a:t>
-            </a:r>
           </a:p>
         </p:txBody>
       </p:sp>
@@ -22534,301 +22633,10 @@
           </a:p>
         </p:txBody>
       </p:sp>
-      <p:sp>
-        <p:nvSpPr>
-          <p:cNvPr id="5" name="Google Shape;111;p17">
-            <a:extLst>
-              <a:ext uri="{FF2B5EF4-FFF2-40B4-BE49-F238E27FC236}">
-                <a16:creationId xmlns:a16="http://schemas.microsoft.com/office/drawing/2014/main" id="{93180638-EE4B-4AA2-A6D9-A2E55E834742}"/>
-              </a:ext>
-            </a:extLst>
-          </p:cNvPr>
-          <p:cNvSpPr txBox="1">
-            <a:spLocks/>
-          </p:cNvSpPr>
-          <p:nvPr/>
-        </p:nvSpPr>
-        <p:spPr>
-          <a:xfrm>
-            <a:off x="786150" y="1713319"/>
-            <a:ext cx="7571700" cy="2175635"/>
-          </a:xfrm>
-          <a:prstGeom prst="rect">
-            <a:avLst/>
-          </a:prstGeom>
-          <a:noFill/>
-          <a:ln>
-            <a:noFill/>
-          </a:ln>
-        </p:spPr>
-        <p:txBody>
-          <a:bodyPr spcFirstLastPara="1" wrap="square" lIns="91425" tIns="91425" rIns="91425" bIns="91425" anchor="t" anchorCtr="0">
-            <a:noAutofit/>
-          </a:bodyPr>
-          <a:lstStyle>
-            <a:defPPr marR="0" lvl="0" algn="l" rtl="0">
-              <a:lnSpc>
-                <a:spcPct val="100000"/>
-              </a:lnSpc>
-              <a:spcBef>
-                <a:spcPts val="0"/>
-              </a:spcBef>
-              <a:spcAft>
-                <a:spcPts val="0"/>
-              </a:spcAft>
-            </a:defPPr>
-            <a:lvl1pPr marL="457200" marR="0" lvl="0" indent="-381000" algn="l" rtl="0">
-              <a:lnSpc>
-                <a:spcPct val="100000"/>
-              </a:lnSpc>
-              <a:spcBef>
-                <a:spcPts val="600"/>
-              </a:spcBef>
-              <a:spcAft>
-                <a:spcPts val="0"/>
-              </a:spcAft>
-              <a:buClr>
-                <a:schemeClr val="accent4"/>
-              </a:buClr>
-              <a:buSzPts val="2400"/>
-              <a:buFont typeface="Source Sans Pro"/>
-              <a:buChar char="◎"/>
-              <a:defRPr sz="2400" b="0" i="0" u="none" strike="noStrike" cap="none">
-                <a:solidFill>
-                  <a:schemeClr val="dk1"/>
-                </a:solidFill>
-                <a:latin typeface="Source Sans Pro"/>
-                <a:ea typeface="Source Sans Pro"/>
-                <a:cs typeface="Source Sans Pro"/>
-                <a:sym typeface="Source Sans Pro"/>
-              </a:defRPr>
-            </a:lvl1pPr>
-            <a:lvl2pPr marL="914400" marR="0" lvl="1" indent="-381000" algn="l" rtl="0">
-              <a:lnSpc>
-                <a:spcPct val="100000"/>
-              </a:lnSpc>
-              <a:spcBef>
-                <a:spcPts val="0"/>
-              </a:spcBef>
-              <a:spcAft>
-                <a:spcPts val="0"/>
-              </a:spcAft>
-              <a:buClr>
-                <a:schemeClr val="accent4"/>
-              </a:buClr>
-              <a:buSzPts val="2400"/>
-              <a:buFont typeface="Source Sans Pro"/>
-              <a:buChar char="○"/>
-              <a:defRPr sz="2400" b="0" i="0" u="none" strike="noStrike" cap="none">
-                <a:solidFill>
-                  <a:schemeClr val="dk1"/>
-                </a:solidFill>
-                <a:latin typeface="Source Sans Pro"/>
-                <a:ea typeface="Source Sans Pro"/>
-                <a:cs typeface="Source Sans Pro"/>
-                <a:sym typeface="Source Sans Pro"/>
-              </a:defRPr>
-            </a:lvl2pPr>
-            <a:lvl3pPr marL="1371600" marR="0" lvl="2" indent="-381000" algn="l" rtl="0">
-              <a:lnSpc>
-                <a:spcPct val="100000"/>
-              </a:lnSpc>
-              <a:spcBef>
-                <a:spcPts val="0"/>
-              </a:spcBef>
-              <a:spcAft>
-                <a:spcPts val="0"/>
-              </a:spcAft>
-              <a:buClr>
-                <a:schemeClr val="accent4"/>
-              </a:buClr>
-              <a:buSzPts val="2400"/>
-              <a:buFont typeface="Source Sans Pro"/>
-              <a:buChar char="◉"/>
-              <a:defRPr sz="2400" b="0" i="0" u="none" strike="noStrike" cap="none">
-                <a:solidFill>
-                  <a:schemeClr val="dk1"/>
-                </a:solidFill>
-                <a:latin typeface="Source Sans Pro"/>
-                <a:ea typeface="Source Sans Pro"/>
-                <a:cs typeface="Source Sans Pro"/>
-                <a:sym typeface="Source Sans Pro"/>
-              </a:defRPr>
-            </a:lvl3pPr>
-            <a:lvl4pPr marL="1828800" marR="0" lvl="3" indent="-381000" algn="l" rtl="0">
-              <a:lnSpc>
-                <a:spcPct val="100000"/>
-              </a:lnSpc>
-              <a:spcBef>
-                <a:spcPts val="0"/>
-              </a:spcBef>
-              <a:spcAft>
-                <a:spcPts val="0"/>
-              </a:spcAft>
-              <a:buClr>
-                <a:schemeClr val="dk1"/>
-              </a:buClr>
-              <a:buSzPts val="2400"/>
-              <a:buFont typeface="Source Sans Pro"/>
-              <a:buChar char="●"/>
-              <a:defRPr sz="2400" b="0" i="0" u="none" strike="noStrike" cap="none">
-                <a:solidFill>
-                  <a:schemeClr val="dk1"/>
-                </a:solidFill>
-                <a:latin typeface="Source Sans Pro"/>
-                <a:ea typeface="Source Sans Pro"/>
-                <a:cs typeface="Source Sans Pro"/>
-                <a:sym typeface="Source Sans Pro"/>
-              </a:defRPr>
-            </a:lvl4pPr>
-            <a:lvl5pPr marL="2286000" marR="0" lvl="4" indent="-381000" algn="l" rtl="0">
-              <a:lnSpc>
-                <a:spcPct val="100000"/>
-              </a:lnSpc>
-              <a:spcBef>
-                <a:spcPts val="0"/>
-              </a:spcBef>
-              <a:spcAft>
-                <a:spcPts val="0"/>
-              </a:spcAft>
-              <a:buClr>
-                <a:schemeClr val="dk1"/>
-              </a:buClr>
-              <a:buSzPts val="2400"/>
-              <a:buFont typeface="Source Sans Pro"/>
-              <a:buChar char="○"/>
-              <a:defRPr sz="2400" b="0" i="0" u="none" strike="noStrike" cap="none">
-                <a:solidFill>
-                  <a:schemeClr val="dk1"/>
-                </a:solidFill>
-                <a:latin typeface="Source Sans Pro"/>
-                <a:ea typeface="Source Sans Pro"/>
-                <a:cs typeface="Source Sans Pro"/>
-                <a:sym typeface="Source Sans Pro"/>
-              </a:defRPr>
-            </a:lvl5pPr>
-            <a:lvl6pPr marL="2743200" marR="0" lvl="5" indent="-381000" algn="l" rtl="0">
-              <a:lnSpc>
-                <a:spcPct val="100000"/>
-              </a:lnSpc>
-              <a:spcBef>
-                <a:spcPts val="0"/>
-              </a:spcBef>
-              <a:spcAft>
-                <a:spcPts val="0"/>
-              </a:spcAft>
-              <a:buClr>
-                <a:schemeClr val="dk1"/>
-              </a:buClr>
-              <a:buSzPts val="2400"/>
-              <a:buFont typeface="Source Sans Pro"/>
-              <a:buChar char="■"/>
-              <a:defRPr sz="2400" b="0" i="0" u="none" strike="noStrike" cap="none">
-                <a:solidFill>
-                  <a:schemeClr val="dk1"/>
-                </a:solidFill>
-                <a:latin typeface="Source Sans Pro"/>
-                <a:ea typeface="Source Sans Pro"/>
-                <a:cs typeface="Source Sans Pro"/>
-                <a:sym typeface="Source Sans Pro"/>
-              </a:defRPr>
-            </a:lvl6pPr>
-            <a:lvl7pPr marL="3200400" marR="0" lvl="6" indent="-381000" algn="l" rtl="0">
-              <a:lnSpc>
-                <a:spcPct val="100000"/>
-              </a:lnSpc>
-              <a:spcBef>
-                <a:spcPts val="0"/>
-              </a:spcBef>
-              <a:spcAft>
-                <a:spcPts val="0"/>
-              </a:spcAft>
-              <a:buClr>
-                <a:schemeClr val="dk1"/>
-              </a:buClr>
-              <a:buSzPts val="2400"/>
-              <a:buFont typeface="Source Sans Pro"/>
-              <a:buChar char="●"/>
-              <a:defRPr sz="2400" b="0" i="0" u="none" strike="noStrike" cap="none">
-                <a:solidFill>
-                  <a:schemeClr val="dk1"/>
-                </a:solidFill>
-                <a:latin typeface="Source Sans Pro"/>
-                <a:ea typeface="Source Sans Pro"/>
-                <a:cs typeface="Source Sans Pro"/>
-                <a:sym typeface="Source Sans Pro"/>
-              </a:defRPr>
-            </a:lvl7pPr>
-            <a:lvl8pPr marL="3657600" marR="0" lvl="7" indent="-381000" algn="l" rtl="0">
-              <a:lnSpc>
-                <a:spcPct val="100000"/>
-              </a:lnSpc>
-              <a:spcBef>
-                <a:spcPts val="0"/>
-              </a:spcBef>
-              <a:spcAft>
-                <a:spcPts val="0"/>
-              </a:spcAft>
-              <a:buClr>
-                <a:schemeClr val="dk1"/>
-              </a:buClr>
-              <a:buSzPts val="2400"/>
-              <a:buFont typeface="Source Sans Pro"/>
-              <a:buChar char="○"/>
-              <a:defRPr sz="2400" b="0" i="0" u="none" strike="noStrike" cap="none">
-                <a:solidFill>
-                  <a:schemeClr val="dk1"/>
-                </a:solidFill>
-                <a:latin typeface="Source Sans Pro"/>
-                <a:ea typeface="Source Sans Pro"/>
-                <a:cs typeface="Source Sans Pro"/>
-                <a:sym typeface="Source Sans Pro"/>
-              </a:defRPr>
-            </a:lvl8pPr>
-            <a:lvl9pPr marL="4114800" marR="0" lvl="8" indent="-381000" algn="l" rtl="0">
-              <a:lnSpc>
-                <a:spcPct val="100000"/>
-              </a:lnSpc>
-              <a:spcBef>
-                <a:spcPts val="0"/>
-              </a:spcBef>
-              <a:spcAft>
-                <a:spcPts val="0"/>
-              </a:spcAft>
-              <a:buClr>
-                <a:schemeClr val="dk1"/>
-              </a:buClr>
-              <a:buSzPts val="2400"/>
-              <a:buFont typeface="Source Sans Pro"/>
-              <a:buChar char="■"/>
-              <a:defRPr sz="2400" b="0" i="0" u="none" strike="noStrike" cap="none">
-                <a:solidFill>
-                  <a:schemeClr val="dk1"/>
-                </a:solidFill>
-                <a:latin typeface="Source Sans Pro"/>
-                <a:ea typeface="Source Sans Pro"/>
-                <a:cs typeface="Source Sans Pro"/>
-                <a:sym typeface="Source Sans Pro"/>
-              </a:defRPr>
-            </a:lvl9pPr>
-          </a:lstStyle>
-          <a:p>
-            <a:pPr marL="76200" indent="0">
-              <a:buFont typeface="Source Sans Pro"/>
-              <a:buNone/>
-            </a:pPr>
-            <a:r>
-              <a:rPr lang="vi-VN" sz="1800"/>
-              <a:t>Hàm isChainValid() Boolean method, sẽ lặp qua tất cả các block trong chuỗi và so sánh tất cả các hash. Phương thức này sẽ cần thiết để kiểm tra tính toàn vẹn của blockchain</a:t>
-            </a:r>
-            <a:endParaRPr lang="en-US" sz="1800"/>
-          </a:p>
-        </p:txBody>
-      </p:sp>
     </p:spTree>
     <p:extLst>
       <p:ext uri="{BB962C8B-B14F-4D97-AF65-F5344CB8AC3E}">
-        <p14:creationId xmlns:p14="http://schemas.microsoft.com/office/powerpoint/2010/main" val="1291544683"/>
+        <p14:creationId xmlns:p14="http://schemas.microsoft.com/office/powerpoint/2010/main" val="3008925990"/>
       </p:ext>
     </p:extLst>
   </p:cSld>
@@ -24207,49 +24015,210 @@
           </a:p>
         </p:txBody>
       </p:sp>
-      <p:pic>
-        <p:nvPicPr>
-          <p:cNvPr id="5" name="Picture 4" descr="5. Công nghệ Blockchain hoạt động như thế nào">
+      <p:sp>
+        <p:nvSpPr>
+          <p:cNvPr id="6" name="TextBox 5">
             <a:extLst>
               <a:ext uri="{FF2B5EF4-FFF2-40B4-BE49-F238E27FC236}">
-                <a16:creationId xmlns:a16="http://schemas.microsoft.com/office/drawing/2014/main" id="{1B2D3BBE-CAFB-4968-BA9C-5B56B7EDF24A}"/>
+                <a16:creationId xmlns:a16="http://schemas.microsoft.com/office/drawing/2014/main" id="{7A9BCCAB-3458-4BFD-A5D4-9D572D856B11}"/>
               </a:ext>
             </a:extLst>
           </p:cNvPr>
-          <p:cNvPicPr/>
+          <p:cNvSpPr txBox="1"/>
           <p:nvPr/>
-        </p:nvPicPr>
-        <p:blipFill>
-          <a:blip r:embed="rId3">
-            <a:extLst>
-              <a:ext uri="{28A0092B-C50C-407E-A947-70E740481C1C}">
-                <a14:useLocalDpi xmlns:a14="http://schemas.microsoft.com/office/drawing/2010/main" val="0"/>
-              </a:ext>
-            </a:extLst>
-          </a:blip>
-          <a:srcRect/>
-          <a:stretch>
-            <a:fillRect/>
-          </a:stretch>
-        </p:blipFill>
-        <p:spPr bwMode="auto">
+        </p:nvSpPr>
+        <p:spPr>
           <a:xfrm>
-            <a:off x="1531574" y="1338091"/>
-            <a:ext cx="6080852" cy="3068657"/>
+            <a:off x="786150" y="1438044"/>
+            <a:ext cx="7571700" cy="2862322"/>
           </a:xfrm>
           <a:prstGeom prst="rect">
             <a:avLst/>
           </a:prstGeom>
           <a:noFill/>
-          <a:ln>
-            <a:noFill/>
-          </a:ln>
         </p:spPr>
-      </p:pic>
+        <p:txBody>
+          <a:bodyPr wrap="square">
+            <a:spAutoFit/>
+          </a:bodyPr>
+          <a:lstStyle/>
+          <a:p>
+            <a:pPr algn="just"/>
+            <a:r>
+              <a:rPr lang="vi-VN" sz="1800" b="0" i="0">
+                <a:solidFill>
+                  <a:srgbClr val="222222"/>
+                </a:solidFill>
+                <a:effectLst/>
+                <a:latin typeface="Source Sans Pro" panose="020B0503030403020204" pitchFamily="34" charset="0"/>
+                <a:ea typeface="Source Sans Pro" panose="020B0503030403020204" pitchFamily="34" charset="0"/>
+              </a:rPr>
+              <a:t>Trong hệ thống ngân hàng, chúng ta chỉ biết các giao dịch và số dư tài khoản của riêng mình thì trên blockchain của bitcoin bạn có thể xem các giao dịch của tất cả mọi người. ​Mạng lưới Bitcoin là mạng lưới phân tán không cần bên thứ ba đóng vai trò trung gian xử lý giao dịch.​ Hệ thống blockchain được thiết kế theo cách không yêu cầu sự tin cậy và bảo đảm bởi độ tin cậy có được thông qua các </a:t>
+            </a:r>
+            <a:r>
+              <a:rPr lang="vi-VN" sz="1800" b="0" i="0">
+                <a:solidFill>
+                  <a:srgbClr val="FF0000"/>
+                </a:solidFill>
+                <a:effectLst/>
+                <a:latin typeface="Source Sans Pro" panose="020B0503030403020204" pitchFamily="34" charset="0"/>
+                <a:ea typeface="Source Sans Pro" panose="020B0503030403020204" pitchFamily="34" charset="0"/>
+              </a:rPr>
+              <a:t>hàm mã hóa toán học đặc biệt</a:t>
+            </a:r>
+            <a:r>
+              <a:rPr lang="vi-VN" sz="1800" b="0" i="0">
+                <a:solidFill>
+                  <a:srgbClr val="222222"/>
+                </a:solidFill>
+                <a:effectLst/>
+                <a:latin typeface="Source Sans Pro" panose="020B0503030403020204" pitchFamily="34" charset="0"/>
+                <a:ea typeface="Source Sans Pro" panose="020B0503030403020204" pitchFamily="34" charset="0"/>
+              </a:rPr>
+              <a:t>. ​Để có thể thực hiện các giao dịch trên blockchain, bạn cần một phần mềm sẽ cho phép bạn lưu trữ và trao đổi các đồng Bitcoin của bạn gọi là </a:t>
+            </a:r>
+            <a:r>
+              <a:rPr lang="vi-VN" sz="1800" b="0" i="0" u="sng">
+                <a:solidFill>
+                  <a:srgbClr val="222222"/>
+                </a:solidFill>
+                <a:effectLst/>
+                <a:latin typeface="Source Sans Pro" panose="020B0503030403020204" pitchFamily="34" charset="0"/>
+                <a:ea typeface="Source Sans Pro" panose="020B0503030403020204" pitchFamily="34" charset="0"/>
+              </a:rPr>
+              <a:t>ví tiền điện tử</a:t>
+            </a:r>
+            <a:r>
+              <a:rPr lang="vi-VN" sz="1800" b="0" i="0">
+                <a:solidFill>
+                  <a:srgbClr val="222222"/>
+                </a:solidFill>
+                <a:effectLst/>
+                <a:latin typeface="Source Sans Pro" panose="020B0503030403020204" pitchFamily="34" charset="0"/>
+                <a:ea typeface="Source Sans Pro" panose="020B0503030403020204" pitchFamily="34" charset="0"/>
+              </a:rPr>
+              <a:t>. </a:t>
+            </a:r>
+            <a:r>
+              <a:rPr lang="vi-VN" sz="1800" b="0" i="0" u="sng">
+                <a:solidFill>
+                  <a:srgbClr val="222222"/>
+                </a:solidFill>
+                <a:effectLst/>
+                <a:latin typeface="Source Sans Pro" panose="020B0503030403020204" pitchFamily="34" charset="0"/>
+                <a:ea typeface="Source Sans Pro" panose="020B0503030403020204" pitchFamily="34" charset="0"/>
+              </a:rPr>
+              <a:t>Ví tiền điện tử </a:t>
+            </a:r>
+            <a:r>
+              <a:rPr lang="vi-VN" sz="1800" b="0" i="0">
+                <a:solidFill>
+                  <a:srgbClr val="222222"/>
+                </a:solidFill>
+                <a:effectLst/>
+                <a:latin typeface="Source Sans Pro" panose="020B0503030403020204" pitchFamily="34" charset="0"/>
+                <a:ea typeface="Source Sans Pro" panose="020B0503030403020204" pitchFamily="34" charset="0"/>
+              </a:rPr>
+              <a:t>này sẽ được bảo vệ bằng một phương pháp mã hóa đặc biệt đó là sử dụng một cặp khóa bảo mật duy nhất: </a:t>
+            </a:r>
+            <a:r>
+              <a:rPr lang="vi-VN" sz="1800" b="0" i="0">
+                <a:solidFill>
+                  <a:srgbClr val="FF0000"/>
+                </a:solidFill>
+                <a:effectLst/>
+                <a:latin typeface="Source Sans Pro" panose="020B0503030403020204" pitchFamily="34" charset="0"/>
+                <a:ea typeface="Source Sans Pro" panose="020B0503030403020204" pitchFamily="34" charset="0"/>
+              </a:rPr>
+              <a:t>khóa riêng tư </a:t>
+            </a:r>
+            <a:r>
+              <a:rPr lang="vi-VN" sz="1800" b="0" i="0">
+                <a:solidFill>
+                  <a:srgbClr val="222222"/>
+                </a:solidFill>
+                <a:effectLst/>
+                <a:latin typeface="Source Sans Pro" panose="020B0503030403020204" pitchFamily="34" charset="0"/>
+                <a:ea typeface="Source Sans Pro" panose="020B0503030403020204" pitchFamily="34" charset="0"/>
+              </a:rPr>
+              <a:t>(private key) và </a:t>
+            </a:r>
+            <a:r>
+              <a:rPr lang="vi-VN" sz="1800" b="0" i="0">
+                <a:solidFill>
+                  <a:srgbClr val="FF0000"/>
+                </a:solidFill>
+                <a:effectLst/>
+                <a:latin typeface="Source Sans Pro" panose="020B0503030403020204" pitchFamily="34" charset="0"/>
+                <a:ea typeface="Source Sans Pro" panose="020B0503030403020204" pitchFamily="34" charset="0"/>
+              </a:rPr>
+              <a:t>khóa công khai </a:t>
+            </a:r>
+            <a:r>
+              <a:rPr lang="vi-VN" sz="1800" b="0" i="0">
+                <a:solidFill>
+                  <a:srgbClr val="222222"/>
+                </a:solidFill>
+                <a:effectLst/>
+                <a:latin typeface="Source Sans Pro" panose="020B0503030403020204" pitchFamily="34" charset="0"/>
+                <a:ea typeface="Source Sans Pro" panose="020B0503030403020204" pitchFamily="34" charset="0"/>
+              </a:rPr>
+              <a:t>(public key).</a:t>
+            </a:r>
+            <a:endParaRPr lang="vi-VN" sz="1800">
+              <a:latin typeface="Source Sans Pro" panose="020B0503030403020204" pitchFamily="34" charset="0"/>
+              <a:ea typeface="Source Sans Pro" panose="020B0503030403020204" pitchFamily="34" charset="0"/>
+            </a:endParaRPr>
+          </a:p>
+        </p:txBody>
+      </p:sp>
+      <p:sp>
+        <p:nvSpPr>
+          <p:cNvPr id="8" name="TextBox 7">
+            <a:extLst>
+              <a:ext uri="{FF2B5EF4-FFF2-40B4-BE49-F238E27FC236}">
+                <a16:creationId xmlns:a16="http://schemas.microsoft.com/office/drawing/2014/main" id="{217967B2-548D-4CC2-8765-02A423C8EEAE}"/>
+              </a:ext>
+            </a:extLst>
+          </p:cNvPr>
+          <p:cNvSpPr txBox="1"/>
+          <p:nvPr/>
+        </p:nvSpPr>
+        <p:spPr>
+          <a:xfrm>
+            <a:off x="786150" y="1070493"/>
+            <a:ext cx="4572000" cy="369332"/>
+          </a:xfrm>
+          <a:prstGeom prst="rect">
+            <a:avLst/>
+          </a:prstGeom>
+          <a:noFill/>
+        </p:spPr>
+        <p:txBody>
+          <a:bodyPr wrap="square">
+            <a:spAutoFit/>
+          </a:bodyPr>
+          <a:lstStyle/>
+          <a:p>
+            <a:pPr algn="just"/>
+            <a:r>
+              <a:rPr lang="vi-VN" sz="1800" b="0" i="0">
+                <a:solidFill>
+                  <a:srgbClr val="222222"/>
+                </a:solidFill>
+                <a:effectLst/>
+                <a:latin typeface="Source Sans Pro" panose="020B0503030403020204" pitchFamily="34" charset="0"/>
+                <a:ea typeface="Source Sans Pro" panose="020B0503030403020204" pitchFamily="34" charset="0"/>
+              </a:rPr>
+              <a:t>1. Nguyên lý mã hóa:</a:t>
+            </a:r>
+          </a:p>
+        </p:txBody>
+      </p:sp>
     </p:spTree>
     <p:extLst>
       <p:ext uri="{BB962C8B-B14F-4D97-AF65-F5344CB8AC3E}">
-        <p14:creationId xmlns:p14="http://schemas.microsoft.com/office/powerpoint/2010/main" val="4007662234"/>
+        <p14:creationId xmlns:p14="http://schemas.microsoft.com/office/powerpoint/2010/main" val="2289716346"/>
       </p:ext>
     </p:extLst>
   </p:cSld>

--- a/atbmhttt2.pptx
+++ b/atbmhttt2.pptx
@@ -13271,16 +13271,13 @@
               <a:t>Ứng dụng của blockchain trong thương mại điện tử - ví điện tử (Nhóm </a:t>
             </a:r>
             <a:r>
-              <a:rPr lang="vi-VN" sz="4800" b="1">
+              <a:rPr lang="vi-VN" sz="4800">
                 <a:ln w="13462">
                   <a:solidFill>
                     <a:schemeClr val="bg1"/>
                   </a:solidFill>
                   <a:prstDash val="solid"/>
                 </a:ln>
-                <a:solidFill>
-                  <a:srgbClr val="FF0000"/>
-                </a:solidFill>
                 <a:effectLst>
                   <a:outerShdw blurRad="38100" dist="38100" dir="2700000" algn="tl">
                     <a:srgbClr val="000000">
@@ -13291,7 +13288,7 @@
                 <a:latin typeface="Calibri" panose="020F0502020204030204" pitchFamily="34" charset="0"/>
                 <a:cs typeface="Calibri" panose="020F0502020204030204" pitchFamily="34" charset="0"/>
               </a:rPr>
-              <a:t>C</a:t>
+              <a:t>2</a:t>
             </a:r>
             <a:r>
               <a:rPr lang="vi-VN" sz="4800" b="1">
@@ -13311,50 +13308,7 @@
                 <a:latin typeface="Calibri" panose="020F0502020204030204" pitchFamily="34" charset="0"/>
                 <a:cs typeface="Calibri" panose="020F0502020204030204" pitchFamily="34" charset="0"/>
               </a:rPr>
-              <a:t>.</a:t>
-            </a:r>
-            <a:r>
-              <a:rPr lang="vi-VN" sz="4800" b="1">
-                <a:ln w="13462">
-                  <a:solidFill>
-                    <a:schemeClr val="bg1"/>
-                  </a:solidFill>
-                  <a:prstDash val="solid"/>
-                </a:ln>
-                <a:solidFill>
-                  <a:srgbClr val="00B050"/>
-                </a:solidFill>
-                <a:effectLst>
-                  <a:outerShdw blurRad="38100" dist="38100" dir="2700000" algn="tl">
-                    <a:srgbClr val="000000">
-                      <a:alpha val="43137"/>
-                    </a:srgbClr>
-                  </a:outerShdw>
-                </a:effectLst>
-                <a:latin typeface="Calibri" panose="020F0502020204030204" pitchFamily="34" charset="0"/>
-                <a:cs typeface="Calibri" panose="020F0502020204030204" pitchFamily="34" charset="0"/>
-              </a:rPr>
-              <a:t>A</a:t>
-            </a:r>
-            <a:r>
-              <a:rPr lang="vi-VN" sz="4800" b="1">
-                <a:ln w="13462">
-                  <a:solidFill>
-                    <a:schemeClr val="bg1"/>
-                  </a:solidFill>
-                  <a:prstDash val="solid"/>
-                </a:ln>
-                <a:effectLst>
-                  <a:outerShdw blurRad="38100" dist="38100" dir="2700000" algn="tl">
-                    <a:srgbClr val="000000">
-                      <a:alpha val="43137"/>
-                    </a:srgbClr>
-                  </a:outerShdw>
-                </a:effectLst>
-                <a:latin typeface="Calibri" panose="020F0502020204030204" pitchFamily="34" charset="0"/>
-                <a:cs typeface="Calibri" panose="020F0502020204030204" pitchFamily="34" charset="0"/>
-              </a:rPr>
-              <a:t>.T)</a:t>
+              <a:t>)</a:t>
             </a:r>
             <a:endParaRPr lang="vi-VN" sz="4800">
               <a:effectLst>
@@ -13991,11 +13945,11 @@
   <p:clrMapOvr>
     <a:masterClrMapping/>
   </p:clrMapOvr>
-  <mc:AlternateContent xmlns:mc="http://schemas.openxmlformats.org/markup-compatibility/2006">
-    <mc:Choice xmlns:p14="http://schemas.microsoft.com/office/powerpoint/2010/main" Requires="p14">
+  <mc:AlternateContent xmlns:mc="http://schemas.openxmlformats.org/markup-compatibility/2006" xmlns:p14="http://schemas.microsoft.com/office/powerpoint/2010/main">
+    <mc:Choice Requires="p14">
       <p:transition p14:dur="0"/>
     </mc:Choice>
-    <mc:Fallback>
+    <mc:Fallback xmlns="">
       <p:transition/>
     </mc:Fallback>
   </mc:AlternateContent>
@@ -14497,11 +14451,11 @@
   <p:clrMapOvr>
     <a:masterClrMapping/>
   </p:clrMapOvr>
-  <mc:AlternateContent xmlns:mc="http://schemas.openxmlformats.org/markup-compatibility/2006">
-    <mc:Choice xmlns:p14="http://schemas.microsoft.com/office/powerpoint/2010/main" Requires="p14">
+  <mc:AlternateContent xmlns:mc="http://schemas.openxmlformats.org/markup-compatibility/2006" xmlns:p14="http://schemas.microsoft.com/office/powerpoint/2010/main">
+    <mc:Choice Requires="p14">
       <p:transition p14:dur="0"/>
     </mc:Choice>
-    <mc:Fallback>
+    <mc:Fallback xmlns="">
       <p:transition/>
     </mc:Fallback>
   </mc:AlternateContent>
@@ -15031,11 +14985,11 @@
   <p:clrMapOvr>
     <a:masterClrMapping/>
   </p:clrMapOvr>
-  <mc:AlternateContent xmlns:mc="http://schemas.openxmlformats.org/markup-compatibility/2006">
-    <mc:Choice xmlns:p14="http://schemas.microsoft.com/office/powerpoint/2010/main" Requires="p14">
+  <mc:AlternateContent xmlns:mc="http://schemas.openxmlformats.org/markup-compatibility/2006" xmlns:p14="http://schemas.microsoft.com/office/powerpoint/2010/main">
+    <mc:Choice Requires="p14">
       <p:transition p14:dur="0"/>
     </mc:Choice>
-    <mc:Fallback>
+    <mc:Fallback xmlns="">
       <p:transition/>
     </mc:Fallback>
   </mc:AlternateContent>
@@ -16755,11 +16709,11 @@
   <p:clrMapOvr>
     <a:masterClrMapping/>
   </p:clrMapOvr>
-  <mc:AlternateContent xmlns:mc="http://schemas.openxmlformats.org/markup-compatibility/2006">
-    <mc:Choice xmlns:p14="http://schemas.microsoft.com/office/powerpoint/2010/main" Requires="p14">
+  <mc:AlternateContent xmlns:mc="http://schemas.openxmlformats.org/markup-compatibility/2006" xmlns:p14="http://schemas.microsoft.com/office/powerpoint/2010/main">
+    <mc:Choice Requires="p14">
       <p:transition p14:dur="0"/>
     </mc:Choice>
-    <mc:Fallback>
+    <mc:Fallback xmlns="">
       <p:transition/>
     </mc:Fallback>
   </mc:AlternateContent>
@@ -17075,11 +17029,11 @@
   <p:clrMapOvr>
     <a:masterClrMapping/>
   </p:clrMapOvr>
-  <mc:AlternateContent xmlns:mc="http://schemas.openxmlformats.org/markup-compatibility/2006">
-    <mc:Choice xmlns:p14="http://schemas.microsoft.com/office/powerpoint/2010/main" Requires="p14">
+  <mc:AlternateContent xmlns:mc="http://schemas.openxmlformats.org/markup-compatibility/2006" xmlns:p14="http://schemas.microsoft.com/office/powerpoint/2010/main">
+    <mc:Choice Requires="p14">
       <p:transition p14:dur="0"/>
     </mc:Choice>
-    <mc:Fallback>
+    <mc:Fallback xmlns="">
       <p:transition/>
     </mc:Fallback>
   </mc:AlternateContent>
@@ -17403,11 +17357,11 @@
   <p:clrMapOvr>
     <a:masterClrMapping/>
   </p:clrMapOvr>
-  <mc:AlternateContent xmlns:mc="http://schemas.openxmlformats.org/markup-compatibility/2006">
-    <mc:Choice xmlns:p14="http://schemas.microsoft.com/office/powerpoint/2010/main" Requires="p14">
+  <mc:AlternateContent xmlns:mc="http://schemas.openxmlformats.org/markup-compatibility/2006" xmlns:p14="http://schemas.microsoft.com/office/powerpoint/2010/main">
+    <mc:Choice Requires="p14">
       <p:transition p14:dur="0"/>
     </mc:Choice>
-    <mc:Fallback>
+    <mc:Fallback xmlns="">
       <p:transition/>
     </mc:Fallback>
   </mc:AlternateContent>
@@ -17731,11 +17685,11 @@
   <p:clrMapOvr>
     <a:masterClrMapping/>
   </p:clrMapOvr>
-  <mc:AlternateContent xmlns:mc="http://schemas.openxmlformats.org/markup-compatibility/2006">
-    <mc:Choice xmlns:p14="http://schemas.microsoft.com/office/powerpoint/2010/main" Requires="p14">
+  <mc:AlternateContent xmlns:mc="http://schemas.openxmlformats.org/markup-compatibility/2006" xmlns:p14="http://schemas.microsoft.com/office/powerpoint/2010/main">
+    <mc:Choice Requires="p14">
       <p:transition p14:dur="0"/>
     </mc:Choice>
-    <mc:Fallback>
+    <mc:Fallback xmlns="">
       <p:transition/>
     </mc:Fallback>
   </mc:AlternateContent>
@@ -19891,11 +19845,11 @@
   <p:clrMapOvr>
     <a:masterClrMapping/>
   </p:clrMapOvr>
-  <mc:AlternateContent xmlns:mc="http://schemas.openxmlformats.org/markup-compatibility/2006">
-    <mc:Choice xmlns:p14="http://schemas.microsoft.com/office/powerpoint/2010/main" Requires="p14">
+  <mc:AlternateContent xmlns:mc="http://schemas.openxmlformats.org/markup-compatibility/2006" xmlns:p14="http://schemas.microsoft.com/office/powerpoint/2010/main">
+    <mc:Choice Requires="p14">
       <p:transition p14:dur="0"/>
     </mc:Choice>
-    <mc:Fallback>
+    <mc:Fallback xmlns="">
       <p:transition/>
     </mc:Fallback>
   </mc:AlternateContent>
@@ -24026,11 +23980,11 @@
   <p:clrMapOvr>
     <a:masterClrMapping/>
   </p:clrMapOvr>
-  <mc:AlternateContent xmlns:mc="http://schemas.openxmlformats.org/markup-compatibility/2006">
-    <mc:Choice xmlns:p14="http://schemas.microsoft.com/office/powerpoint/2010/main" Requires="p14">
+  <mc:AlternateContent xmlns:mc="http://schemas.openxmlformats.org/markup-compatibility/2006" xmlns:p14="http://schemas.microsoft.com/office/powerpoint/2010/main">
+    <mc:Choice Requires="p14">
       <p:transition p14:dur="0"/>
     </mc:Choice>
-    <mc:Fallback>
+    <mc:Fallback xmlns="">
       <p:transition/>
     </mc:Fallback>
   </mc:AlternateContent>
@@ -25290,11 +25244,11 @@
   <p:clrMapOvr>
     <a:masterClrMapping/>
   </p:clrMapOvr>
-  <mc:AlternateContent xmlns:mc="http://schemas.openxmlformats.org/markup-compatibility/2006">
-    <mc:Choice xmlns:p14="http://schemas.microsoft.com/office/powerpoint/2010/main" Requires="p14">
+  <mc:AlternateContent xmlns:mc="http://schemas.openxmlformats.org/markup-compatibility/2006" xmlns:p14="http://schemas.microsoft.com/office/powerpoint/2010/main">
+    <mc:Choice Requires="p14">
       <p:transition p14:dur="0"/>
     </mc:Choice>
-    <mc:Fallback>
+    <mc:Fallback xmlns="">
       <p:transition/>
     </mc:Fallback>
   </mc:AlternateContent>
@@ -25967,14 +25921,14 @@
           <p:nvPr>
             <p:extLst>
               <p:ext uri="{D42A27DB-BD31-4B8C-83A1-F6EECF244321}">
-                <p14:modId xmlns:p14="http://schemas.microsoft.com/office/powerpoint/2010/main" val="1842731912"/>
+                <p14:modId xmlns:p14="http://schemas.microsoft.com/office/powerpoint/2010/main" val="114948879"/>
               </p:ext>
             </p:extLst>
           </p:nvPr>
         </p:nvGraphicFramePr>
         <p:xfrm>
           <a:off x="786150" y="3139807"/>
-          <a:ext cx="7825088" cy="1259840"/>
+          <a:ext cx="7825088" cy="1112520"/>
         </p:xfrm>
         <a:graphic>
           <a:graphicData uri="http://schemas.openxmlformats.org/drawingml/2006/table">
@@ -26039,7 +25993,7 @@
                     <a:p>
                       <a:r>
                         <a:rPr lang="vi-VN"/>
-                        <a:t>Bitcoin Vietnam News</a:t>
+                        <a:t>Goodmorning</a:t>
                       </a:r>
                     </a:p>
                   </a:txBody>
@@ -26061,7 +26015,7 @@
                           <a:cs typeface="Arial"/>
                           <a:sym typeface="Arial"/>
                         </a:rPr>
-                        <a:t>f3ad777234a24bfacbd8123d6ea0a1961e8539b74b5fa8f2f371ea2cf7b21215</a:t>
+                        <a:t>a2b7e346b6d4ec952b030aa51ec27e6006c8979f963a7e2aa9b66e3bf7ac7a4b</a:t>
                       </a:r>
                       <a:endParaRPr lang="vi-VN"/>
                     </a:p>
@@ -26091,7 +26045,7 @@
                           <a:cs typeface="Arial"/>
                           <a:sym typeface="Arial"/>
                         </a:rPr>
-                        <a:t>cryptoviet.com</a:t>
+                        <a:t>antoanbaomat</a:t>
                       </a:r>
                       <a:endParaRPr lang="vi-VN"/>
                     </a:p>
@@ -26133,7 +26087,7 @@
                           <a:cs typeface="Arial"/>
                           <a:sym typeface="Arial"/>
                         </a:rPr>
-                        <a:t>cbab80bf094869581bb45557b64a8db0b8bab8c8817b5facd0c975d9a5a47805</a:t>
+                        <a:t>0839a1eb2aac8dee47019936991dc721155c77812ee9bb82dfe4a99cc66cb3c4</a:t>
                       </a:r>
                     </a:p>
                   </a:txBody>
@@ -26159,11 +26113,11 @@
   <p:clrMapOvr>
     <a:masterClrMapping/>
   </p:clrMapOvr>
-  <mc:AlternateContent xmlns:mc="http://schemas.openxmlformats.org/markup-compatibility/2006">
-    <mc:Choice xmlns:p14="http://schemas.microsoft.com/office/powerpoint/2010/main" Requires="p14">
+  <mc:AlternateContent xmlns:mc="http://schemas.openxmlformats.org/markup-compatibility/2006" xmlns:p14="http://schemas.microsoft.com/office/powerpoint/2010/main">
+    <mc:Choice Requires="p14">
       <p:transition p14:dur="0"/>
     </mc:Choice>
-    <mc:Fallback>
+    <mc:Fallback xmlns="">
       <p:transition/>
     </mc:Fallback>
   </mc:AlternateContent>
@@ -26878,11 +26832,11 @@
   <p:clrMapOvr>
     <a:masterClrMapping/>
   </p:clrMapOvr>
-  <mc:AlternateContent xmlns:mc="http://schemas.openxmlformats.org/markup-compatibility/2006">
-    <mc:Choice xmlns:p14="http://schemas.microsoft.com/office/powerpoint/2010/main" Requires="p14">
+  <mc:AlternateContent xmlns:mc="http://schemas.openxmlformats.org/markup-compatibility/2006" xmlns:p14="http://schemas.microsoft.com/office/powerpoint/2010/main">
+    <mc:Choice Requires="p14">
       <p:transition p14:dur="10"/>
     </mc:Choice>
-    <mc:Fallback>
+    <mc:Fallback xmlns="">
       <p:transition/>
     </mc:Fallback>
   </mc:AlternateContent>
@@ -28104,11 +28058,11 @@
   <p:clrMapOvr>
     <a:masterClrMapping/>
   </p:clrMapOvr>
-  <mc:AlternateContent xmlns:mc="http://schemas.openxmlformats.org/markup-compatibility/2006">
-    <mc:Choice xmlns:p14="http://schemas.microsoft.com/office/powerpoint/2010/main" Requires="p14">
+  <mc:AlternateContent xmlns:mc="http://schemas.openxmlformats.org/markup-compatibility/2006" xmlns:p14="http://schemas.microsoft.com/office/powerpoint/2010/main">
+    <mc:Choice Requires="p14">
       <p:transition p14:dur="0"/>
     </mc:Choice>
-    <mc:Fallback>
+    <mc:Fallback xmlns="">
       <p:transition/>
     </mc:Fallback>
   </mc:AlternateContent>
@@ -28739,11 +28693,11 @@
   <p:clrMapOvr>
     <a:masterClrMapping/>
   </p:clrMapOvr>
-  <mc:AlternateContent xmlns:mc="http://schemas.openxmlformats.org/markup-compatibility/2006">
-    <mc:Choice xmlns:p14="http://schemas.microsoft.com/office/powerpoint/2010/main" Requires="p14">
+  <mc:AlternateContent xmlns:mc="http://schemas.openxmlformats.org/markup-compatibility/2006" xmlns:p14="http://schemas.microsoft.com/office/powerpoint/2010/main">
+    <mc:Choice Requires="p14">
       <p:transition p14:dur="0"/>
     </mc:Choice>
-    <mc:Fallback>
+    <mc:Fallback xmlns="">
       <p:transition/>
     </mc:Fallback>
   </mc:AlternateContent>
@@ -30293,11 +30247,11 @@
   <p:clrMapOvr>
     <a:masterClrMapping/>
   </p:clrMapOvr>
-  <mc:AlternateContent xmlns:mc="http://schemas.openxmlformats.org/markup-compatibility/2006">
-    <mc:Choice xmlns:p14="http://schemas.microsoft.com/office/powerpoint/2010/main" Requires="p14">
+  <mc:AlternateContent xmlns:mc="http://schemas.openxmlformats.org/markup-compatibility/2006" xmlns:p14="http://schemas.microsoft.com/office/powerpoint/2010/main">
+    <mc:Choice Requires="p14">
       <p:transition p14:dur="10"/>
     </mc:Choice>
-    <mc:Fallback>
+    <mc:Fallback xmlns="">
       <p:transition/>
     </mc:Fallback>
   </mc:AlternateContent>
@@ -31141,11 +31095,11 @@
   <p:clrMapOvr>
     <a:masterClrMapping/>
   </p:clrMapOvr>
-  <mc:AlternateContent xmlns:mc="http://schemas.openxmlformats.org/markup-compatibility/2006">
-    <mc:Choice xmlns:p14="http://schemas.microsoft.com/office/powerpoint/2010/main" Requires="p14">
+  <mc:AlternateContent xmlns:mc="http://schemas.openxmlformats.org/markup-compatibility/2006" xmlns:p14="http://schemas.microsoft.com/office/powerpoint/2010/main">
+    <mc:Choice Requires="p14">
       <p:transition p14:dur="0"/>
     </mc:Choice>
-    <mc:Fallback>
+    <mc:Fallback xmlns="">
       <p:transition/>
     </mc:Fallback>
   </mc:AlternateContent>
@@ -31953,11 +31907,11 @@
   <p:clrMapOvr>
     <a:masterClrMapping/>
   </p:clrMapOvr>
-  <mc:AlternateContent xmlns:mc="http://schemas.openxmlformats.org/markup-compatibility/2006">
-    <mc:Choice xmlns:p14="http://schemas.microsoft.com/office/powerpoint/2010/main" Requires="p14">
+  <mc:AlternateContent xmlns:mc="http://schemas.openxmlformats.org/markup-compatibility/2006" xmlns:p14="http://schemas.microsoft.com/office/powerpoint/2010/main">
+    <mc:Choice Requires="p14">
       <p:transition p14:dur="0"/>
     </mc:Choice>
-    <mc:Fallback>
+    <mc:Fallback xmlns="">
       <p:transition/>
     </mc:Fallback>
   </mc:AlternateContent>
@@ -32652,7 +32606,7 @@
         <p:spPr>
           <a:xfrm>
             <a:off x="786150" y="1438044"/>
-            <a:ext cx="7571700" cy="2862322"/>
+            <a:ext cx="7571700" cy="2585323"/>
           </a:xfrm>
           <a:prstGeom prst="rect">
             <a:avLst/>
@@ -32675,7 +32629,7 @@
                 <a:latin typeface="Source Sans Pro" panose="020B0503030403020204" pitchFamily="34" charset="0"/>
                 <a:ea typeface="Source Sans Pro" panose="020B0503030403020204" pitchFamily="34" charset="0"/>
               </a:rPr>
-              <a:t>Trong hệ thống ngân hàng, chúng ta chỉ biết các giao dịch và số dư tài khoản của riêng mình thì trên blockchain của bitcoin bạn có thể xem các giao dịch của tất cả mọi người. ​Mạng lưới Bitcoin là mạng lưới phân tán không cần bên thứ ba đóng vai trò trung gian xử lý giao dịch.​ Hệ thống blockchain được thiết kế theo cách không yêu cầu sự tin cậy và bảo đảm bởi độ tin cậy có được thông qua các </a:t>
+              <a:t>Trong hệ thống ngân hàng, chúng ta chỉ biết các giao dịch và số dư tài khoản của riêng mình thì trên blockchain của bitcoin bạn có thể xem các giao dịch của tất cả mọi người.​ Hệ thống blockchain được thiết kế theo cách không yêu cầu sự tin cậy và bảo đảm bởi độ tin cậy có được thông qua các </a:t>
             </a:r>
             <a:r>
               <a:rPr lang="vi-VN" sz="1800" b="0" i="0">
@@ -32697,7 +32651,7 @@
                 <a:latin typeface="Source Sans Pro" panose="020B0503030403020204" pitchFamily="34" charset="0"/>
                 <a:ea typeface="Source Sans Pro" panose="020B0503030403020204" pitchFamily="34" charset="0"/>
               </a:rPr>
-              <a:t>. ​Để có thể thực hiện các giao dịch trên blockchain, bạn cần một phần mềm sẽ cho phép bạn lưu trữ và trao đổi các đồng Bitcoin của bạn gọi là </a:t>
+              <a:t>. ​Để có thể thực hiện các giao dịch trên blockchain, bạn cần một phần mềm sẽ cho phép bạn lưu trữ và trao đổi các đồng tiền điện tử của bạn gọi là </a:t>
             </a:r>
             <a:r>
               <a:rPr lang="vi-VN" sz="1800" b="0" i="0" u="sng">
@@ -32847,11 +32801,11 @@
   <p:clrMapOvr>
     <a:masterClrMapping/>
   </p:clrMapOvr>
-  <mc:AlternateContent xmlns:mc="http://schemas.openxmlformats.org/markup-compatibility/2006">
-    <mc:Choice xmlns:p14="http://schemas.microsoft.com/office/powerpoint/2010/main" Requires="p14">
+  <mc:AlternateContent xmlns:mc="http://schemas.openxmlformats.org/markup-compatibility/2006" xmlns:p14="http://schemas.microsoft.com/office/powerpoint/2010/main">
+    <mc:Choice Requires="p14">
       <p:transition p14:dur="10"/>
     </mc:Choice>
-    <mc:Fallback>
+    <mc:Fallback xmlns="">
       <p:transition/>
     </mc:Fallback>
   </mc:AlternateContent>

--- a/atbmhttt2.pptx
+++ b/atbmhttt2.pptx
@@ -48,19 +48,19 @@
   <p:notesSz cx="6858000" cy="9144000"/>
   <p:embeddedFontLst>
     <p:embeddedFont>
-      <p:font typeface="Calibri" panose="020F0502020204030204" pitchFamily="34" charset="0"/>
+      <p:font typeface="Roboto Slab" panose="020B0604020202020204" charset="0"/>
       <p:regular r:id="rId38"/>
       <p:bold r:id="rId39"/>
-      <p:italic r:id="rId40"/>
-      <p:boldItalic r:id="rId41"/>
     </p:embeddedFont>
     <p:embeddedFont>
-      <p:font typeface="Roboto Slab" panose="020B0604020202020204" charset="0"/>
-      <p:regular r:id="rId42"/>
-      <p:bold r:id="rId43"/>
+      <p:font typeface="Source Sans Pro" panose="020B0604020202020204" charset="0"/>
+      <p:regular r:id="rId40"/>
+      <p:bold r:id="rId41"/>
+      <p:italic r:id="rId42"/>
+      <p:boldItalic r:id="rId43"/>
     </p:embeddedFont>
     <p:embeddedFont>
-      <p:font typeface="Source Sans Pro" panose="020B0503030403020204" pitchFamily="34" charset="0"/>
+      <p:font typeface="Calibri" panose="020F0502020204030204" pitchFamily="34" charset="0"/>
       <p:regular r:id="rId44"/>
       <p:bold r:id="rId45"/>
       <p:italic r:id="rId46"/>
@@ -1931,12 +1931,19 @@
         </dgm:presLayoutVars>
       </dgm:prSet>
       <dgm:spPr/>
+      <dgm:t>
+        <a:bodyPr/>
+        <a:lstStyle/>
+        <a:p>
+          <a:endParaRPr lang="en-US"/>
+        </a:p>
+      </dgm:t>
     </dgm:pt>
   </dgm:ptLst>
   <dgm:cxnLst>
     <dgm:cxn modelId="{FDE95F15-E91C-453D-B39D-69216C4F9CC4}" type="presOf" srcId="{ECE54D7A-AE13-43FF-BFD3-740FCBB6670A}" destId="{BC66B88B-106C-4E62-814A-5767A7298D36}" srcOrd="0" destOrd="0" presId="urn:microsoft.com/office/officeart/2008/layout/CaptionedPictures"/>
+    <dgm:cxn modelId="{E2D23192-86D5-45FE-B85C-19420FA7EF09}" type="presOf" srcId="{7BD03B5D-8DC4-4DE9-B32D-785FB7FC8ADD}" destId="{F91F6FB7-A4BF-44E1-B546-23382BCA1676}" srcOrd="0" destOrd="0" presId="urn:microsoft.com/office/officeart/2008/layout/CaptionedPictures"/>
     <dgm:cxn modelId="{24B02E63-4A1D-429F-B03E-62E483F1495D}" srcId="{ECE54D7A-AE13-43FF-BFD3-740FCBB6670A}" destId="{7BD03B5D-8DC4-4DE9-B32D-785FB7FC8ADD}" srcOrd="0" destOrd="0" parTransId="{A5689249-D612-4213-81CB-9998BA3E89D7}" sibTransId="{42431FBC-54BA-4ECA-B2BF-75E3A01F3329}"/>
-    <dgm:cxn modelId="{E2D23192-86D5-45FE-B85C-19420FA7EF09}" type="presOf" srcId="{7BD03B5D-8DC4-4DE9-B32D-785FB7FC8ADD}" destId="{F91F6FB7-A4BF-44E1-B546-23382BCA1676}" srcOrd="0" destOrd="0" presId="urn:microsoft.com/office/officeart/2008/layout/CaptionedPictures"/>
     <dgm:cxn modelId="{2997DACB-DAE7-4510-859D-2955BE68D4AA}" type="presParOf" srcId="{BC66B88B-106C-4E62-814A-5767A7298D36}" destId="{3D073BEC-6F60-4F7D-9D48-8E28BCEA937B}" srcOrd="0" destOrd="0" presId="urn:microsoft.com/office/officeart/2008/layout/CaptionedPictures"/>
     <dgm:cxn modelId="{B74DB173-B19A-4970-B9C5-4BDF5A8116B0}" type="presParOf" srcId="{3D073BEC-6F60-4F7D-9D48-8E28BCEA937B}" destId="{C7C1D566-C809-491D-B30E-FADDE18881B5}" srcOrd="0" destOrd="0" presId="urn:microsoft.com/office/officeart/2008/layout/CaptionedPictures"/>
     <dgm:cxn modelId="{16A610CC-B127-4C32-9480-9E906F1892CB}" type="presParOf" srcId="{3D073BEC-6F60-4F7D-9D48-8E28BCEA937B}" destId="{73E53409-0FD3-42E2-9DF8-0EF91943D167}" srcOrd="1" destOrd="0" presId="urn:microsoft.com/office/officeart/2008/layout/CaptionedPictures"/>
@@ -2083,11 +2090,18 @@
         </dgm:presLayoutVars>
       </dgm:prSet>
       <dgm:spPr/>
+      <dgm:t>
+        <a:bodyPr/>
+        <a:lstStyle/>
+        <a:p>
+          <a:endParaRPr lang="en-US"/>
+        </a:p>
+      </dgm:t>
     </dgm:pt>
   </dgm:ptLst>
   <dgm:cxnLst>
+    <dgm:cxn modelId="{891E187F-A565-410F-BE5B-C40EC6BD6AB4}" type="presOf" srcId="{5C912FC0-BB1C-4F1F-877A-8E047601AC0A}" destId="{6DF15F37-E035-492C-864E-E77850C6FDAC}" srcOrd="0" destOrd="0" presId="urn:microsoft.com/office/officeart/2008/layout/CaptionedPictures"/>
     <dgm:cxn modelId="{8F4D2E31-75BD-4E15-BE35-E0AB342D3847}" type="presOf" srcId="{59597D48-2EE5-499E-B338-B4C730DB3328}" destId="{DF679831-AD53-47C4-8320-A1FF7F18A410}" srcOrd="0" destOrd="0" presId="urn:microsoft.com/office/officeart/2008/layout/CaptionedPictures"/>
-    <dgm:cxn modelId="{891E187F-A565-410F-BE5B-C40EC6BD6AB4}" type="presOf" srcId="{5C912FC0-BB1C-4F1F-877A-8E047601AC0A}" destId="{6DF15F37-E035-492C-864E-E77850C6FDAC}" srcOrd="0" destOrd="0" presId="urn:microsoft.com/office/officeart/2008/layout/CaptionedPictures"/>
     <dgm:cxn modelId="{BAC2388B-2784-416C-BE38-A17CE80B2BE9}" srcId="{59597D48-2EE5-499E-B338-B4C730DB3328}" destId="{5C912FC0-BB1C-4F1F-877A-8E047601AC0A}" srcOrd="0" destOrd="0" parTransId="{39A02440-79C5-442E-B254-F5346A70C8D2}" sibTransId="{4E155D26-5DA4-4C31-A0C3-2E5F57EBD408}"/>
     <dgm:cxn modelId="{75D9A120-5F64-4B1A-B559-823CD6029CCC}" type="presParOf" srcId="{DF679831-AD53-47C4-8320-A1FF7F18A410}" destId="{4A5BEA51-6136-42BC-9F6F-FAD30BF943D1}" srcOrd="0" destOrd="0" presId="urn:microsoft.com/office/officeart/2008/layout/CaptionedPictures"/>
     <dgm:cxn modelId="{096CDE2F-B77F-4046-A15E-66EDEEEF7B9A}" type="presParOf" srcId="{4A5BEA51-6136-42BC-9F6F-FAD30BF943D1}" destId="{41FBDD5C-3622-4F02-8FD9-582553128E31}" srcOrd="0" destOrd="0" presId="urn:microsoft.com/office/officeart/2008/layout/CaptionedPictures"/>
@@ -2249,7 +2263,7 @@
         </a:bodyPr>
         <a:lstStyle/>
         <a:p>
-          <a:pPr marL="0" lvl="0" indent="0" algn="ctr" defTabSz="1600200">
+          <a:pPr lvl="0" algn="ctr" defTabSz="1600200">
             <a:lnSpc>
               <a:spcPct val="90000"/>
             </a:lnSpc>
@@ -2259,7 +2273,6 @@
             <a:spcAft>
               <a:spcPct val="35000"/>
             </a:spcAft>
-            <a:buNone/>
           </a:pPr>
           <a:endParaRPr lang="vi-VN" sz="3600" kern="1200"/>
         </a:p>
@@ -2418,7 +2431,7 @@
         </a:bodyPr>
         <a:lstStyle/>
         <a:p>
-          <a:pPr marL="0" lvl="0" indent="0" algn="ctr" defTabSz="622300">
+          <a:pPr lvl="0" algn="ctr" defTabSz="622300">
             <a:lnSpc>
               <a:spcPct val="90000"/>
             </a:lnSpc>
@@ -2428,7 +2441,6 @@
             <a:spcAft>
               <a:spcPct val="35000"/>
             </a:spcAft>
-            <a:buNone/>
           </a:pPr>
           <a:r>
             <a:rPr lang="vi-VN" sz="1400" kern="1200"/>
@@ -13271,16 +13283,13 @@
               <a:t>Ứng dụng của blockchain trong thương mại điện tử - ví điện tử (Nhóm </a:t>
             </a:r>
             <a:r>
-              <a:rPr lang="vi-VN" sz="4800" b="1">
+              <a:rPr lang="vi-VN" sz="4800">
                 <a:ln w="13462">
                   <a:solidFill>
                     <a:schemeClr val="bg1"/>
                   </a:solidFill>
                   <a:prstDash val="solid"/>
                 </a:ln>
-                <a:solidFill>
-                  <a:srgbClr val="FF0000"/>
-                </a:solidFill>
                 <a:effectLst>
                   <a:outerShdw blurRad="38100" dist="38100" dir="2700000" algn="tl">
                     <a:srgbClr val="000000">
@@ -13291,7 +13300,7 @@
                 <a:latin typeface="Calibri" panose="020F0502020204030204" pitchFamily="34" charset="0"/>
                 <a:cs typeface="Calibri" panose="020F0502020204030204" pitchFamily="34" charset="0"/>
               </a:rPr>
-              <a:t>C</a:t>
+              <a:t>2</a:t>
             </a:r>
             <a:r>
               <a:rPr lang="vi-VN" sz="4800" b="1">
@@ -13311,50 +13320,7 @@
                 <a:latin typeface="Calibri" panose="020F0502020204030204" pitchFamily="34" charset="0"/>
                 <a:cs typeface="Calibri" panose="020F0502020204030204" pitchFamily="34" charset="0"/>
               </a:rPr>
-              <a:t>.</a:t>
-            </a:r>
-            <a:r>
-              <a:rPr lang="vi-VN" sz="4800" b="1">
-                <a:ln w="13462">
-                  <a:solidFill>
-                    <a:schemeClr val="bg1"/>
-                  </a:solidFill>
-                  <a:prstDash val="solid"/>
-                </a:ln>
-                <a:solidFill>
-                  <a:srgbClr val="00B050"/>
-                </a:solidFill>
-                <a:effectLst>
-                  <a:outerShdw blurRad="38100" dist="38100" dir="2700000" algn="tl">
-                    <a:srgbClr val="000000">
-                      <a:alpha val="43137"/>
-                    </a:srgbClr>
-                  </a:outerShdw>
-                </a:effectLst>
-                <a:latin typeface="Calibri" panose="020F0502020204030204" pitchFamily="34" charset="0"/>
-                <a:cs typeface="Calibri" panose="020F0502020204030204" pitchFamily="34" charset="0"/>
-              </a:rPr>
-              <a:t>A</a:t>
-            </a:r>
-            <a:r>
-              <a:rPr lang="vi-VN" sz="4800" b="1">
-                <a:ln w="13462">
-                  <a:solidFill>
-                    <a:schemeClr val="bg1"/>
-                  </a:solidFill>
-                  <a:prstDash val="solid"/>
-                </a:ln>
-                <a:effectLst>
-                  <a:outerShdw blurRad="38100" dist="38100" dir="2700000" algn="tl">
-                    <a:srgbClr val="000000">
-                      <a:alpha val="43137"/>
-                    </a:srgbClr>
-                  </a:outerShdw>
-                </a:effectLst>
-                <a:latin typeface="Calibri" panose="020F0502020204030204" pitchFamily="34" charset="0"/>
-                <a:cs typeface="Calibri" panose="020F0502020204030204" pitchFamily="34" charset="0"/>
-              </a:rPr>
-              <a:t>.T)</a:t>
+              <a:t>)</a:t>
             </a:r>
             <a:endParaRPr lang="vi-VN" sz="4800">
               <a:effectLst>
@@ -13991,11 +13957,11 @@
   <p:clrMapOvr>
     <a:masterClrMapping/>
   </p:clrMapOvr>
-  <mc:AlternateContent xmlns:mc="http://schemas.openxmlformats.org/markup-compatibility/2006">
-    <mc:Choice xmlns:p14="http://schemas.microsoft.com/office/powerpoint/2010/main" Requires="p14">
+  <mc:AlternateContent xmlns:mc="http://schemas.openxmlformats.org/markup-compatibility/2006" xmlns:p14="http://schemas.microsoft.com/office/powerpoint/2010/main">
+    <mc:Choice Requires="p14">
       <p:transition p14:dur="0"/>
     </mc:Choice>
-    <mc:Fallback>
+    <mc:Fallback xmlns="">
       <p:transition/>
     </mc:Fallback>
   </mc:AlternateContent>
@@ -14450,8 +14416,12 @@
           </a:bodyPr>
           <a:lstStyle/>
           <a:p>
+            <a:pPr marL="285750" indent="-285750">
+              <a:buFont typeface="Wingdings" panose="05000000000000000000" pitchFamily="2" charset="2"/>
+              <a:buChar char="v"/>
+            </a:pPr>
             <a:r>
-              <a:rPr lang="vi-VN" sz="1800">
+              <a:rPr lang="vi-VN" sz="1800" dirty="0">
                 <a:latin typeface="Source Sans Pro" panose="020B0503030403020204" pitchFamily="34" charset="0"/>
                 <a:ea typeface="Source Sans Pro" panose="020B0503030403020204" pitchFamily="34" charset="0"/>
               </a:rPr>
@@ -14459,8 +14429,12 @@
             </a:r>
           </a:p>
           <a:p>
+            <a:pPr marL="285750" indent="-285750">
+              <a:buFont typeface="Wingdings" panose="05000000000000000000" pitchFamily="2" charset="2"/>
+              <a:buChar char="v"/>
+            </a:pPr>
             <a:r>
-              <a:rPr lang="vi-VN" sz="1800">
+              <a:rPr lang="vi-VN" sz="1800" dirty="0">
                 <a:latin typeface="Source Sans Pro" panose="020B0503030403020204" pitchFamily="34" charset="0"/>
                 <a:ea typeface="Source Sans Pro" panose="020B0503030403020204" pitchFamily="34" charset="0"/>
               </a:rPr>
@@ -14468,8 +14442,12 @@
             </a:r>
           </a:p>
           <a:p>
+            <a:pPr marL="285750" indent="-285750">
+              <a:buFont typeface="Wingdings" panose="05000000000000000000" pitchFamily="2" charset="2"/>
+              <a:buChar char="v"/>
+            </a:pPr>
             <a:r>
-              <a:rPr lang="vi-VN" sz="1800">
+              <a:rPr lang="vi-VN" sz="1800" dirty="0">
                 <a:latin typeface="Source Sans Pro" panose="020B0503030403020204" pitchFamily="34" charset="0"/>
                 <a:ea typeface="Source Sans Pro" panose="020B0503030403020204" pitchFamily="34" charset="0"/>
               </a:rPr>
@@ -14477,8 +14455,12 @@
             </a:r>
           </a:p>
           <a:p>
+            <a:pPr marL="285750" indent="-285750">
+              <a:buFont typeface="Wingdings" panose="05000000000000000000" pitchFamily="2" charset="2"/>
+              <a:buChar char="v"/>
+            </a:pPr>
             <a:r>
-              <a:rPr lang="vi-VN" sz="1800">
+              <a:rPr lang="vi-VN" sz="1800" dirty="0">
                 <a:latin typeface="Source Sans Pro" panose="020B0503030403020204" pitchFamily="34" charset="0"/>
                 <a:ea typeface="Source Sans Pro" panose="020B0503030403020204" pitchFamily="34" charset="0"/>
               </a:rPr>
@@ -14497,11 +14479,11 @@
   <p:clrMapOvr>
     <a:masterClrMapping/>
   </p:clrMapOvr>
-  <mc:AlternateContent xmlns:mc="http://schemas.openxmlformats.org/markup-compatibility/2006">
-    <mc:Choice xmlns:p14="http://schemas.microsoft.com/office/powerpoint/2010/main" Requires="p14">
+  <mc:AlternateContent xmlns:mc="http://schemas.openxmlformats.org/markup-compatibility/2006" xmlns:p14="http://schemas.microsoft.com/office/powerpoint/2010/main">
+    <mc:Choice Requires="p14">
       <p:transition p14:dur="0"/>
     </mc:Choice>
-    <mc:Fallback>
+    <mc:Fallback xmlns="">
       <p:transition/>
     </mc:Fallback>
   </mc:AlternateContent>
@@ -15031,11 +15013,11 @@
   <p:clrMapOvr>
     <a:masterClrMapping/>
   </p:clrMapOvr>
-  <mc:AlternateContent xmlns:mc="http://schemas.openxmlformats.org/markup-compatibility/2006">
-    <mc:Choice xmlns:p14="http://schemas.microsoft.com/office/powerpoint/2010/main" Requires="p14">
+  <mc:AlternateContent xmlns:mc="http://schemas.openxmlformats.org/markup-compatibility/2006" xmlns:p14="http://schemas.microsoft.com/office/powerpoint/2010/main">
+    <mc:Choice Requires="p14">
       <p:transition p14:dur="0"/>
     </mc:Choice>
-    <mc:Fallback>
+    <mc:Fallback xmlns="">
       <p:transition/>
     </mc:Fallback>
   </mc:AlternateContent>
@@ -15405,9 +15387,12 @@
           </a:bodyPr>
           <a:lstStyle/>
           <a:p>
-            <a:pPr algn="just"/>
+            <a:pPr marL="285750" indent="-285750" algn="just">
+              <a:buFont typeface="Wingdings" panose="05000000000000000000" pitchFamily="2" charset="2"/>
+              <a:buChar char="v"/>
+            </a:pPr>
             <a:r>
-              <a:rPr lang="vi-VN" sz="1800" b="0" i="0">
+              <a:rPr lang="vi-VN" sz="1800" b="0" i="0" dirty="0">
                 <a:solidFill>
                   <a:srgbClr val="222222"/>
                 </a:solidFill>
@@ -15419,9 +15404,12 @@
             </a:r>
           </a:p>
           <a:p>
-            <a:pPr algn="just"/>
+            <a:pPr marL="285750" indent="-285750" algn="just">
+              <a:buFont typeface="Wingdings" panose="05000000000000000000" pitchFamily="2" charset="2"/>
+              <a:buChar char="v"/>
+            </a:pPr>
             <a:r>
-              <a:rPr lang="vi-VN" sz="1800" b="0" i="0">
+              <a:rPr lang="vi-VN" sz="1800" b="0" i="0" dirty="0">
                 <a:solidFill>
                   <a:srgbClr val="222222"/>
                 </a:solidFill>
@@ -15433,9 +15421,12 @@
             </a:r>
           </a:p>
           <a:p>
-            <a:pPr algn="just"/>
+            <a:pPr marL="285750" indent="-285750" algn="just">
+              <a:buFont typeface="Wingdings" panose="05000000000000000000" pitchFamily="2" charset="2"/>
+              <a:buChar char="v"/>
+            </a:pPr>
             <a:r>
-              <a:rPr lang="vi-VN" sz="1800" b="0" i="0">
+              <a:rPr lang="vi-VN" sz="1800" b="0" i="0" dirty="0">
                 <a:solidFill>
                   <a:srgbClr val="222222"/>
                 </a:solidFill>
@@ -16755,11 +16746,11 @@
   <p:clrMapOvr>
     <a:masterClrMapping/>
   </p:clrMapOvr>
-  <mc:AlternateContent xmlns:mc="http://schemas.openxmlformats.org/markup-compatibility/2006">
-    <mc:Choice xmlns:p14="http://schemas.microsoft.com/office/powerpoint/2010/main" Requires="p14">
+  <mc:AlternateContent xmlns:mc="http://schemas.openxmlformats.org/markup-compatibility/2006" xmlns:p14="http://schemas.microsoft.com/office/powerpoint/2010/main">
+    <mc:Choice Requires="p14">
       <p:transition p14:dur="0"/>
     </mc:Choice>
-    <mc:Fallback>
+    <mc:Fallback xmlns="">
       <p:transition/>
     </mc:Fallback>
   </mc:AlternateContent>
@@ -17075,11 +17066,11 @@
   <p:clrMapOvr>
     <a:masterClrMapping/>
   </p:clrMapOvr>
-  <mc:AlternateContent xmlns:mc="http://schemas.openxmlformats.org/markup-compatibility/2006">
-    <mc:Choice xmlns:p14="http://schemas.microsoft.com/office/powerpoint/2010/main" Requires="p14">
+  <mc:AlternateContent xmlns:mc="http://schemas.openxmlformats.org/markup-compatibility/2006" xmlns:p14="http://schemas.microsoft.com/office/powerpoint/2010/main">
+    <mc:Choice Requires="p14">
       <p:transition p14:dur="0"/>
     </mc:Choice>
-    <mc:Fallback>
+    <mc:Fallback xmlns="">
       <p:transition/>
     </mc:Fallback>
   </mc:AlternateContent>
@@ -17403,11 +17394,11 @@
   <p:clrMapOvr>
     <a:masterClrMapping/>
   </p:clrMapOvr>
-  <mc:AlternateContent xmlns:mc="http://schemas.openxmlformats.org/markup-compatibility/2006">
-    <mc:Choice xmlns:p14="http://schemas.microsoft.com/office/powerpoint/2010/main" Requires="p14">
+  <mc:AlternateContent xmlns:mc="http://schemas.openxmlformats.org/markup-compatibility/2006" xmlns:p14="http://schemas.microsoft.com/office/powerpoint/2010/main">
+    <mc:Choice Requires="p14">
       <p:transition p14:dur="0"/>
     </mc:Choice>
-    <mc:Fallback>
+    <mc:Fallback xmlns="">
       <p:transition/>
     </mc:Fallback>
   </mc:AlternateContent>
@@ -17731,11 +17722,11 @@
   <p:clrMapOvr>
     <a:masterClrMapping/>
   </p:clrMapOvr>
-  <mc:AlternateContent xmlns:mc="http://schemas.openxmlformats.org/markup-compatibility/2006">
-    <mc:Choice xmlns:p14="http://schemas.microsoft.com/office/powerpoint/2010/main" Requires="p14">
+  <mc:AlternateContent xmlns:mc="http://schemas.openxmlformats.org/markup-compatibility/2006" xmlns:p14="http://schemas.microsoft.com/office/powerpoint/2010/main">
+    <mc:Choice Requires="p14">
       <p:transition p14:dur="0"/>
     </mc:Choice>
-    <mc:Fallback>
+    <mc:Fallback xmlns="">
       <p:transition/>
     </mc:Fallback>
   </mc:AlternateContent>
@@ -19891,11 +19882,11 @@
   <p:clrMapOvr>
     <a:masterClrMapping/>
   </p:clrMapOvr>
-  <mc:AlternateContent xmlns:mc="http://schemas.openxmlformats.org/markup-compatibility/2006">
-    <mc:Choice xmlns:p14="http://schemas.microsoft.com/office/powerpoint/2010/main" Requires="p14">
+  <mc:AlternateContent xmlns:mc="http://schemas.openxmlformats.org/markup-compatibility/2006" xmlns:p14="http://schemas.microsoft.com/office/powerpoint/2010/main">
+    <mc:Choice Requires="p14">
       <p:transition p14:dur="0"/>
     </mc:Choice>
-    <mc:Fallback>
+    <mc:Fallback xmlns="">
       <p:transition/>
     </mc:Fallback>
   </mc:AlternateContent>
@@ -24026,11 +24017,11 @@
   <p:clrMapOvr>
     <a:masterClrMapping/>
   </p:clrMapOvr>
-  <mc:AlternateContent xmlns:mc="http://schemas.openxmlformats.org/markup-compatibility/2006">
-    <mc:Choice xmlns:p14="http://schemas.microsoft.com/office/powerpoint/2010/main" Requires="p14">
+  <mc:AlternateContent xmlns:mc="http://schemas.openxmlformats.org/markup-compatibility/2006" xmlns:p14="http://schemas.microsoft.com/office/powerpoint/2010/main">
+    <mc:Choice Requires="p14">
       <p:transition p14:dur="0"/>
     </mc:Choice>
-    <mc:Fallback>
+    <mc:Fallback xmlns="">
       <p:transition/>
     </mc:Fallback>
   </mc:AlternateContent>
@@ -25290,11 +25281,11 @@
   <p:clrMapOvr>
     <a:masterClrMapping/>
   </p:clrMapOvr>
-  <mc:AlternateContent xmlns:mc="http://schemas.openxmlformats.org/markup-compatibility/2006">
-    <mc:Choice xmlns:p14="http://schemas.microsoft.com/office/powerpoint/2010/main" Requires="p14">
+  <mc:AlternateContent xmlns:mc="http://schemas.openxmlformats.org/markup-compatibility/2006" xmlns:p14="http://schemas.microsoft.com/office/powerpoint/2010/main">
+    <mc:Choice Requires="p14">
       <p:transition p14:dur="0"/>
     </mc:Choice>
-    <mc:Fallback>
+    <mc:Fallback xmlns="">
       <p:transition/>
     </mc:Fallback>
   </mc:AlternateContent>
@@ -25967,14 +25958,14 @@
           <p:nvPr>
             <p:extLst>
               <p:ext uri="{D42A27DB-BD31-4B8C-83A1-F6EECF244321}">
-                <p14:modId xmlns:p14="http://schemas.microsoft.com/office/powerpoint/2010/main" val="1842731912"/>
+                <p14:modId xmlns:p14="http://schemas.microsoft.com/office/powerpoint/2010/main" val="114948879"/>
               </p:ext>
             </p:extLst>
           </p:nvPr>
         </p:nvGraphicFramePr>
         <p:xfrm>
           <a:off x="786150" y="3139807"/>
-          <a:ext cx="7825088" cy="1259840"/>
+          <a:ext cx="7825088" cy="1112520"/>
         </p:xfrm>
         <a:graphic>
           <a:graphicData uri="http://schemas.openxmlformats.org/drawingml/2006/table">
@@ -26039,7 +26030,7 @@
                     <a:p>
                       <a:r>
                         <a:rPr lang="vi-VN"/>
-                        <a:t>Bitcoin Vietnam News</a:t>
+                        <a:t>Goodmorning</a:t>
                       </a:r>
                     </a:p>
                   </a:txBody>
@@ -26061,7 +26052,7 @@
                           <a:cs typeface="Arial"/>
                           <a:sym typeface="Arial"/>
                         </a:rPr>
-                        <a:t>f3ad777234a24bfacbd8123d6ea0a1961e8539b74b5fa8f2f371ea2cf7b21215</a:t>
+                        <a:t>a2b7e346b6d4ec952b030aa51ec27e6006c8979f963a7e2aa9b66e3bf7ac7a4b</a:t>
                       </a:r>
                       <a:endParaRPr lang="vi-VN"/>
                     </a:p>
@@ -26091,7 +26082,7 @@
                           <a:cs typeface="Arial"/>
                           <a:sym typeface="Arial"/>
                         </a:rPr>
-                        <a:t>cryptoviet.com</a:t>
+                        <a:t>antoanbaomat</a:t>
                       </a:r>
                       <a:endParaRPr lang="vi-VN"/>
                     </a:p>
@@ -26133,7 +26124,7 @@
                           <a:cs typeface="Arial"/>
                           <a:sym typeface="Arial"/>
                         </a:rPr>
-                        <a:t>cbab80bf094869581bb45557b64a8db0b8bab8c8817b5facd0c975d9a5a47805</a:t>
+                        <a:t>0839a1eb2aac8dee47019936991dc721155c77812ee9bb82dfe4a99cc66cb3c4</a:t>
                       </a:r>
                     </a:p>
                   </a:txBody>
@@ -26159,11 +26150,11 @@
   <p:clrMapOvr>
     <a:masterClrMapping/>
   </p:clrMapOvr>
-  <mc:AlternateContent xmlns:mc="http://schemas.openxmlformats.org/markup-compatibility/2006">
-    <mc:Choice xmlns:p14="http://schemas.microsoft.com/office/powerpoint/2010/main" Requires="p14">
+  <mc:AlternateContent xmlns:mc="http://schemas.openxmlformats.org/markup-compatibility/2006" xmlns:p14="http://schemas.microsoft.com/office/powerpoint/2010/main">
+    <mc:Choice Requires="p14">
       <p:transition p14:dur="0"/>
     </mc:Choice>
-    <mc:Fallback>
+    <mc:Fallback xmlns="">
       <p:transition/>
     </mc:Fallback>
   </mc:AlternateContent>
@@ -26878,11 +26869,11 @@
   <p:clrMapOvr>
     <a:masterClrMapping/>
   </p:clrMapOvr>
-  <mc:AlternateContent xmlns:mc="http://schemas.openxmlformats.org/markup-compatibility/2006">
-    <mc:Choice xmlns:p14="http://schemas.microsoft.com/office/powerpoint/2010/main" Requires="p14">
+  <mc:AlternateContent xmlns:mc="http://schemas.openxmlformats.org/markup-compatibility/2006" xmlns:p14="http://schemas.microsoft.com/office/powerpoint/2010/main">
+    <mc:Choice Requires="p14">
       <p:transition p14:dur="10"/>
     </mc:Choice>
-    <mc:Fallback>
+    <mc:Fallback xmlns="">
       <p:transition/>
     </mc:Fallback>
   </mc:AlternateContent>
@@ -28104,11 +28095,11 @@
   <p:clrMapOvr>
     <a:masterClrMapping/>
   </p:clrMapOvr>
-  <mc:AlternateContent xmlns:mc="http://schemas.openxmlformats.org/markup-compatibility/2006">
-    <mc:Choice xmlns:p14="http://schemas.microsoft.com/office/powerpoint/2010/main" Requires="p14">
+  <mc:AlternateContent xmlns:mc="http://schemas.openxmlformats.org/markup-compatibility/2006" xmlns:p14="http://schemas.microsoft.com/office/powerpoint/2010/main">
+    <mc:Choice Requires="p14">
       <p:transition p14:dur="0"/>
     </mc:Choice>
-    <mc:Fallback>
+    <mc:Fallback xmlns="">
       <p:transition/>
     </mc:Fallback>
   </mc:AlternateContent>
@@ -28739,11 +28730,11 @@
   <p:clrMapOvr>
     <a:masterClrMapping/>
   </p:clrMapOvr>
-  <mc:AlternateContent xmlns:mc="http://schemas.openxmlformats.org/markup-compatibility/2006">
-    <mc:Choice xmlns:p14="http://schemas.microsoft.com/office/powerpoint/2010/main" Requires="p14">
+  <mc:AlternateContent xmlns:mc="http://schemas.openxmlformats.org/markup-compatibility/2006" xmlns:p14="http://schemas.microsoft.com/office/powerpoint/2010/main">
+    <mc:Choice Requires="p14">
       <p:transition p14:dur="0"/>
     </mc:Choice>
-    <mc:Fallback>
+    <mc:Fallback xmlns="">
       <p:transition/>
     </mc:Fallback>
   </mc:AlternateContent>
@@ -30293,11 +30284,11 @@
   <p:clrMapOvr>
     <a:masterClrMapping/>
   </p:clrMapOvr>
-  <mc:AlternateContent xmlns:mc="http://schemas.openxmlformats.org/markup-compatibility/2006">
-    <mc:Choice xmlns:p14="http://schemas.microsoft.com/office/powerpoint/2010/main" Requires="p14">
+  <mc:AlternateContent xmlns:mc="http://schemas.openxmlformats.org/markup-compatibility/2006" xmlns:p14="http://schemas.microsoft.com/office/powerpoint/2010/main">
+    <mc:Choice Requires="p14">
       <p:transition p14:dur="10"/>
     </mc:Choice>
-    <mc:Fallback>
+    <mc:Fallback xmlns="">
       <p:transition/>
     </mc:Fallback>
   </mc:AlternateContent>
@@ -31141,11 +31132,11 @@
   <p:clrMapOvr>
     <a:masterClrMapping/>
   </p:clrMapOvr>
-  <mc:AlternateContent xmlns:mc="http://schemas.openxmlformats.org/markup-compatibility/2006">
-    <mc:Choice xmlns:p14="http://schemas.microsoft.com/office/powerpoint/2010/main" Requires="p14">
+  <mc:AlternateContent xmlns:mc="http://schemas.openxmlformats.org/markup-compatibility/2006" xmlns:p14="http://schemas.microsoft.com/office/powerpoint/2010/main">
+    <mc:Choice Requires="p14">
       <p:transition p14:dur="0"/>
     </mc:Choice>
-    <mc:Fallback>
+    <mc:Fallback xmlns="">
       <p:transition/>
     </mc:Fallback>
   </mc:AlternateContent>
@@ -31709,7 +31700,7 @@
           <a:blip r:embed="rId3">
             <a:extLst>
               <a:ext uri="{96DAC541-7B7A-43D3-8B79-37D633B846F1}">
-                <asvg:svgBlip xmlns:asvg="http://schemas.microsoft.com/office/drawing/2016/SVG/main" r:embed="rId4"/>
+                <asvg:svgBlip xmlns:asvg="http://schemas.microsoft.com/office/drawing/2016/SVG/main" xmlns="" r:embed="rId4"/>
               </a:ext>
             </a:extLst>
           </a:blip>
@@ -31953,11 +31944,11 @@
   <p:clrMapOvr>
     <a:masterClrMapping/>
   </p:clrMapOvr>
-  <mc:AlternateContent xmlns:mc="http://schemas.openxmlformats.org/markup-compatibility/2006">
-    <mc:Choice xmlns:p14="http://schemas.microsoft.com/office/powerpoint/2010/main" Requires="p14">
+  <mc:AlternateContent xmlns:mc="http://schemas.openxmlformats.org/markup-compatibility/2006" xmlns:p14="http://schemas.microsoft.com/office/powerpoint/2010/main">
+    <mc:Choice Requires="p14">
       <p:transition p14:dur="0"/>
     </mc:Choice>
-    <mc:Fallback>
+    <mc:Fallback xmlns="">
       <p:transition/>
     </mc:Fallback>
   </mc:AlternateContent>
@@ -32652,7 +32643,7 @@
         <p:spPr>
           <a:xfrm>
             <a:off x="786150" y="1438044"/>
-            <a:ext cx="7571700" cy="2862322"/>
+            <a:ext cx="7571700" cy="3139321"/>
           </a:xfrm>
           <a:prstGeom prst="rect">
             <a:avLst/>
@@ -32665,9 +32656,12 @@
           </a:bodyPr>
           <a:lstStyle/>
           <a:p>
-            <a:pPr algn="just"/>
+            <a:pPr marL="285750" indent="-285750" algn="just">
+              <a:buFont typeface="Wingdings" panose="05000000000000000000" pitchFamily="2" charset="2"/>
+              <a:buChar char="v"/>
+            </a:pPr>
             <a:r>
-              <a:rPr lang="vi-VN" sz="1800" b="0" i="0">
+              <a:rPr lang="vi-VN" sz="1800" b="0" i="0" dirty="0">
                 <a:solidFill>
                   <a:srgbClr val="222222"/>
                 </a:solidFill>
@@ -32675,10 +32669,46 @@
                 <a:latin typeface="Source Sans Pro" panose="020B0503030403020204" pitchFamily="34" charset="0"/>
                 <a:ea typeface="Source Sans Pro" panose="020B0503030403020204" pitchFamily="34" charset="0"/>
               </a:rPr>
-              <a:t>Trong hệ thống ngân hàng, chúng ta chỉ biết các giao dịch và số dư tài khoản của riêng mình thì trên blockchain của bitcoin bạn có thể xem các giao dịch của tất cả mọi người. ​Mạng lưới Bitcoin là mạng lưới phân tán không cần bên thứ ba đóng vai trò trung gian xử lý giao dịch.​ Hệ thống blockchain được thiết kế theo cách không yêu cầu sự tin cậy và bảo đảm bởi độ tin cậy có được thông qua các </a:t>
+              <a:t>Trong hệ thống ngân hàng, chúng ta chỉ biết các giao dịch và số dư tài khoản của riêng mình thì trên blockchain của bitcoin bạn có thể xem các giao dịch của tất cả mọi người.​ </a:t>
+            </a:r>
+            <a:endParaRPr lang="vi-VN" sz="1800" b="0" i="0" dirty="0" smtClean="0">
+              <a:solidFill>
+                <a:srgbClr val="222222"/>
+              </a:solidFill>
+              <a:effectLst/>
+              <a:latin typeface="Source Sans Pro" panose="020B0503030403020204" pitchFamily="34" charset="0"/>
+              <a:ea typeface="Source Sans Pro" panose="020B0503030403020204" pitchFamily="34" charset="0"/>
+            </a:endParaRPr>
+          </a:p>
+          <a:p>
+            <a:pPr marL="285750" indent="-285750" algn="just">
+              <a:buFont typeface="Wingdings" panose="05000000000000000000" pitchFamily="2" charset="2"/>
+              <a:buChar char="v"/>
+            </a:pPr>
+            <a:r>
+              <a:rPr lang="vi-VN" sz="1800" b="0" i="0" dirty="0" smtClean="0">
+                <a:solidFill>
+                  <a:srgbClr val="222222"/>
+                </a:solidFill>
+                <a:effectLst/>
+                <a:latin typeface="Source Sans Pro" panose="020B0503030403020204" pitchFamily="34" charset="0"/>
+                <a:ea typeface="Source Sans Pro" panose="020B0503030403020204" pitchFamily="34" charset="0"/>
+              </a:rPr>
+              <a:t>Hệ </a:t>
             </a:r>
             <a:r>
-              <a:rPr lang="vi-VN" sz="1800" b="0" i="0">
+              <a:rPr lang="vi-VN" sz="1800" b="0" i="0" dirty="0">
+                <a:solidFill>
+                  <a:srgbClr val="222222"/>
+                </a:solidFill>
+                <a:effectLst/>
+                <a:latin typeface="Source Sans Pro" panose="020B0503030403020204" pitchFamily="34" charset="0"/>
+                <a:ea typeface="Source Sans Pro" panose="020B0503030403020204" pitchFamily="34" charset="0"/>
+              </a:rPr>
+              <a:t>thống blockchain được thiết kế theo cách không yêu cầu sự tin cậy và bảo đảm bởi độ tin cậy có được thông qua các </a:t>
+            </a:r>
+            <a:r>
+              <a:rPr lang="vi-VN" sz="1800" b="0" i="0" dirty="0">
                 <a:solidFill>
                   <a:srgbClr val="FF0000"/>
                 </a:solidFill>
@@ -32689,7 +32719,7 @@
               <a:t>hàm mã hóa toán học đặc biệt</a:t>
             </a:r>
             <a:r>
-              <a:rPr lang="vi-VN" sz="1800" b="0" i="0">
+              <a:rPr lang="vi-VN" sz="1800" b="0" i="0" dirty="0">
                 <a:solidFill>
                   <a:srgbClr val="222222"/>
                 </a:solidFill>
@@ -32697,10 +32727,10 @@
                 <a:latin typeface="Source Sans Pro" panose="020B0503030403020204" pitchFamily="34" charset="0"/>
                 <a:ea typeface="Source Sans Pro" panose="020B0503030403020204" pitchFamily="34" charset="0"/>
               </a:rPr>
-              <a:t>. ​Để có thể thực hiện các giao dịch trên blockchain, bạn cần một phần mềm sẽ cho phép bạn lưu trữ và trao đổi các đồng Bitcoin của bạn gọi là </a:t>
+              <a:t>. ​Để có thể thực hiện các giao dịch trên blockchain, bạn cần một phần mềm sẽ cho phép bạn lưu trữ và trao đổi các đồng tiền điện tử của bạn gọi là </a:t>
             </a:r>
             <a:r>
-              <a:rPr lang="vi-VN" sz="1800" b="0" i="0" u="sng">
+              <a:rPr lang="vi-VN" sz="1800" b="0" i="0" u="sng" dirty="0">
                 <a:solidFill>
                   <a:srgbClr val="222222"/>
                 </a:solidFill>
@@ -32711,7 +32741,7 @@
               <a:t>ví tiền điện tử</a:t>
             </a:r>
             <a:r>
-              <a:rPr lang="vi-VN" sz="1800" b="0" i="0">
+              <a:rPr lang="vi-VN" sz="1800" b="0" i="0" dirty="0">
                 <a:solidFill>
                   <a:srgbClr val="222222"/>
                 </a:solidFill>
@@ -32721,8 +32751,22 @@
               </a:rPr>
               <a:t>. </a:t>
             </a:r>
+            <a:endParaRPr lang="vi-VN" sz="1800" b="0" i="0" dirty="0" smtClean="0">
+              <a:solidFill>
+                <a:srgbClr val="222222"/>
+              </a:solidFill>
+              <a:effectLst/>
+              <a:latin typeface="Source Sans Pro" panose="020B0503030403020204" pitchFamily="34" charset="0"/>
+              <a:ea typeface="Source Sans Pro" panose="020B0503030403020204" pitchFamily="34" charset="0"/>
+            </a:endParaRPr>
+          </a:p>
+          <a:p>
+            <a:pPr marL="285750" indent="-285750" algn="just">
+              <a:buFont typeface="Wingdings" panose="05000000000000000000" pitchFamily="2" charset="2"/>
+              <a:buChar char="v"/>
+            </a:pPr>
             <a:r>
-              <a:rPr lang="vi-VN" sz="1800" b="0" i="0" u="sng">
+              <a:rPr lang="vi-VN" sz="1800" b="0" i="0" u="sng" dirty="0" smtClean="0">
                 <a:solidFill>
                   <a:srgbClr val="222222"/>
                 </a:solidFill>
@@ -32730,10 +32774,21 @@
                 <a:latin typeface="Source Sans Pro" panose="020B0503030403020204" pitchFamily="34" charset="0"/>
                 <a:ea typeface="Source Sans Pro" panose="020B0503030403020204" pitchFamily="34" charset="0"/>
               </a:rPr>
-              <a:t>Ví tiền điện tử </a:t>
+              <a:t>Ví </a:t>
             </a:r>
             <a:r>
-              <a:rPr lang="vi-VN" sz="1800" b="0" i="0">
+              <a:rPr lang="vi-VN" sz="1800" b="0" i="0" u="sng" dirty="0">
+                <a:solidFill>
+                  <a:srgbClr val="222222"/>
+                </a:solidFill>
+                <a:effectLst/>
+                <a:latin typeface="Source Sans Pro" panose="020B0503030403020204" pitchFamily="34" charset="0"/>
+                <a:ea typeface="Source Sans Pro" panose="020B0503030403020204" pitchFamily="34" charset="0"/>
+              </a:rPr>
+              <a:t>tiền điện tử </a:t>
+            </a:r>
+            <a:r>
+              <a:rPr lang="vi-VN" sz="1800" b="0" i="0" dirty="0">
                 <a:solidFill>
                   <a:srgbClr val="222222"/>
                 </a:solidFill>
@@ -32744,7 +32799,7 @@
               <a:t>này sẽ được bảo vệ bằng một phương pháp mã hóa đặc biệt đó là sử dụng một cặp khóa bảo mật duy nhất: </a:t>
             </a:r>
             <a:r>
-              <a:rPr lang="vi-VN" sz="1800" b="0" i="0">
+              <a:rPr lang="vi-VN" sz="1800" b="0" i="0" dirty="0">
                 <a:solidFill>
                   <a:srgbClr val="FF0000"/>
                 </a:solidFill>
@@ -32755,7 +32810,7 @@
               <a:t>khóa riêng tư </a:t>
             </a:r>
             <a:r>
-              <a:rPr lang="vi-VN" sz="1800" b="0" i="0">
+              <a:rPr lang="vi-VN" sz="1800" b="0" i="0" dirty="0">
                 <a:solidFill>
                   <a:srgbClr val="222222"/>
                 </a:solidFill>
@@ -32766,7 +32821,7 @@
               <a:t>(private key) và </a:t>
             </a:r>
             <a:r>
-              <a:rPr lang="vi-VN" sz="1800" b="0" i="0">
+              <a:rPr lang="vi-VN" sz="1800" b="0" i="0" dirty="0">
                 <a:solidFill>
                   <a:srgbClr val="FF0000"/>
                 </a:solidFill>
@@ -32777,7 +32832,7 @@
               <a:t>khóa công khai </a:t>
             </a:r>
             <a:r>
-              <a:rPr lang="vi-VN" sz="1800" b="0" i="0">
+              <a:rPr lang="vi-VN" sz="1800" b="0" i="0" dirty="0">
                 <a:solidFill>
                   <a:srgbClr val="222222"/>
                 </a:solidFill>
@@ -32787,7 +32842,7 @@
               </a:rPr>
               <a:t>(public key).</a:t>
             </a:r>
-            <a:endParaRPr lang="vi-VN" sz="1800">
+            <a:endParaRPr lang="vi-VN" sz="1800" dirty="0">
               <a:latin typeface="Source Sans Pro" panose="020B0503030403020204" pitchFamily="34" charset="0"/>
               <a:ea typeface="Source Sans Pro" panose="020B0503030403020204" pitchFamily="34" charset="0"/>
             </a:endParaRPr>
@@ -32847,11 +32902,11 @@
   <p:clrMapOvr>
     <a:masterClrMapping/>
   </p:clrMapOvr>
-  <mc:AlternateContent xmlns:mc="http://schemas.openxmlformats.org/markup-compatibility/2006">
-    <mc:Choice xmlns:p14="http://schemas.microsoft.com/office/powerpoint/2010/main" Requires="p14">
+  <mc:AlternateContent xmlns:mc="http://schemas.openxmlformats.org/markup-compatibility/2006" xmlns:p14="http://schemas.microsoft.com/office/powerpoint/2010/main">
+    <mc:Choice Requires="p14">
       <p:transition p14:dur="10"/>
     </mc:Choice>
-    <mc:Fallback>
+    <mc:Fallback xmlns="">
       <p:transition/>
     </mc:Fallback>
   </mc:AlternateContent>
